--- a/5. Other/Free/Abstract and Interface.pptx
+++ b/5. Other/Free/Abstract and Interface.pptx
@@ -7,22 +7,23 @@
   <p:sldIdLst>
     <p:sldId id="256" r:id="rId2"/>
     <p:sldId id="257" r:id="rId3"/>
-    <p:sldId id="272" r:id="rId4"/>
-    <p:sldId id="273" r:id="rId5"/>
-    <p:sldId id="258" r:id="rId6"/>
-    <p:sldId id="259" r:id="rId7"/>
-    <p:sldId id="260" r:id="rId8"/>
-    <p:sldId id="261" r:id="rId9"/>
-    <p:sldId id="262" r:id="rId10"/>
-    <p:sldId id="263" r:id="rId11"/>
-    <p:sldId id="264" r:id="rId12"/>
-    <p:sldId id="265" r:id="rId13"/>
-    <p:sldId id="266" r:id="rId14"/>
-    <p:sldId id="267" r:id="rId15"/>
-    <p:sldId id="268" r:id="rId16"/>
-    <p:sldId id="269" r:id="rId17"/>
-    <p:sldId id="270" r:id="rId18"/>
-    <p:sldId id="271" r:id="rId19"/>
+    <p:sldId id="258" r:id="rId4"/>
+    <p:sldId id="259" r:id="rId5"/>
+    <p:sldId id="275" r:id="rId6"/>
+    <p:sldId id="272" r:id="rId7"/>
+    <p:sldId id="273" r:id="rId8"/>
+    <p:sldId id="260" r:id="rId9"/>
+    <p:sldId id="261" r:id="rId10"/>
+    <p:sldId id="262" r:id="rId11"/>
+    <p:sldId id="263" r:id="rId12"/>
+    <p:sldId id="264" r:id="rId13"/>
+    <p:sldId id="265" r:id="rId14"/>
+    <p:sldId id="266" r:id="rId15"/>
+    <p:sldId id="267" r:id="rId16"/>
+    <p:sldId id="268" r:id="rId17"/>
+    <p:sldId id="269" r:id="rId18"/>
+    <p:sldId id="270" r:id="rId19"/>
+    <p:sldId id="271" r:id="rId20"/>
   </p:sldIdLst>
   <p:sldSz cx="9144000" cy="6858000" type="screen4x3"/>
   <p:notesSz cx="6858000" cy="9144000"/>
@@ -306,7 +307,7 @@
             <a:fld id="{1D8BD707-D9CF-40AE-B4C6-C98DA3205C09}" type="datetimeFigureOut">
               <a:rPr lang="en-US" smtClean="0"/>
               <a:pPr/>
-              <a:t>7/2/2018</a:t>
+              <a:t>7/3/2018</a:t>
             </a:fld>
             <a:endParaRPr lang="en-US"/>
           </a:p>
@@ -473,7 +474,7 @@
             <a:fld id="{1D8BD707-D9CF-40AE-B4C6-C98DA3205C09}" type="datetimeFigureOut">
               <a:rPr lang="en-US" smtClean="0"/>
               <a:pPr/>
-              <a:t>7/2/2018</a:t>
+              <a:t>7/3/2018</a:t>
             </a:fld>
             <a:endParaRPr lang="en-US"/>
           </a:p>
@@ -650,7 +651,7 @@
             <a:fld id="{1D8BD707-D9CF-40AE-B4C6-C98DA3205C09}" type="datetimeFigureOut">
               <a:rPr lang="en-US" smtClean="0"/>
               <a:pPr/>
-              <a:t>7/2/2018</a:t>
+              <a:t>7/3/2018</a:t>
             </a:fld>
             <a:endParaRPr lang="en-US"/>
           </a:p>
@@ -817,7 +818,7 @@
             <a:fld id="{1D8BD707-D9CF-40AE-B4C6-C98DA3205C09}" type="datetimeFigureOut">
               <a:rPr lang="en-US" smtClean="0"/>
               <a:pPr/>
-              <a:t>7/2/2018</a:t>
+              <a:t>7/3/2018</a:t>
             </a:fld>
             <a:endParaRPr lang="en-US"/>
           </a:p>
@@ -1060,7 +1061,7 @@
             <a:fld id="{1D8BD707-D9CF-40AE-B4C6-C98DA3205C09}" type="datetimeFigureOut">
               <a:rPr lang="en-US" smtClean="0"/>
               <a:pPr/>
-              <a:t>7/2/2018</a:t>
+              <a:t>7/3/2018</a:t>
             </a:fld>
             <a:endParaRPr lang="en-US"/>
           </a:p>
@@ -1345,7 +1346,7 @@
             <a:fld id="{1D8BD707-D9CF-40AE-B4C6-C98DA3205C09}" type="datetimeFigureOut">
               <a:rPr lang="en-US" smtClean="0"/>
               <a:pPr/>
-              <a:t>7/2/2018</a:t>
+              <a:t>7/3/2018</a:t>
             </a:fld>
             <a:endParaRPr lang="en-US"/>
           </a:p>
@@ -1764,7 +1765,7 @@
             <a:fld id="{1D8BD707-D9CF-40AE-B4C6-C98DA3205C09}" type="datetimeFigureOut">
               <a:rPr lang="en-US" smtClean="0"/>
               <a:pPr/>
-              <a:t>7/2/2018</a:t>
+              <a:t>7/3/2018</a:t>
             </a:fld>
             <a:endParaRPr lang="en-US"/>
           </a:p>
@@ -1879,7 +1880,7 @@
             <a:fld id="{1D8BD707-D9CF-40AE-B4C6-C98DA3205C09}" type="datetimeFigureOut">
               <a:rPr lang="en-US" smtClean="0"/>
               <a:pPr/>
-              <a:t>7/2/2018</a:t>
+              <a:t>7/3/2018</a:t>
             </a:fld>
             <a:endParaRPr lang="en-US"/>
           </a:p>
@@ -1971,7 +1972,7 @@
             <a:fld id="{1D8BD707-D9CF-40AE-B4C6-C98DA3205C09}" type="datetimeFigureOut">
               <a:rPr lang="en-US" smtClean="0"/>
               <a:pPr/>
-              <a:t>7/2/2018</a:t>
+              <a:t>7/3/2018</a:t>
             </a:fld>
             <a:endParaRPr lang="en-US"/>
           </a:p>
@@ -2245,7 +2246,7 @@
             <a:fld id="{1D8BD707-D9CF-40AE-B4C6-C98DA3205C09}" type="datetimeFigureOut">
               <a:rPr lang="en-US" smtClean="0"/>
               <a:pPr/>
-              <a:t>7/2/2018</a:t>
+              <a:t>7/3/2018</a:t>
             </a:fld>
             <a:endParaRPr lang="en-US"/>
           </a:p>
@@ -2495,7 +2496,7 @@
             <a:fld id="{1D8BD707-D9CF-40AE-B4C6-C98DA3205C09}" type="datetimeFigureOut">
               <a:rPr lang="en-US" smtClean="0"/>
               <a:pPr/>
-              <a:t>7/2/2018</a:t>
+              <a:t>7/3/2018</a:t>
             </a:fld>
             <a:endParaRPr lang="en-US"/>
           </a:p>
@@ -2705,7 +2706,7 @@
             <a:fld id="{1D8BD707-D9CF-40AE-B4C6-C98DA3205C09}" type="datetimeFigureOut">
               <a:rPr lang="en-US" smtClean="0"/>
               <a:pPr/>
-              <a:t>7/2/2018</a:t>
+              <a:t>7/3/2018</a:t>
             </a:fld>
             <a:endParaRPr lang="en-US"/>
           </a:p>
@@ -3225,7 +3226,7 @@
     </p:spTree>
     <p:extLst>
       <p:ext uri="{BB962C8B-B14F-4D97-AF65-F5344CB8AC3E}">
-        <p14:creationId xmlns:p14="http://schemas.microsoft.com/office/powerpoint/2010/main" val="2452286896"/>
+        <p14:creationId xmlns:p14="http://schemas.microsoft.com/office/powerpoint/2010/main" val="1416552654"/>
       </p:ext>
     </p:extLst>
   </p:cSld>
@@ -3293,7 +3294,7 @@
     </p:spTree>
     <p:extLst>
       <p:ext uri="{BB962C8B-B14F-4D97-AF65-F5344CB8AC3E}">
-        <p14:creationId xmlns:p14="http://schemas.microsoft.com/office/powerpoint/2010/main" val="1735282480"/>
+        <p14:creationId xmlns:p14="http://schemas.microsoft.com/office/powerpoint/2010/main" val="2452286896"/>
       </p:ext>
     </p:extLst>
   </p:cSld>
@@ -3361,7 +3362,7 @@
     </p:spTree>
     <p:extLst>
       <p:ext uri="{BB962C8B-B14F-4D97-AF65-F5344CB8AC3E}">
-        <p14:creationId xmlns:p14="http://schemas.microsoft.com/office/powerpoint/2010/main" val="166558829"/>
+        <p14:creationId xmlns:p14="http://schemas.microsoft.com/office/powerpoint/2010/main" val="1735282480"/>
       </p:ext>
     </p:extLst>
   </p:cSld>
@@ -3429,7 +3430,7 @@
     </p:spTree>
     <p:extLst>
       <p:ext uri="{BB962C8B-B14F-4D97-AF65-F5344CB8AC3E}">
-        <p14:creationId xmlns:p14="http://schemas.microsoft.com/office/powerpoint/2010/main" val="2670548292"/>
+        <p14:creationId xmlns:p14="http://schemas.microsoft.com/office/powerpoint/2010/main" val="166558829"/>
       </p:ext>
     </p:extLst>
   </p:cSld>
@@ -3497,7 +3498,7 @@
     </p:spTree>
     <p:extLst>
       <p:ext uri="{BB962C8B-B14F-4D97-AF65-F5344CB8AC3E}">
-        <p14:creationId xmlns:p14="http://schemas.microsoft.com/office/powerpoint/2010/main" val="3444109457"/>
+        <p14:creationId xmlns:p14="http://schemas.microsoft.com/office/powerpoint/2010/main" val="2670548292"/>
       </p:ext>
     </p:extLst>
   </p:cSld>
@@ -3565,7 +3566,7 @@
     </p:spTree>
     <p:extLst>
       <p:ext uri="{BB962C8B-B14F-4D97-AF65-F5344CB8AC3E}">
-        <p14:creationId xmlns:p14="http://schemas.microsoft.com/office/powerpoint/2010/main" val="2729885414"/>
+        <p14:creationId xmlns:p14="http://schemas.microsoft.com/office/powerpoint/2010/main" val="3444109457"/>
       </p:ext>
     </p:extLst>
   </p:cSld>
@@ -3633,7 +3634,7 @@
     </p:spTree>
     <p:extLst>
       <p:ext uri="{BB962C8B-B14F-4D97-AF65-F5344CB8AC3E}">
-        <p14:creationId xmlns:p14="http://schemas.microsoft.com/office/powerpoint/2010/main" val="3233208114"/>
+        <p14:creationId xmlns:p14="http://schemas.microsoft.com/office/powerpoint/2010/main" val="2729885414"/>
       </p:ext>
     </p:extLst>
   </p:cSld>
@@ -3701,6 +3702,74 @@
     </p:spTree>
     <p:extLst>
       <p:ext uri="{BB962C8B-B14F-4D97-AF65-F5344CB8AC3E}">
+        <p14:creationId xmlns:p14="http://schemas.microsoft.com/office/powerpoint/2010/main" val="3233208114"/>
+      </p:ext>
+    </p:extLst>
+  </p:cSld>
+  <p:clrMapOvr>
+    <a:masterClrMapping/>
+  </p:clrMapOvr>
+</p:sld>
+</file>
+
+<file path=ppt/slides/slide18.xml><?xml version="1.0" encoding="utf-8"?>
+<p:sld xmlns:a="http://schemas.openxmlformats.org/drawingml/2006/main" xmlns:r="http://schemas.openxmlformats.org/officeDocument/2006/relationships" xmlns:p="http://schemas.openxmlformats.org/presentationml/2006/main">
+  <p:cSld>
+    <p:spTree>
+      <p:nvGrpSpPr>
+        <p:cNvPr id="1" name=""/>
+        <p:cNvGrpSpPr/>
+        <p:nvPr/>
+      </p:nvGrpSpPr>
+      <p:grpSpPr>
+        <a:xfrm>
+          <a:off x="0" y="0"/>
+          <a:ext cx="0" cy="0"/>
+          <a:chOff x="0" y="0"/>
+          <a:chExt cx="0" cy="0"/>
+        </a:xfrm>
+      </p:grpSpPr>
+      <p:sp>
+        <p:nvSpPr>
+          <p:cNvPr id="2" name="Title 1"/>
+          <p:cNvSpPr>
+            <a:spLocks noGrp="1"/>
+          </p:cNvSpPr>
+          <p:nvPr>
+            <p:ph type="title"/>
+          </p:nvPr>
+        </p:nvSpPr>
+        <p:spPr/>
+        <p:txBody>
+          <a:bodyPr/>
+          <a:lstStyle/>
+          <a:p>
+            <a:endParaRPr lang="en-US"/>
+          </a:p>
+        </p:txBody>
+      </p:sp>
+      <p:sp>
+        <p:nvSpPr>
+          <p:cNvPr id="3" name="Content Placeholder 2"/>
+          <p:cNvSpPr>
+            <a:spLocks noGrp="1"/>
+          </p:cNvSpPr>
+          <p:nvPr>
+            <p:ph idx="1"/>
+          </p:nvPr>
+        </p:nvSpPr>
+        <p:spPr/>
+        <p:txBody>
+          <a:bodyPr/>
+          <a:lstStyle/>
+          <a:p>
+            <a:endParaRPr lang="en-US"/>
+          </a:p>
+        </p:txBody>
+      </p:sp>
+    </p:spTree>
+    <p:extLst>
+      <p:ext uri="{BB962C8B-B14F-4D97-AF65-F5344CB8AC3E}">
         <p14:creationId xmlns:p14="http://schemas.microsoft.com/office/powerpoint/2010/main" val="3092155288"/>
       </p:ext>
     </p:extLst>
@@ -3711,7 +3780,7 @@
 </p:sld>
 </file>
 
-<file path=ppt/slides/slide18.xml><?xml version="1.0" encoding="utf-8"?>
+<file path=ppt/slides/slide19.xml><?xml version="1.0" encoding="utf-8"?>
 <p:sld xmlns:a="http://schemas.openxmlformats.org/drawingml/2006/main" xmlns:r="http://schemas.openxmlformats.org/officeDocument/2006/relationships" xmlns:p="http://schemas.openxmlformats.org/presentationml/2006/main">
   <p:cSld>
     <p:spTree>
@@ -4023,814 +4092,8 @@
           <a:lstStyle/>
           <a:p>
             <a:r>
-              <a:rPr lang="en-US" dirty="0" err="1" smtClean="0"/>
-              <a:t>Từ</a:t>
-            </a:r>
-            <a:r>
-              <a:rPr lang="en-US" dirty="0" smtClean="0"/>
-              <a:t> </a:t>
-            </a:r>
-            <a:r>
-              <a:rPr lang="en-US" dirty="0" err="1" smtClean="0"/>
-              <a:t>khóa</a:t>
-            </a:r>
-            <a:r>
-              <a:rPr lang="en-US" dirty="0" smtClean="0"/>
-              <a:t> Final</a:t>
-            </a:r>
-            <a:endParaRPr lang="en-US" dirty="0"/>
-          </a:p>
-        </p:txBody>
-      </p:sp>
-      <p:sp>
-        <p:nvSpPr>
-          <p:cNvPr id="3" name="Content Placeholder 2"/>
-          <p:cNvSpPr>
-            <a:spLocks noGrp="1"/>
-          </p:cNvSpPr>
-          <p:nvPr>
-            <p:ph idx="1"/>
-          </p:nvPr>
-        </p:nvSpPr>
-        <p:spPr/>
-        <p:txBody>
-          <a:bodyPr/>
-          <a:lstStyle/>
-          <a:p>
-            <a:r>
-              <a:rPr lang="en-US" dirty="0" err="1" smtClean="0"/>
-              <a:t>Dùng</a:t>
-            </a:r>
-            <a:r>
-              <a:rPr lang="en-US" dirty="0" smtClean="0"/>
-              <a:t> </a:t>
-            </a:r>
-            <a:r>
-              <a:rPr lang="en-US" dirty="0" err="1" smtClean="0"/>
-              <a:t>cho</a:t>
-            </a:r>
-            <a:r>
-              <a:rPr lang="en-US" dirty="0" smtClean="0"/>
-              <a:t> </a:t>
-            </a:r>
-            <a:r>
-              <a:rPr lang="en-US" dirty="0" err="1" smtClean="0"/>
-              <a:t>biến</a:t>
-            </a:r>
-            <a:r>
-              <a:rPr lang="en-US" dirty="0" smtClean="0"/>
-              <a:t>, class, method </a:t>
-            </a:r>
-            <a:r>
-              <a:rPr lang="en-US" dirty="0" err="1" smtClean="0"/>
-              <a:t>để</a:t>
-            </a:r>
-            <a:r>
-              <a:rPr lang="en-US" dirty="0" smtClean="0"/>
-              <a:t> </a:t>
-            </a:r>
-            <a:r>
-              <a:rPr lang="en-US" dirty="0" err="1" smtClean="0"/>
-              <a:t>phân</a:t>
-            </a:r>
-            <a:r>
-              <a:rPr lang="en-US" dirty="0" smtClean="0"/>
-              <a:t> </a:t>
-            </a:r>
-            <a:r>
-              <a:rPr lang="en-US" dirty="0" err="1" smtClean="0"/>
-              <a:t>quyền</a:t>
-            </a:r>
-            <a:r>
-              <a:rPr lang="en-US" dirty="0" smtClean="0"/>
-              <a:t> </a:t>
-            </a:r>
-            <a:r>
-              <a:rPr lang="en-US" dirty="0" err="1" smtClean="0"/>
-              <a:t>truy</a:t>
-            </a:r>
-            <a:r>
-              <a:rPr lang="en-US" dirty="0" smtClean="0"/>
-              <a:t> </a:t>
-            </a:r>
-            <a:r>
-              <a:rPr lang="en-US" dirty="0" err="1" smtClean="0"/>
-              <a:t>cập</a:t>
-            </a:r>
-            <a:endParaRPr lang="en-US" dirty="0" smtClean="0"/>
-          </a:p>
-          <a:p>
-            <a:r>
-              <a:rPr lang="en-US" dirty="0" err="1" smtClean="0"/>
-              <a:t>Biến</a:t>
-            </a:r>
-            <a:r>
-              <a:rPr lang="en-US" dirty="0" smtClean="0"/>
-              <a:t> final </a:t>
-            </a:r>
-            <a:r>
-              <a:rPr lang="en-US" dirty="0" err="1" smtClean="0"/>
-              <a:t>là</a:t>
-            </a:r>
-            <a:r>
-              <a:rPr lang="en-US" dirty="0" smtClean="0"/>
-              <a:t> </a:t>
-            </a:r>
-            <a:r>
-              <a:rPr lang="en-US" dirty="0" err="1" smtClean="0"/>
-              <a:t>hằng</a:t>
-            </a:r>
-            <a:r>
-              <a:rPr lang="en-US" dirty="0" smtClean="0"/>
-              <a:t> </a:t>
-            </a:r>
-            <a:r>
-              <a:rPr lang="en-US" dirty="0" err="1" smtClean="0"/>
-              <a:t>số</a:t>
-            </a:r>
-            <a:r>
-              <a:rPr lang="en-US" dirty="0" smtClean="0"/>
-              <a:t> </a:t>
-            </a:r>
-            <a:r>
-              <a:rPr lang="en-US" dirty="0" err="1" smtClean="0"/>
-              <a:t>và</a:t>
-            </a:r>
-            <a:r>
-              <a:rPr lang="en-US" dirty="0" smtClean="0"/>
-              <a:t> </a:t>
-            </a:r>
-            <a:r>
-              <a:rPr lang="en-US" dirty="0" err="1" smtClean="0"/>
-              <a:t>không</a:t>
-            </a:r>
-            <a:r>
-              <a:rPr lang="en-US" dirty="0" smtClean="0"/>
-              <a:t> </a:t>
-            </a:r>
-            <a:r>
-              <a:rPr lang="en-US" dirty="0" err="1" smtClean="0"/>
-              <a:t>thay</a:t>
-            </a:r>
-            <a:r>
-              <a:rPr lang="en-US" dirty="0" smtClean="0"/>
-              <a:t> </a:t>
-            </a:r>
-            <a:r>
-              <a:rPr lang="en-US" dirty="0" err="1" smtClean="0"/>
-              <a:t>đổi</a:t>
-            </a:r>
-            <a:r>
-              <a:rPr lang="en-US" dirty="0" smtClean="0"/>
-              <a:t> </a:t>
-            </a:r>
-            <a:r>
-              <a:rPr lang="en-US" dirty="0" err="1" smtClean="0"/>
-              <a:t>được</a:t>
-            </a:r>
-            <a:r>
-              <a:rPr lang="en-US" dirty="0" smtClean="0"/>
-              <a:t> </a:t>
-            </a:r>
-            <a:r>
-              <a:rPr lang="en-US" dirty="0" err="1" smtClean="0"/>
-              <a:t>giá</a:t>
-            </a:r>
-            <a:r>
-              <a:rPr lang="en-US" dirty="0" smtClean="0"/>
-              <a:t> </a:t>
-            </a:r>
-            <a:r>
-              <a:rPr lang="en-US" dirty="0" err="1" smtClean="0"/>
-              <a:t>trị</a:t>
-            </a:r>
-            <a:r>
-              <a:rPr lang="en-US" dirty="0" smtClean="0"/>
-              <a:t> (</a:t>
-            </a:r>
-            <a:r>
-              <a:rPr lang="en-US" dirty="0" err="1" smtClean="0"/>
-              <a:t>không</a:t>
-            </a:r>
-            <a:r>
-              <a:rPr lang="en-US" dirty="0" smtClean="0"/>
-              <a:t> </a:t>
-            </a:r>
-            <a:r>
-              <a:rPr lang="en-US" dirty="0" err="1" smtClean="0"/>
-              <a:t>có</a:t>
-            </a:r>
-            <a:r>
-              <a:rPr lang="en-US" dirty="0" smtClean="0"/>
-              <a:t> setter)</a:t>
-            </a:r>
-          </a:p>
-          <a:p>
-            <a:r>
-              <a:rPr lang="en-US" dirty="0"/>
-              <a:t>Class final: </a:t>
-            </a:r>
-            <a:r>
-              <a:rPr lang="en-US" dirty="0" err="1"/>
-              <a:t>không</a:t>
-            </a:r>
-            <a:r>
-              <a:rPr lang="en-US" dirty="0"/>
-              <a:t> </a:t>
-            </a:r>
-            <a:r>
-              <a:rPr lang="en-US" dirty="0" err="1"/>
-              <a:t>thể</a:t>
-            </a:r>
-            <a:r>
-              <a:rPr lang="en-US" dirty="0"/>
-              <a:t> </a:t>
-            </a:r>
-            <a:r>
-              <a:rPr lang="en-US" dirty="0" smtClean="0"/>
-              <a:t>extend</a:t>
-            </a:r>
-          </a:p>
-          <a:p>
-            <a:r>
-              <a:rPr lang="en-US" dirty="0" smtClean="0"/>
-              <a:t>Method final: </a:t>
-            </a:r>
-            <a:r>
-              <a:rPr lang="en-US" dirty="0" err="1" smtClean="0"/>
-              <a:t>không</a:t>
-            </a:r>
-            <a:r>
-              <a:rPr lang="en-US" dirty="0" smtClean="0"/>
-              <a:t> </a:t>
-            </a:r>
-            <a:r>
-              <a:rPr lang="en-US" dirty="0" err="1" smtClean="0"/>
-              <a:t>thể</a:t>
-            </a:r>
-            <a:r>
-              <a:rPr lang="en-US" dirty="0" smtClean="0"/>
-              <a:t> </a:t>
-            </a:r>
-            <a:r>
-              <a:rPr lang="en-US" dirty="0" err="1" smtClean="0"/>
-              <a:t>ghi</a:t>
-            </a:r>
-            <a:r>
-              <a:rPr lang="en-US" dirty="0" smtClean="0"/>
-              <a:t> </a:t>
-            </a:r>
-            <a:r>
-              <a:rPr lang="en-US" dirty="0" err="1" smtClean="0"/>
-              <a:t>đè</a:t>
-            </a:r>
-            <a:r>
-              <a:rPr lang="en-US" dirty="0" smtClean="0"/>
-              <a:t>, </a:t>
-            </a:r>
-            <a:r>
-              <a:rPr lang="en-US" dirty="0" err="1" smtClean="0"/>
-              <a:t>có</a:t>
-            </a:r>
-            <a:r>
-              <a:rPr lang="en-US" dirty="0" smtClean="0"/>
-              <a:t> </a:t>
-            </a:r>
-            <a:r>
-              <a:rPr lang="en-US" dirty="0" err="1" smtClean="0"/>
-              <a:t>thể</a:t>
-            </a:r>
-            <a:r>
-              <a:rPr lang="en-US" dirty="0" smtClean="0"/>
-              <a:t> </a:t>
-            </a:r>
-            <a:r>
-              <a:rPr lang="en-US" dirty="0" err="1" smtClean="0"/>
-              <a:t>kế</a:t>
-            </a:r>
-            <a:r>
-              <a:rPr lang="en-US" dirty="0" smtClean="0"/>
-              <a:t> </a:t>
-            </a:r>
-            <a:r>
-              <a:rPr lang="en-US" dirty="0" err="1" smtClean="0"/>
-              <a:t>thừa</a:t>
-            </a:r>
-            <a:r>
-              <a:rPr lang="en-US" dirty="0" smtClean="0"/>
-              <a:t> </a:t>
-            </a:r>
-            <a:r>
-              <a:rPr lang="en-US" dirty="0" err="1" smtClean="0"/>
-              <a:t>từ</a:t>
-            </a:r>
-            <a:r>
-              <a:rPr lang="en-US" dirty="0" smtClean="0"/>
-              <a:t> class </a:t>
-            </a:r>
-            <a:r>
-              <a:rPr lang="en-US" dirty="0" err="1" smtClean="0"/>
-              <a:t>không</a:t>
-            </a:r>
-            <a:r>
-              <a:rPr lang="en-US" dirty="0" smtClean="0"/>
-              <a:t> final</a:t>
-            </a:r>
-          </a:p>
-          <a:p>
-            <a:r>
-              <a:rPr lang="en-US" dirty="0" err="1" smtClean="0"/>
-              <a:t>Biến</a:t>
-            </a:r>
-            <a:r>
-              <a:rPr lang="en-US" dirty="0" smtClean="0"/>
-              <a:t> final, static </a:t>
-            </a:r>
-            <a:r>
-              <a:rPr lang="en-US" dirty="0" err="1" smtClean="0"/>
-              <a:t>có</a:t>
-            </a:r>
-            <a:r>
-              <a:rPr lang="en-US" dirty="0" smtClean="0"/>
-              <a:t> </a:t>
-            </a:r>
-            <a:r>
-              <a:rPr lang="en-US" dirty="0" err="1" smtClean="0"/>
-              <a:t>thể</a:t>
-            </a:r>
-            <a:r>
-              <a:rPr lang="en-US" dirty="0" smtClean="0"/>
-              <a:t> </a:t>
-            </a:r>
-            <a:r>
-              <a:rPr lang="en-US" dirty="0" err="1" smtClean="0"/>
-              <a:t>không</a:t>
-            </a:r>
-            <a:r>
-              <a:rPr lang="en-US" dirty="0" smtClean="0"/>
-              <a:t> </a:t>
-            </a:r>
-            <a:r>
-              <a:rPr lang="en-US" dirty="0" err="1" smtClean="0"/>
-              <a:t>khai</a:t>
-            </a:r>
-            <a:r>
-              <a:rPr lang="en-US" dirty="0" smtClean="0"/>
-              <a:t> </a:t>
-            </a:r>
-            <a:r>
-              <a:rPr lang="en-US" dirty="0" err="1" smtClean="0"/>
-              <a:t>báo</a:t>
-            </a:r>
-            <a:r>
-              <a:rPr lang="en-US" dirty="0" smtClean="0"/>
-              <a:t> </a:t>
-            </a:r>
-            <a:r>
-              <a:rPr lang="en-US" dirty="0" err="1" smtClean="0"/>
-              <a:t>trị</a:t>
-            </a:r>
-            <a:endParaRPr lang="en-US" dirty="0" smtClean="0"/>
-          </a:p>
-        </p:txBody>
-      </p:sp>
-    </p:spTree>
-    <p:extLst>
-      <p:ext uri="{BB962C8B-B14F-4D97-AF65-F5344CB8AC3E}">
-        <p14:creationId xmlns:p14="http://schemas.microsoft.com/office/powerpoint/2010/main" val="4148179437"/>
-      </p:ext>
-    </p:extLst>
-  </p:cSld>
-  <p:clrMapOvr>
-    <a:masterClrMapping/>
-  </p:clrMapOvr>
-</p:sld>
-</file>
-
-<file path=ppt/slides/slide4.xml><?xml version="1.0" encoding="utf-8"?>
-<p:sld xmlns:a="http://schemas.openxmlformats.org/drawingml/2006/main" xmlns:r="http://schemas.openxmlformats.org/officeDocument/2006/relationships" xmlns:p="http://schemas.openxmlformats.org/presentationml/2006/main">
-  <p:cSld>
-    <p:spTree>
-      <p:nvGrpSpPr>
-        <p:cNvPr id="1" name=""/>
-        <p:cNvGrpSpPr/>
-        <p:nvPr/>
-      </p:nvGrpSpPr>
-      <p:grpSpPr>
-        <a:xfrm>
-          <a:off x="0" y="0"/>
-          <a:ext cx="0" cy="0"/>
-          <a:chOff x="0" y="0"/>
-          <a:chExt cx="0" cy="0"/>
-        </a:xfrm>
-      </p:grpSpPr>
-      <p:sp>
-        <p:nvSpPr>
-          <p:cNvPr id="2" name="Title 1"/>
-          <p:cNvSpPr>
-            <a:spLocks noGrp="1"/>
-          </p:cNvSpPr>
-          <p:nvPr>
-            <p:ph type="title"/>
-          </p:nvPr>
-        </p:nvSpPr>
-        <p:spPr/>
-        <p:txBody>
-          <a:bodyPr/>
-          <a:lstStyle/>
-          <a:p>
-            <a:r>
-              <a:rPr lang="en-US" dirty="0" err="1" smtClean="0"/>
-              <a:t>Từ</a:t>
-            </a:r>
-            <a:r>
-              <a:rPr lang="en-US" dirty="0" smtClean="0"/>
-              <a:t> </a:t>
-            </a:r>
-            <a:r>
-              <a:rPr lang="en-US" dirty="0" err="1" smtClean="0"/>
-              <a:t>khóa</a:t>
-            </a:r>
-            <a:r>
-              <a:rPr lang="en-US" dirty="0" smtClean="0"/>
-              <a:t> static</a:t>
-            </a:r>
-            <a:endParaRPr lang="en-US" dirty="0"/>
-          </a:p>
-        </p:txBody>
-      </p:sp>
-      <p:sp>
-        <p:nvSpPr>
-          <p:cNvPr id="3" name="Content Placeholder 2"/>
-          <p:cNvSpPr>
-            <a:spLocks noGrp="1"/>
-          </p:cNvSpPr>
-          <p:nvPr>
-            <p:ph idx="1"/>
-          </p:nvPr>
-        </p:nvSpPr>
-        <p:spPr/>
-        <p:txBody>
-          <a:bodyPr/>
-          <a:lstStyle/>
-          <a:p>
-            <a:r>
-              <a:rPr lang="en-US" dirty="0" err="1" smtClean="0"/>
-              <a:t>Mục</a:t>
-            </a:r>
-            <a:r>
-              <a:rPr lang="en-US" dirty="0" smtClean="0"/>
-              <a:t> </a:t>
-            </a:r>
-            <a:r>
-              <a:rPr lang="en-US" dirty="0" err="1" smtClean="0"/>
-              <a:t>đích</a:t>
-            </a:r>
-            <a:r>
-              <a:rPr lang="en-US" dirty="0" smtClean="0"/>
-              <a:t> </a:t>
-            </a:r>
-            <a:r>
-              <a:rPr lang="en-US" dirty="0" err="1" smtClean="0"/>
-              <a:t>quản</a:t>
-            </a:r>
-            <a:r>
-              <a:rPr lang="en-US" dirty="0" smtClean="0"/>
-              <a:t> </a:t>
-            </a:r>
-            <a:r>
-              <a:rPr lang="en-US" dirty="0" err="1" smtClean="0"/>
-              <a:t>lý</a:t>
-            </a:r>
-            <a:r>
-              <a:rPr lang="en-US" dirty="0" smtClean="0"/>
-              <a:t> </a:t>
-            </a:r>
-            <a:r>
-              <a:rPr lang="en-US" dirty="0" err="1" smtClean="0"/>
-              <a:t>bộ</a:t>
-            </a:r>
-            <a:r>
-              <a:rPr lang="en-US" dirty="0" smtClean="0"/>
-              <a:t> </a:t>
-            </a:r>
-            <a:r>
-              <a:rPr lang="en-US" dirty="0" err="1" smtClean="0"/>
-              <a:t>nhớ</a:t>
-            </a:r>
-            <a:endParaRPr lang="en-US" dirty="0" smtClean="0"/>
-          </a:p>
-          <a:p>
-            <a:r>
-              <a:rPr lang="en-US" dirty="0" err="1" smtClean="0"/>
-              <a:t>Biến</a:t>
-            </a:r>
-            <a:r>
-              <a:rPr lang="en-US" dirty="0" smtClean="0"/>
-              <a:t> static: </a:t>
-            </a:r>
-            <a:r>
-              <a:rPr lang="en-US" dirty="0" err="1" smtClean="0"/>
-              <a:t>Khởi</a:t>
-            </a:r>
-            <a:r>
-              <a:rPr lang="en-US" dirty="0" smtClean="0"/>
-              <a:t> </a:t>
-            </a:r>
-            <a:r>
-              <a:rPr lang="en-US" dirty="0" err="1" smtClean="0"/>
-              <a:t>tạo</a:t>
-            </a:r>
-            <a:r>
-              <a:rPr lang="en-US" dirty="0" smtClean="0"/>
-              <a:t> </a:t>
-            </a:r>
-            <a:r>
-              <a:rPr lang="en-US" dirty="0" err="1" smtClean="0"/>
-              <a:t>một</a:t>
-            </a:r>
-            <a:r>
-              <a:rPr lang="en-US" dirty="0" smtClean="0"/>
-              <a:t> </a:t>
-            </a:r>
-            <a:r>
-              <a:rPr lang="en-US" dirty="0" err="1" smtClean="0"/>
-              <a:t>lần</a:t>
-            </a:r>
-            <a:r>
-              <a:rPr lang="en-US" dirty="0" smtClean="0"/>
-              <a:t> </a:t>
-            </a:r>
-            <a:r>
-              <a:rPr lang="en-US" dirty="0" err="1" smtClean="0"/>
-              <a:t>duy</a:t>
-            </a:r>
-            <a:r>
-              <a:rPr lang="en-US" dirty="0" smtClean="0"/>
-              <a:t> </a:t>
-            </a:r>
-            <a:r>
-              <a:rPr lang="en-US" dirty="0" err="1" smtClean="0"/>
-              <a:t>nhất</a:t>
-            </a:r>
-            <a:endParaRPr lang="en-US" dirty="0" smtClean="0"/>
-          </a:p>
-          <a:p>
-            <a:r>
-              <a:rPr lang="en-US" dirty="0" smtClean="0"/>
-              <a:t>Method static: </a:t>
-            </a:r>
-            <a:r>
-              <a:rPr lang="en-US" dirty="0" err="1" smtClean="0"/>
-              <a:t>gọi</a:t>
-            </a:r>
-            <a:r>
-              <a:rPr lang="en-US" dirty="0" smtClean="0"/>
-              <a:t> </a:t>
-            </a:r>
-            <a:r>
-              <a:rPr lang="en-US" dirty="0" err="1" smtClean="0"/>
-              <a:t>trực</a:t>
-            </a:r>
-            <a:r>
-              <a:rPr lang="en-US" dirty="0" smtClean="0"/>
-              <a:t> </a:t>
-            </a:r>
-            <a:r>
-              <a:rPr lang="en-US" dirty="0" err="1" smtClean="0"/>
-              <a:t>tiếp</a:t>
-            </a:r>
-            <a:r>
-              <a:rPr lang="en-US" dirty="0" smtClean="0"/>
-              <a:t> </a:t>
-            </a:r>
-            <a:r>
-              <a:rPr lang="en-US" dirty="0" err="1" smtClean="0"/>
-              <a:t>mà</a:t>
-            </a:r>
-            <a:r>
-              <a:rPr lang="en-US" dirty="0" smtClean="0"/>
-              <a:t> </a:t>
-            </a:r>
-            <a:r>
-              <a:rPr lang="en-US" dirty="0" err="1" smtClean="0"/>
-              <a:t>không</a:t>
-            </a:r>
-            <a:r>
-              <a:rPr lang="en-US" dirty="0" smtClean="0"/>
-              <a:t> </a:t>
-            </a:r>
-            <a:r>
-              <a:rPr lang="en-US" dirty="0" err="1" smtClean="0"/>
-              <a:t>cần</a:t>
-            </a:r>
-            <a:r>
-              <a:rPr lang="en-US" dirty="0" smtClean="0"/>
-              <a:t> </a:t>
-            </a:r>
-            <a:r>
-              <a:rPr lang="en-US" dirty="0" err="1" smtClean="0"/>
-              <a:t>khởi</a:t>
-            </a:r>
-            <a:r>
-              <a:rPr lang="en-US" dirty="0" smtClean="0"/>
-              <a:t> </a:t>
-            </a:r>
-            <a:r>
-              <a:rPr lang="en-US" dirty="0" err="1" smtClean="0"/>
-              <a:t>tạo</a:t>
-            </a:r>
-            <a:r>
-              <a:rPr lang="en-US" dirty="0" smtClean="0"/>
-              <a:t> </a:t>
-            </a:r>
-            <a:r>
-              <a:rPr lang="en-US" dirty="0" err="1" smtClean="0"/>
-              <a:t>đối</a:t>
-            </a:r>
-            <a:r>
-              <a:rPr lang="en-US" dirty="0" smtClean="0"/>
-              <a:t> </a:t>
-            </a:r>
-            <a:r>
-              <a:rPr lang="en-US" dirty="0" err="1" smtClean="0"/>
-              <a:t>tượng</a:t>
-            </a:r>
-            <a:endParaRPr lang="en-US" dirty="0" smtClean="0"/>
-          </a:p>
-          <a:p>
-            <a:r>
-              <a:rPr lang="en-US" dirty="0" smtClean="0"/>
-              <a:t>Class static: </a:t>
-            </a:r>
-            <a:r>
-              <a:rPr lang="en-US" dirty="0" err="1" smtClean="0"/>
-              <a:t>chỉ</a:t>
-            </a:r>
-            <a:r>
-              <a:rPr lang="en-US" dirty="0" smtClean="0"/>
-              <a:t> </a:t>
-            </a:r>
-            <a:r>
-              <a:rPr lang="en-US" dirty="0" err="1" smtClean="0"/>
-              <a:t>có</a:t>
-            </a:r>
-            <a:r>
-              <a:rPr lang="en-US" dirty="0" smtClean="0"/>
-              <a:t> </a:t>
-            </a:r>
-            <a:r>
-              <a:rPr lang="en-US" dirty="0" err="1" smtClean="0"/>
-              <a:t>thể</a:t>
-            </a:r>
-            <a:r>
-              <a:rPr lang="en-US" dirty="0" smtClean="0"/>
-              <a:t> </a:t>
-            </a:r>
-            <a:r>
-              <a:rPr lang="en-US" dirty="0" err="1" smtClean="0"/>
-              <a:t>là</a:t>
-            </a:r>
-            <a:r>
-              <a:rPr lang="en-US" dirty="0" smtClean="0"/>
-              <a:t> </a:t>
-            </a:r>
-            <a:r>
-              <a:rPr lang="en-US" dirty="0"/>
-              <a:t>I</a:t>
-            </a:r>
-            <a:r>
-              <a:rPr lang="en-US" dirty="0" smtClean="0"/>
-              <a:t>nner Class</a:t>
-            </a:r>
-          </a:p>
-          <a:p>
-            <a:r>
-              <a:rPr lang="en-US" dirty="0" err="1" smtClean="0"/>
-              <a:t>Ngoài</a:t>
-            </a:r>
-            <a:r>
-              <a:rPr lang="en-US" dirty="0" smtClean="0"/>
-              <a:t> </a:t>
-            </a:r>
-            <a:r>
-              <a:rPr lang="en-US" dirty="0" err="1" smtClean="0"/>
-              <a:t>ra</a:t>
-            </a:r>
-            <a:r>
-              <a:rPr lang="en-US" dirty="0" smtClean="0"/>
-              <a:t> </a:t>
-            </a:r>
-            <a:r>
-              <a:rPr lang="en-US" dirty="0" err="1" smtClean="0"/>
-              <a:t>có</a:t>
-            </a:r>
-            <a:r>
-              <a:rPr lang="en-US" dirty="0" smtClean="0"/>
-              <a:t> </a:t>
-            </a:r>
-            <a:r>
-              <a:rPr lang="en-US" dirty="0" err="1" smtClean="0"/>
-              <a:t>thể</a:t>
-            </a:r>
-            <a:r>
-              <a:rPr lang="en-US" dirty="0" smtClean="0"/>
-              <a:t> </a:t>
-            </a:r>
-            <a:r>
-              <a:rPr lang="en-US" dirty="0" err="1" smtClean="0"/>
-              <a:t>tạo</a:t>
-            </a:r>
-            <a:r>
-              <a:rPr lang="en-US" dirty="0" smtClean="0"/>
-              <a:t> </a:t>
-            </a:r>
-            <a:r>
-              <a:rPr lang="en-US" dirty="0" err="1" smtClean="0"/>
-              <a:t>khối</a:t>
-            </a:r>
-            <a:r>
-              <a:rPr lang="en-US" dirty="0" smtClean="0"/>
-              <a:t> static </a:t>
-            </a:r>
-            <a:r>
-              <a:rPr lang="en-US" dirty="0" err="1" smtClean="0"/>
-              <a:t>chạy</a:t>
-            </a:r>
-            <a:r>
-              <a:rPr lang="en-US" dirty="0" smtClean="0"/>
-              <a:t> </a:t>
-            </a:r>
-            <a:r>
-              <a:rPr lang="en-US" dirty="0" err="1" smtClean="0"/>
-              <a:t>trước</a:t>
-            </a:r>
-            <a:r>
-              <a:rPr lang="en-US" dirty="0" smtClean="0"/>
-              <a:t> </a:t>
-            </a:r>
-            <a:r>
-              <a:rPr lang="en-US" dirty="0" err="1" smtClean="0"/>
-              <a:t>hàm</a:t>
-            </a:r>
-            <a:r>
-              <a:rPr lang="en-US" dirty="0" smtClean="0"/>
-              <a:t> main</a:t>
-            </a:r>
-          </a:p>
-          <a:p>
-            <a:endParaRPr lang="en-US" dirty="0"/>
-          </a:p>
-        </p:txBody>
-      </p:sp>
-    </p:spTree>
-    <p:extLst>
-      <p:ext uri="{BB962C8B-B14F-4D97-AF65-F5344CB8AC3E}">
-        <p14:creationId xmlns:p14="http://schemas.microsoft.com/office/powerpoint/2010/main" val="3832941511"/>
-      </p:ext>
-    </p:extLst>
-  </p:cSld>
-  <p:clrMapOvr>
-    <a:masterClrMapping/>
-  </p:clrMapOvr>
-</p:sld>
-</file>
-
-<file path=ppt/slides/slide5.xml><?xml version="1.0" encoding="utf-8"?>
-<p:sld xmlns:a="http://schemas.openxmlformats.org/drawingml/2006/main" xmlns:r="http://schemas.openxmlformats.org/officeDocument/2006/relationships" xmlns:p="http://schemas.openxmlformats.org/presentationml/2006/main">
-  <p:cSld>
-    <p:spTree>
-      <p:nvGrpSpPr>
-        <p:cNvPr id="1" name=""/>
-        <p:cNvGrpSpPr/>
-        <p:nvPr/>
-      </p:nvGrpSpPr>
-      <p:grpSpPr>
-        <a:xfrm>
-          <a:off x="0" y="0"/>
-          <a:ext cx="0" cy="0"/>
-          <a:chOff x="0" y="0"/>
-          <a:chExt cx="0" cy="0"/>
-        </a:xfrm>
-      </p:grpSpPr>
-      <p:sp>
-        <p:nvSpPr>
-          <p:cNvPr id="2" name="Title 1"/>
-          <p:cNvSpPr>
-            <a:spLocks noGrp="1"/>
-          </p:cNvSpPr>
-          <p:nvPr>
-            <p:ph type="title"/>
-          </p:nvPr>
-        </p:nvSpPr>
-        <p:spPr/>
-        <p:txBody>
-          <a:bodyPr/>
-          <a:lstStyle/>
-          <a:p>
-            <a:r>
-              <a:rPr lang="en-US" dirty="0" smtClean="0"/>
-              <a:t>Interface </a:t>
+              <a:rPr lang="en-US" dirty="0" smtClean="0"/>
+              <a:t>Interface Java </a:t>
             </a:r>
             <a:r>
               <a:rPr lang="en-US" dirty="0" err="1" smtClean="0"/>
@@ -4904,11 +4167,19 @@
               <a:t> </a:t>
             </a:r>
             <a:r>
-              <a:rPr lang="en-US" dirty="0" err="1"/>
+              <a:rPr lang="en-US" dirty="0" err="1" smtClean="0"/>
+              <a:t>trước</a:t>
+            </a:r>
+            <a:r>
+              <a:rPr lang="en-US" dirty="0" smtClean="0"/>
+              <a:t> </a:t>
+            </a:r>
+            <a:r>
+              <a:rPr lang="en-US" dirty="0" err="1" smtClean="0"/>
               <a:t>của</a:t>
             </a:r>
             <a:r>
-              <a:rPr lang="en-US" dirty="0"/>
+              <a:rPr lang="en-US" dirty="0" smtClean="0"/>
               <a:t> </a:t>
             </a:r>
             <a:r>
@@ -5082,7 +4353,7 @@
 </p:sld>
 </file>
 
-<file path=ppt/slides/slide6.xml><?xml version="1.0" encoding="utf-8"?>
+<file path=ppt/slides/slide4.xml><?xml version="1.0" encoding="utf-8"?>
 <p:sld xmlns:a="http://schemas.openxmlformats.org/drawingml/2006/main" xmlns:r="http://schemas.openxmlformats.org/officeDocument/2006/relationships" xmlns:p="http://schemas.openxmlformats.org/presentationml/2006/main">
   <p:cSld>
     <p:spTree>
@@ -5128,7 +4399,11 @@
             </a:r>
             <a:r>
               <a:rPr lang="en-US" dirty="0" smtClean="0"/>
-              <a:t> Interface</a:t>
+              <a:t> </a:t>
+            </a:r>
+            <a:r>
+              <a:rPr lang="en-US" dirty="0" smtClean="0"/>
+              <a:t>Interface</a:t>
             </a:r>
             <a:endParaRPr lang="en-US" dirty="0"/>
           </a:p>
@@ -5201,7 +4476,6 @@
               <a:rPr lang="en-US" dirty="0" smtClean="0"/>
               <a:t>Interface</a:t>
             </a:r>
-            <a:endParaRPr lang="en-US" dirty="0" smtClean="0"/>
           </a:p>
           <a:p>
             <a:r>
@@ -5319,11 +4593,7 @@
             </a:pPr>
             <a:r>
               <a:rPr lang="en-US" dirty="0" err="1" smtClean="0"/>
-              <a:t>Biế</a:t>
-            </a:r>
-            <a:r>
-              <a:rPr lang="en-US" dirty="0" err="1" smtClean="0"/>
-              <a:t>n</a:t>
+              <a:t>Biến</a:t>
             </a:r>
             <a:r>
               <a:rPr lang="en-US" dirty="0" smtClean="0"/>
@@ -5439,6 +4709,734 @@
 </p:sld>
 </file>
 
+<file path=ppt/slides/slide5.xml><?xml version="1.0" encoding="utf-8"?>
+<p:sld xmlns:a="http://schemas.openxmlformats.org/drawingml/2006/main" xmlns:r="http://schemas.openxmlformats.org/officeDocument/2006/relationships" xmlns:p="http://schemas.openxmlformats.org/presentationml/2006/main">
+  <p:cSld>
+    <p:spTree>
+      <p:nvGrpSpPr>
+        <p:cNvPr id="1" name=""/>
+        <p:cNvGrpSpPr/>
+        <p:nvPr/>
+      </p:nvGrpSpPr>
+      <p:grpSpPr>
+        <a:xfrm>
+          <a:off x="0" y="0"/>
+          <a:ext cx="0" cy="0"/>
+          <a:chOff x="0" y="0"/>
+          <a:chExt cx="0" cy="0"/>
+        </a:xfrm>
+      </p:grpSpPr>
+      <p:sp>
+        <p:nvSpPr>
+          <p:cNvPr id="2" name="Title 1"/>
+          <p:cNvSpPr>
+            <a:spLocks noGrp="1"/>
+          </p:cNvSpPr>
+          <p:nvPr>
+            <p:ph type="title"/>
+          </p:nvPr>
+        </p:nvSpPr>
+        <p:spPr/>
+        <p:txBody>
+          <a:bodyPr/>
+          <a:lstStyle/>
+          <a:p>
+            <a:r>
+              <a:rPr lang="en-US" dirty="0" err="1" smtClean="0"/>
+              <a:t>Kế</a:t>
+            </a:r>
+            <a:r>
+              <a:rPr lang="en-US" dirty="0" smtClean="0"/>
+              <a:t> </a:t>
+            </a:r>
+            <a:r>
+              <a:rPr lang="en-US" dirty="0" err="1" smtClean="0"/>
+              <a:t>thừa</a:t>
+            </a:r>
+            <a:r>
+              <a:rPr lang="en-US" dirty="0" smtClean="0"/>
+              <a:t> </a:t>
+            </a:r>
+            <a:r>
+              <a:rPr lang="en-US" dirty="0" err="1" smtClean="0"/>
+              <a:t>với</a:t>
+            </a:r>
+            <a:r>
+              <a:rPr lang="en-US" dirty="0" smtClean="0"/>
+              <a:t> Interface</a:t>
+            </a:r>
+            <a:endParaRPr lang="en-US" dirty="0"/>
+          </a:p>
+        </p:txBody>
+      </p:sp>
+      <p:sp>
+        <p:nvSpPr>
+          <p:cNvPr id="3" name="Content Placeholder 2"/>
+          <p:cNvSpPr>
+            <a:spLocks noGrp="1"/>
+          </p:cNvSpPr>
+          <p:nvPr>
+            <p:ph idx="1"/>
+          </p:nvPr>
+        </p:nvSpPr>
+        <p:spPr/>
+        <p:txBody>
+          <a:bodyPr/>
+          <a:lstStyle/>
+          <a:p>
+            <a:r>
+              <a:rPr lang="en-US" dirty="0" smtClean="0"/>
+              <a:t>Interface </a:t>
+            </a:r>
+            <a:r>
+              <a:rPr lang="en-US" dirty="0" err="1" smtClean="0"/>
+              <a:t>có</a:t>
+            </a:r>
+            <a:r>
+              <a:rPr lang="en-US" dirty="0" smtClean="0"/>
+              <a:t> </a:t>
+            </a:r>
+            <a:r>
+              <a:rPr lang="en-US" dirty="0" err="1" smtClean="0"/>
+              <a:t>thể</a:t>
+            </a:r>
+            <a:r>
+              <a:rPr lang="en-US" dirty="0" smtClean="0"/>
+              <a:t> extends </a:t>
+            </a:r>
+            <a:r>
+              <a:rPr lang="en-US" dirty="0" err="1" smtClean="0"/>
+              <a:t>nhiều</a:t>
+            </a:r>
+            <a:r>
+              <a:rPr lang="en-US" dirty="0" smtClean="0"/>
+              <a:t> interface </a:t>
+            </a:r>
+            <a:r>
+              <a:rPr lang="en-US" dirty="0" err="1" smtClean="0"/>
+              <a:t>khác</a:t>
+            </a:r>
+            <a:endParaRPr lang="en-US" dirty="0" smtClean="0"/>
+          </a:p>
+          <a:p>
+            <a:r>
+              <a:rPr lang="en-US" dirty="0" smtClean="0"/>
+              <a:t>Interface </a:t>
+            </a:r>
+            <a:r>
+              <a:rPr lang="en-US" dirty="0" err="1" smtClean="0"/>
+              <a:t>không</a:t>
+            </a:r>
+            <a:r>
+              <a:rPr lang="en-US" dirty="0" smtClean="0"/>
+              <a:t> </a:t>
+            </a:r>
+            <a:r>
+              <a:rPr lang="en-US" dirty="0" err="1" smtClean="0"/>
+              <a:t>thể</a:t>
+            </a:r>
+            <a:r>
+              <a:rPr lang="en-US" dirty="0" smtClean="0"/>
+              <a:t> implement Interface </a:t>
+            </a:r>
+            <a:r>
+              <a:rPr lang="en-US" dirty="0" err="1" smtClean="0"/>
+              <a:t>khác</a:t>
+            </a:r>
+            <a:endParaRPr lang="en-US" dirty="0" smtClean="0"/>
+          </a:p>
+          <a:p>
+            <a:r>
+              <a:rPr lang="en-US" dirty="0" err="1" smtClean="0"/>
+              <a:t>Các</a:t>
+            </a:r>
+            <a:r>
+              <a:rPr lang="en-US" dirty="0" smtClean="0"/>
+              <a:t> class </a:t>
+            </a:r>
+            <a:r>
+              <a:rPr lang="en-US" dirty="0" err="1" smtClean="0"/>
+              <a:t>có</a:t>
+            </a:r>
+            <a:r>
+              <a:rPr lang="en-US" dirty="0" smtClean="0"/>
+              <a:t> </a:t>
+            </a:r>
+            <a:r>
+              <a:rPr lang="en-US" dirty="0" err="1" smtClean="0"/>
+              <a:t>thể</a:t>
+            </a:r>
+            <a:r>
+              <a:rPr lang="en-US" dirty="0" smtClean="0"/>
+              <a:t> implement </a:t>
+            </a:r>
+            <a:r>
+              <a:rPr lang="en-US" dirty="0" err="1" smtClean="0"/>
+              <a:t>từ</a:t>
+            </a:r>
+            <a:r>
+              <a:rPr lang="en-US" dirty="0" smtClean="0"/>
+              <a:t> </a:t>
+            </a:r>
+            <a:r>
+              <a:rPr lang="en-US" dirty="0" err="1" smtClean="0"/>
+              <a:t>nhiều</a:t>
+            </a:r>
+            <a:r>
+              <a:rPr lang="en-US" dirty="0" smtClean="0"/>
+              <a:t> Interface</a:t>
+            </a:r>
+          </a:p>
+          <a:p>
+            <a:r>
+              <a:rPr lang="en-US" dirty="0" err="1" smtClean="0"/>
+              <a:t>Hầu</a:t>
+            </a:r>
+            <a:r>
+              <a:rPr lang="en-US" dirty="0" smtClean="0"/>
+              <a:t> </a:t>
+            </a:r>
+            <a:r>
+              <a:rPr lang="en-US" dirty="0" err="1" smtClean="0"/>
+              <a:t>hết</a:t>
+            </a:r>
+            <a:r>
+              <a:rPr lang="en-US" dirty="0" smtClean="0"/>
+              <a:t> </a:t>
+            </a:r>
+            <a:r>
+              <a:rPr lang="en-US" dirty="0" err="1" smtClean="0"/>
+              <a:t>các</a:t>
+            </a:r>
+            <a:r>
+              <a:rPr lang="en-US" dirty="0" smtClean="0"/>
+              <a:t> </a:t>
+            </a:r>
+            <a:r>
+              <a:rPr lang="en-US" dirty="0" err="1" smtClean="0"/>
+              <a:t>phần</a:t>
+            </a:r>
+            <a:r>
+              <a:rPr lang="en-US" dirty="0" smtClean="0"/>
+              <a:t> </a:t>
+            </a:r>
+            <a:r>
+              <a:rPr lang="en-US" dirty="0" err="1" smtClean="0"/>
+              <a:t>mềm</a:t>
+            </a:r>
+            <a:r>
+              <a:rPr lang="en-US" dirty="0" smtClean="0"/>
+              <a:t> </a:t>
+            </a:r>
+            <a:r>
+              <a:rPr lang="en-US" dirty="0" err="1" smtClean="0"/>
+              <a:t>đều</a:t>
+            </a:r>
+            <a:r>
+              <a:rPr lang="en-US" dirty="0" smtClean="0"/>
+              <a:t> </a:t>
+            </a:r>
+            <a:r>
+              <a:rPr lang="en-US" dirty="0" err="1" smtClean="0"/>
+              <a:t>dựng</a:t>
+            </a:r>
+            <a:r>
+              <a:rPr lang="en-US" dirty="0" smtClean="0"/>
+              <a:t> </a:t>
+            </a:r>
+            <a:r>
+              <a:rPr lang="en-US" dirty="0" err="1" smtClean="0"/>
+              <a:t>sẵn</a:t>
+            </a:r>
+            <a:r>
+              <a:rPr lang="en-US" dirty="0" smtClean="0"/>
+              <a:t> interface </a:t>
+            </a:r>
+            <a:r>
+              <a:rPr lang="en-US" dirty="0" err="1" smtClean="0"/>
+              <a:t>trước</a:t>
+            </a:r>
+            <a:endParaRPr lang="en-US" dirty="0" smtClean="0"/>
+          </a:p>
+          <a:p>
+            <a:r>
+              <a:rPr lang="en-US" dirty="0" err="1" smtClean="0"/>
+              <a:t>Dùng</a:t>
+            </a:r>
+            <a:r>
+              <a:rPr lang="en-US" dirty="0" smtClean="0"/>
+              <a:t> interface </a:t>
+            </a:r>
+            <a:r>
+              <a:rPr lang="en-US" dirty="0" err="1" smtClean="0"/>
+              <a:t>mới</a:t>
+            </a:r>
+            <a:r>
+              <a:rPr lang="en-US" dirty="0" smtClean="0"/>
+              <a:t> </a:t>
+            </a:r>
+            <a:r>
+              <a:rPr lang="en-US" dirty="0" err="1" smtClean="0"/>
+              <a:t>mở</a:t>
+            </a:r>
+            <a:r>
+              <a:rPr lang="en-US" dirty="0" smtClean="0"/>
+              <a:t> </a:t>
+            </a:r>
+            <a:r>
+              <a:rPr lang="en-US" dirty="0" err="1" smtClean="0"/>
+              <a:t>rộng</a:t>
+            </a:r>
+            <a:r>
+              <a:rPr lang="en-US" dirty="0" smtClean="0"/>
+              <a:t> </a:t>
+            </a:r>
+            <a:r>
+              <a:rPr lang="en-US" dirty="0" err="1" smtClean="0"/>
+              <a:t>từ</a:t>
+            </a:r>
+            <a:r>
+              <a:rPr lang="en-US" dirty="0" smtClean="0"/>
+              <a:t> interface </a:t>
+            </a:r>
+            <a:r>
+              <a:rPr lang="en-US" dirty="0" err="1" smtClean="0"/>
+              <a:t>cũ</a:t>
+            </a:r>
+            <a:endParaRPr lang="en-US" dirty="0"/>
+          </a:p>
+        </p:txBody>
+      </p:sp>
+    </p:spTree>
+    <p:extLst>
+      <p:ext uri="{BB962C8B-B14F-4D97-AF65-F5344CB8AC3E}">
+        <p14:creationId xmlns:p14="http://schemas.microsoft.com/office/powerpoint/2010/main" val="3377582666"/>
+      </p:ext>
+    </p:extLst>
+  </p:cSld>
+  <p:clrMapOvr>
+    <a:masterClrMapping/>
+  </p:clrMapOvr>
+</p:sld>
+</file>
+
+<file path=ppt/slides/slide6.xml><?xml version="1.0" encoding="utf-8"?>
+<p:sld xmlns:a="http://schemas.openxmlformats.org/drawingml/2006/main" xmlns:r="http://schemas.openxmlformats.org/officeDocument/2006/relationships" xmlns:p="http://schemas.openxmlformats.org/presentationml/2006/main">
+  <p:cSld>
+    <p:spTree>
+      <p:nvGrpSpPr>
+        <p:cNvPr id="1" name=""/>
+        <p:cNvGrpSpPr/>
+        <p:nvPr/>
+      </p:nvGrpSpPr>
+      <p:grpSpPr>
+        <a:xfrm>
+          <a:off x="0" y="0"/>
+          <a:ext cx="0" cy="0"/>
+          <a:chOff x="0" y="0"/>
+          <a:chExt cx="0" cy="0"/>
+        </a:xfrm>
+      </p:grpSpPr>
+      <p:sp>
+        <p:nvSpPr>
+          <p:cNvPr id="2" name="Title 1"/>
+          <p:cNvSpPr>
+            <a:spLocks noGrp="1"/>
+          </p:cNvSpPr>
+          <p:nvPr>
+            <p:ph type="title"/>
+          </p:nvPr>
+        </p:nvSpPr>
+        <p:spPr/>
+        <p:txBody>
+          <a:bodyPr/>
+          <a:lstStyle/>
+          <a:p>
+            <a:r>
+              <a:rPr lang="en-US" dirty="0" err="1" smtClean="0"/>
+              <a:t>Từ</a:t>
+            </a:r>
+            <a:r>
+              <a:rPr lang="en-US" dirty="0" smtClean="0"/>
+              <a:t> </a:t>
+            </a:r>
+            <a:r>
+              <a:rPr lang="en-US" dirty="0" err="1" smtClean="0"/>
+              <a:t>khóa</a:t>
+            </a:r>
+            <a:r>
+              <a:rPr lang="en-US" dirty="0" smtClean="0"/>
+              <a:t> Final</a:t>
+            </a:r>
+            <a:endParaRPr lang="en-US" dirty="0"/>
+          </a:p>
+        </p:txBody>
+      </p:sp>
+      <p:sp>
+        <p:nvSpPr>
+          <p:cNvPr id="3" name="Content Placeholder 2"/>
+          <p:cNvSpPr>
+            <a:spLocks noGrp="1"/>
+          </p:cNvSpPr>
+          <p:nvPr>
+            <p:ph idx="1"/>
+          </p:nvPr>
+        </p:nvSpPr>
+        <p:spPr/>
+        <p:txBody>
+          <a:bodyPr/>
+          <a:lstStyle/>
+          <a:p>
+            <a:r>
+              <a:rPr lang="en-US" dirty="0" err="1" smtClean="0"/>
+              <a:t>Dùng</a:t>
+            </a:r>
+            <a:r>
+              <a:rPr lang="en-US" dirty="0" smtClean="0"/>
+              <a:t> </a:t>
+            </a:r>
+            <a:r>
+              <a:rPr lang="en-US" dirty="0" err="1" smtClean="0"/>
+              <a:t>cho</a:t>
+            </a:r>
+            <a:r>
+              <a:rPr lang="en-US" dirty="0" smtClean="0"/>
+              <a:t> </a:t>
+            </a:r>
+            <a:r>
+              <a:rPr lang="en-US" dirty="0" err="1" smtClean="0"/>
+              <a:t>biến</a:t>
+            </a:r>
+            <a:r>
+              <a:rPr lang="en-US" dirty="0" smtClean="0"/>
+              <a:t>, class, method </a:t>
+            </a:r>
+            <a:r>
+              <a:rPr lang="en-US" dirty="0" err="1" smtClean="0"/>
+              <a:t>để</a:t>
+            </a:r>
+            <a:r>
+              <a:rPr lang="en-US" dirty="0" smtClean="0"/>
+              <a:t> </a:t>
+            </a:r>
+            <a:r>
+              <a:rPr lang="en-US" dirty="0" err="1" smtClean="0"/>
+              <a:t>phân</a:t>
+            </a:r>
+            <a:r>
+              <a:rPr lang="en-US" dirty="0" smtClean="0"/>
+              <a:t> </a:t>
+            </a:r>
+            <a:r>
+              <a:rPr lang="en-US" dirty="0" err="1" smtClean="0"/>
+              <a:t>quyền</a:t>
+            </a:r>
+            <a:r>
+              <a:rPr lang="en-US" dirty="0" smtClean="0"/>
+              <a:t> </a:t>
+            </a:r>
+            <a:r>
+              <a:rPr lang="en-US" dirty="0" err="1" smtClean="0"/>
+              <a:t>truy</a:t>
+            </a:r>
+            <a:r>
+              <a:rPr lang="en-US" dirty="0" smtClean="0"/>
+              <a:t> </a:t>
+            </a:r>
+            <a:r>
+              <a:rPr lang="en-US" dirty="0" err="1" smtClean="0"/>
+              <a:t>cập</a:t>
+            </a:r>
+            <a:endParaRPr lang="en-US" dirty="0" smtClean="0"/>
+          </a:p>
+          <a:p>
+            <a:r>
+              <a:rPr lang="en-US" dirty="0" err="1" smtClean="0"/>
+              <a:t>Biến</a:t>
+            </a:r>
+            <a:r>
+              <a:rPr lang="en-US" dirty="0" smtClean="0"/>
+              <a:t> final </a:t>
+            </a:r>
+            <a:r>
+              <a:rPr lang="en-US" dirty="0" err="1" smtClean="0"/>
+              <a:t>là</a:t>
+            </a:r>
+            <a:r>
+              <a:rPr lang="en-US" dirty="0" smtClean="0"/>
+              <a:t> </a:t>
+            </a:r>
+            <a:r>
+              <a:rPr lang="en-US" dirty="0" err="1" smtClean="0"/>
+              <a:t>hằng</a:t>
+            </a:r>
+            <a:r>
+              <a:rPr lang="en-US" dirty="0" smtClean="0"/>
+              <a:t> </a:t>
+            </a:r>
+            <a:r>
+              <a:rPr lang="en-US" dirty="0" err="1" smtClean="0"/>
+              <a:t>số</a:t>
+            </a:r>
+            <a:r>
+              <a:rPr lang="en-US" dirty="0" smtClean="0"/>
+              <a:t> </a:t>
+            </a:r>
+            <a:r>
+              <a:rPr lang="en-US" dirty="0" err="1" smtClean="0"/>
+              <a:t>và</a:t>
+            </a:r>
+            <a:r>
+              <a:rPr lang="en-US" dirty="0" smtClean="0"/>
+              <a:t> </a:t>
+            </a:r>
+            <a:r>
+              <a:rPr lang="en-US" dirty="0" err="1" smtClean="0"/>
+              <a:t>không</a:t>
+            </a:r>
+            <a:r>
+              <a:rPr lang="en-US" dirty="0" smtClean="0"/>
+              <a:t> </a:t>
+            </a:r>
+            <a:r>
+              <a:rPr lang="en-US" dirty="0" err="1" smtClean="0"/>
+              <a:t>thay</a:t>
+            </a:r>
+            <a:r>
+              <a:rPr lang="en-US" dirty="0" smtClean="0"/>
+              <a:t> </a:t>
+            </a:r>
+            <a:r>
+              <a:rPr lang="en-US" dirty="0" err="1" smtClean="0"/>
+              <a:t>đổi</a:t>
+            </a:r>
+            <a:r>
+              <a:rPr lang="en-US" dirty="0" smtClean="0"/>
+              <a:t> </a:t>
+            </a:r>
+            <a:r>
+              <a:rPr lang="en-US" dirty="0" err="1" smtClean="0"/>
+              <a:t>được</a:t>
+            </a:r>
+            <a:r>
+              <a:rPr lang="en-US" dirty="0" smtClean="0"/>
+              <a:t> </a:t>
+            </a:r>
+            <a:r>
+              <a:rPr lang="en-US" dirty="0" err="1" smtClean="0"/>
+              <a:t>giá</a:t>
+            </a:r>
+            <a:r>
+              <a:rPr lang="en-US" dirty="0" smtClean="0"/>
+              <a:t> </a:t>
+            </a:r>
+            <a:r>
+              <a:rPr lang="en-US" dirty="0" err="1" smtClean="0"/>
+              <a:t>trị</a:t>
+            </a:r>
+            <a:r>
+              <a:rPr lang="en-US" dirty="0" smtClean="0"/>
+              <a:t> (</a:t>
+            </a:r>
+            <a:r>
+              <a:rPr lang="en-US" dirty="0" err="1" smtClean="0"/>
+              <a:t>không</a:t>
+            </a:r>
+            <a:r>
+              <a:rPr lang="en-US" dirty="0" smtClean="0"/>
+              <a:t> </a:t>
+            </a:r>
+            <a:r>
+              <a:rPr lang="en-US" dirty="0" err="1" smtClean="0"/>
+              <a:t>có</a:t>
+            </a:r>
+            <a:r>
+              <a:rPr lang="en-US" dirty="0" smtClean="0"/>
+              <a:t> setter)</a:t>
+            </a:r>
+          </a:p>
+          <a:p>
+            <a:r>
+              <a:rPr lang="en-US" dirty="0"/>
+              <a:t>Class final: </a:t>
+            </a:r>
+            <a:r>
+              <a:rPr lang="en-US" dirty="0" err="1"/>
+              <a:t>không</a:t>
+            </a:r>
+            <a:r>
+              <a:rPr lang="en-US" dirty="0"/>
+              <a:t> </a:t>
+            </a:r>
+            <a:r>
+              <a:rPr lang="en-US" dirty="0" err="1"/>
+              <a:t>thể</a:t>
+            </a:r>
+            <a:r>
+              <a:rPr lang="en-US" dirty="0"/>
+              <a:t> </a:t>
+            </a:r>
+            <a:r>
+              <a:rPr lang="en-US" dirty="0" smtClean="0"/>
+              <a:t>extend</a:t>
+            </a:r>
+          </a:p>
+          <a:p>
+            <a:r>
+              <a:rPr lang="en-US" dirty="0" smtClean="0"/>
+              <a:t>Method final: </a:t>
+            </a:r>
+            <a:r>
+              <a:rPr lang="en-US" dirty="0" err="1" smtClean="0"/>
+              <a:t>không</a:t>
+            </a:r>
+            <a:r>
+              <a:rPr lang="en-US" dirty="0" smtClean="0"/>
+              <a:t> </a:t>
+            </a:r>
+            <a:r>
+              <a:rPr lang="en-US" dirty="0" err="1" smtClean="0"/>
+              <a:t>thể</a:t>
+            </a:r>
+            <a:r>
+              <a:rPr lang="en-US" dirty="0" smtClean="0"/>
+              <a:t> </a:t>
+            </a:r>
+            <a:r>
+              <a:rPr lang="en-US" dirty="0" err="1" smtClean="0"/>
+              <a:t>ghi</a:t>
+            </a:r>
+            <a:r>
+              <a:rPr lang="en-US" dirty="0" smtClean="0"/>
+              <a:t> </a:t>
+            </a:r>
+            <a:r>
+              <a:rPr lang="en-US" dirty="0" err="1" smtClean="0"/>
+              <a:t>đè</a:t>
+            </a:r>
+            <a:r>
+              <a:rPr lang="en-US" dirty="0" smtClean="0"/>
+              <a:t>, </a:t>
+            </a:r>
+            <a:r>
+              <a:rPr lang="en-US" dirty="0" err="1" smtClean="0"/>
+              <a:t>có</a:t>
+            </a:r>
+            <a:r>
+              <a:rPr lang="en-US" dirty="0" smtClean="0"/>
+              <a:t> </a:t>
+            </a:r>
+            <a:r>
+              <a:rPr lang="en-US" dirty="0" err="1" smtClean="0"/>
+              <a:t>thể</a:t>
+            </a:r>
+            <a:r>
+              <a:rPr lang="en-US" dirty="0" smtClean="0"/>
+              <a:t> </a:t>
+            </a:r>
+            <a:r>
+              <a:rPr lang="en-US" dirty="0" err="1" smtClean="0"/>
+              <a:t>kế</a:t>
+            </a:r>
+            <a:r>
+              <a:rPr lang="en-US" dirty="0" smtClean="0"/>
+              <a:t> </a:t>
+            </a:r>
+            <a:r>
+              <a:rPr lang="en-US" dirty="0" err="1" smtClean="0"/>
+              <a:t>thừa</a:t>
+            </a:r>
+            <a:r>
+              <a:rPr lang="en-US" dirty="0" smtClean="0"/>
+              <a:t> </a:t>
+            </a:r>
+            <a:r>
+              <a:rPr lang="en-US" dirty="0" err="1" smtClean="0"/>
+              <a:t>từ</a:t>
+            </a:r>
+            <a:r>
+              <a:rPr lang="en-US" dirty="0" smtClean="0"/>
+              <a:t> class </a:t>
+            </a:r>
+            <a:r>
+              <a:rPr lang="en-US" dirty="0" err="1" smtClean="0"/>
+              <a:t>không</a:t>
+            </a:r>
+            <a:r>
+              <a:rPr lang="en-US" dirty="0" smtClean="0"/>
+              <a:t> final</a:t>
+            </a:r>
+          </a:p>
+          <a:p>
+            <a:r>
+              <a:rPr lang="en-US" dirty="0" err="1" smtClean="0"/>
+              <a:t>Biến</a:t>
+            </a:r>
+            <a:r>
+              <a:rPr lang="en-US" dirty="0" smtClean="0"/>
+              <a:t> final, static </a:t>
+            </a:r>
+            <a:r>
+              <a:rPr lang="en-US" dirty="0" err="1" smtClean="0"/>
+              <a:t>có</a:t>
+            </a:r>
+            <a:r>
+              <a:rPr lang="en-US" dirty="0" smtClean="0"/>
+              <a:t> </a:t>
+            </a:r>
+            <a:r>
+              <a:rPr lang="en-US" dirty="0" err="1" smtClean="0"/>
+              <a:t>thể</a:t>
+            </a:r>
+            <a:r>
+              <a:rPr lang="en-US" dirty="0" smtClean="0"/>
+              <a:t> </a:t>
+            </a:r>
+            <a:r>
+              <a:rPr lang="en-US" dirty="0" err="1" smtClean="0"/>
+              <a:t>không</a:t>
+            </a:r>
+            <a:r>
+              <a:rPr lang="en-US" dirty="0" smtClean="0"/>
+              <a:t> </a:t>
+            </a:r>
+            <a:r>
+              <a:rPr lang="en-US" dirty="0" err="1" smtClean="0"/>
+              <a:t>khai</a:t>
+            </a:r>
+            <a:r>
+              <a:rPr lang="en-US" dirty="0" smtClean="0"/>
+              <a:t> </a:t>
+            </a:r>
+            <a:r>
+              <a:rPr lang="en-US" dirty="0" err="1" smtClean="0"/>
+              <a:t>báo</a:t>
+            </a:r>
+            <a:r>
+              <a:rPr lang="en-US" dirty="0" smtClean="0"/>
+              <a:t> </a:t>
+            </a:r>
+            <a:r>
+              <a:rPr lang="en-US" dirty="0" err="1" smtClean="0"/>
+              <a:t>trị</a:t>
+            </a:r>
+            <a:endParaRPr lang="en-US" dirty="0" smtClean="0"/>
+          </a:p>
+        </p:txBody>
+      </p:sp>
+    </p:spTree>
+    <p:extLst>
+      <p:ext uri="{BB962C8B-B14F-4D97-AF65-F5344CB8AC3E}">
+        <p14:creationId xmlns:p14="http://schemas.microsoft.com/office/powerpoint/2010/main" val="4148179437"/>
+      </p:ext>
+    </p:extLst>
+  </p:cSld>
+  <p:clrMapOvr>
+    <a:masterClrMapping/>
+  </p:clrMapOvr>
+</p:sld>
+</file>
+
 <file path=ppt/slides/slide7.xml><?xml version="1.0" encoding="utf-8"?>
 <p:sld xmlns:a="http://schemas.openxmlformats.org/drawingml/2006/main" xmlns:r="http://schemas.openxmlformats.org/officeDocument/2006/relationships" xmlns:p="http://schemas.openxmlformats.org/presentationml/2006/main">
   <p:cSld>
@@ -5472,8 +5470,20 @@
           <a:lstStyle/>
           <a:p>
             <a:r>
-              <a:rPr lang="en-US" dirty="0" smtClean="0"/>
-              <a:t>Abs</a:t>
+              <a:rPr lang="en-US" dirty="0" err="1" smtClean="0"/>
+              <a:t>Từ</a:t>
+            </a:r>
+            <a:r>
+              <a:rPr lang="en-US" dirty="0" smtClean="0"/>
+              <a:t> </a:t>
+            </a:r>
+            <a:r>
+              <a:rPr lang="en-US" dirty="0" err="1" smtClean="0"/>
+              <a:t>khóa</a:t>
+            </a:r>
+            <a:r>
+              <a:rPr lang="en-US" dirty="0" smtClean="0"/>
+              <a:t> static</a:t>
             </a:r>
             <a:endParaRPr lang="en-US" dirty="0"/>
           </a:p>
@@ -5494,14 +5504,319 @@
           <a:bodyPr/>
           <a:lstStyle/>
           <a:p>
-            <a:endParaRPr lang="en-US"/>
+            <a:r>
+              <a:rPr lang="en-US" dirty="0" err="1" smtClean="0"/>
+              <a:t>Mục</a:t>
+            </a:r>
+            <a:r>
+              <a:rPr lang="en-US" dirty="0" smtClean="0"/>
+              <a:t> </a:t>
+            </a:r>
+            <a:r>
+              <a:rPr lang="en-US" dirty="0" err="1" smtClean="0"/>
+              <a:t>đích</a:t>
+            </a:r>
+            <a:r>
+              <a:rPr lang="en-US" dirty="0" smtClean="0"/>
+              <a:t> </a:t>
+            </a:r>
+            <a:r>
+              <a:rPr lang="en-US" dirty="0" err="1" smtClean="0"/>
+              <a:t>quản</a:t>
+            </a:r>
+            <a:r>
+              <a:rPr lang="en-US" dirty="0" smtClean="0"/>
+              <a:t> </a:t>
+            </a:r>
+            <a:r>
+              <a:rPr lang="en-US" dirty="0" err="1" smtClean="0"/>
+              <a:t>lý</a:t>
+            </a:r>
+            <a:r>
+              <a:rPr lang="en-US" dirty="0" smtClean="0"/>
+              <a:t> </a:t>
+            </a:r>
+            <a:r>
+              <a:rPr lang="en-US" dirty="0" err="1" smtClean="0"/>
+              <a:t>bộ</a:t>
+            </a:r>
+            <a:r>
+              <a:rPr lang="en-US" dirty="0" smtClean="0"/>
+              <a:t> </a:t>
+            </a:r>
+            <a:r>
+              <a:rPr lang="en-US" dirty="0" err="1" smtClean="0"/>
+              <a:t>nhớ</a:t>
+            </a:r>
+            <a:endParaRPr lang="en-US" dirty="0" smtClean="0"/>
+          </a:p>
+          <a:p>
+            <a:r>
+              <a:rPr lang="en-US" dirty="0" err="1" smtClean="0"/>
+              <a:t>Biến</a:t>
+            </a:r>
+            <a:r>
+              <a:rPr lang="en-US" dirty="0" smtClean="0"/>
+              <a:t> static: </a:t>
+            </a:r>
+            <a:r>
+              <a:rPr lang="en-US" dirty="0" err="1" smtClean="0"/>
+              <a:t>Khởi</a:t>
+            </a:r>
+            <a:r>
+              <a:rPr lang="en-US" dirty="0" smtClean="0"/>
+              <a:t> </a:t>
+            </a:r>
+            <a:r>
+              <a:rPr lang="en-US" dirty="0" err="1" smtClean="0"/>
+              <a:t>tạo</a:t>
+            </a:r>
+            <a:r>
+              <a:rPr lang="en-US" dirty="0" smtClean="0"/>
+              <a:t> </a:t>
+            </a:r>
+            <a:r>
+              <a:rPr lang="en-US" dirty="0" err="1" smtClean="0"/>
+              <a:t>một</a:t>
+            </a:r>
+            <a:r>
+              <a:rPr lang="en-US" dirty="0" smtClean="0"/>
+              <a:t> </a:t>
+            </a:r>
+            <a:r>
+              <a:rPr lang="en-US" dirty="0" err="1" smtClean="0"/>
+              <a:t>lần</a:t>
+            </a:r>
+            <a:r>
+              <a:rPr lang="en-US" dirty="0" smtClean="0"/>
+              <a:t> </a:t>
+            </a:r>
+            <a:r>
+              <a:rPr lang="en-US" dirty="0" err="1" smtClean="0"/>
+              <a:t>duy</a:t>
+            </a:r>
+            <a:r>
+              <a:rPr lang="en-US" dirty="0" smtClean="0"/>
+              <a:t> </a:t>
+            </a:r>
+            <a:r>
+              <a:rPr lang="en-US" dirty="0" err="1" smtClean="0"/>
+              <a:t>nhất</a:t>
+            </a:r>
+            <a:endParaRPr lang="en-US" dirty="0" smtClean="0"/>
+          </a:p>
+          <a:p>
+            <a:r>
+              <a:rPr lang="en-US" dirty="0" smtClean="0"/>
+              <a:t>Method static: </a:t>
+            </a:r>
+            <a:r>
+              <a:rPr lang="en-US" dirty="0" err="1" smtClean="0"/>
+              <a:t>gọi</a:t>
+            </a:r>
+            <a:r>
+              <a:rPr lang="en-US" dirty="0" smtClean="0"/>
+              <a:t> </a:t>
+            </a:r>
+            <a:r>
+              <a:rPr lang="en-US" dirty="0" err="1" smtClean="0"/>
+              <a:t>trực</a:t>
+            </a:r>
+            <a:r>
+              <a:rPr lang="en-US" dirty="0" smtClean="0"/>
+              <a:t> </a:t>
+            </a:r>
+            <a:r>
+              <a:rPr lang="en-US" dirty="0" err="1" smtClean="0"/>
+              <a:t>tiếp</a:t>
+            </a:r>
+            <a:r>
+              <a:rPr lang="en-US" dirty="0" smtClean="0"/>
+              <a:t> </a:t>
+            </a:r>
+            <a:r>
+              <a:rPr lang="en-US" dirty="0" err="1" smtClean="0"/>
+              <a:t>mà</a:t>
+            </a:r>
+            <a:r>
+              <a:rPr lang="en-US" dirty="0" smtClean="0"/>
+              <a:t> </a:t>
+            </a:r>
+            <a:r>
+              <a:rPr lang="en-US" dirty="0" err="1" smtClean="0"/>
+              <a:t>không</a:t>
+            </a:r>
+            <a:r>
+              <a:rPr lang="en-US" dirty="0" smtClean="0"/>
+              <a:t> </a:t>
+            </a:r>
+            <a:r>
+              <a:rPr lang="en-US" dirty="0" err="1" smtClean="0"/>
+              <a:t>cần</a:t>
+            </a:r>
+            <a:r>
+              <a:rPr lang="en-US" dirty="0" smtClean="0"/>
+              <a:t> </a:t>
+            </a:r>
+            <a:r>
+              <a:rPr lang="en-US" dirty="0" err="1" smtClean="0"/>
+              <a:t>khởi</a:t>
+            </a:r>
+            <a:r>
+              <a:rPr lang="en-US" dirty="0" smtClean="0"/>
+              <a:t> </a:t>
+            </a:r>
+            <a:r>
+              <a:rPr lang="en-US" dirty="0" err="1" smtClean="0"/>
+              <a:t>tạo</a:t>
+            </a:r>
+            <a:r>
+              <a:rPr lang="en-US" dirty="0" smtClean="0"/>
+              <a:t> </a:t>
+            </a:r>
+            <a:r>
+              <a:rPr lang="en-US" dirty="0" err="1" smtClean="0"/>
+              <a:t>đối</a:t>
+            </a:r>
+            <a:r>
+              <a:rPr lang="en-US" dirty="0" smtClean="0"/>
+              <a:t> </a:t>
+            </a:r>
+            <a:r>
+              <a:rPr lang="en-US" dirty="0" err="1" smtClean="0"/>
+              <a:t>tượng</a:t>
+            </a:r>
+            <a:endParaRPr lang="en-US" dirty="0" smtClean="0"/>
+          </a:p>
+          <a:p>
+            <a:r>
+              <a:rPr lang="en-US" dirty="0" smtClean="0"/>
+              <a:t>Class static: </a:t>
+            </a:r>
+            <a:r>
+              <a:rPr lang="en-US" dirty="0" err="1" smtClean="0"/>
+              <a:t>chỉ</a:t>
+            </a:r>
+            <a:r>
+              <a:rPr lang="en-US" dirty="0" smtClean="0"/>
+              <a:t> </a:t>
+            </a:r>
+            <a:r>
+              <a:rPr lang="en-US" dirty="0" err="1" smtClean="0"/>
+              <a:t>có</a:t>
+            </a:r>
+            <a:r>
+              <a:rPr lang="en-US" dirty="0" smtClean="0"/>
+              <a:t> </a:t>
+            </a:r>
+            <a:r>
+              <a:rPr lang="en-US" dirty="0" err="1" smtClean="0"/>
+              <a:t>thể</a:t>
+            </a:r>
+            <a:r>
+              <a:rPr lang="en-US" dirty="0" smtClean="0"/>
+              <a:t> </a:t>
+            </a:r>
+            <a:r>
+              <a:rPr lang="en-US" dirty="0" err="1" smtClean="0"/>
+              <a:t>là</a:t>
+            </a:r>
+            <a:r>
+              <a:rPr lang="en-US" dirty="0" smtClean="0"/>
+              <a:t> </a:t>
+            </a:r>
+            <a:r>
+              <a:rPr lang="en-US" dirty="0"/>
+              <a:t>I</a:t>
+            </a:r>
+            <a:r>
+              <a:rPr lang="en-US" dirty="0" smtClean="0"/>
+              <a:t>nner Class</a:t>
+            </a:r>
+          </a:p>
+          <a:p>
+            <a:r>
+              <a:rPr lang="en-US" dirty="0" err="1" smtClean="0"/>
+              <a:t>Ngoài</a:t>
+            </a:r>
+            <a:r>
+              <a:rPr lang="en-US" dirty="0" smtClean="0"/>
+              <a:t> </a:t>
+            </a:r>
+            <a:r>
+              <a:rPr lang="en-US" dirty="0" err="1" smtClean="0"/>
+              <a:t>ra</a:t>
+            </a:r>
+            <a:r>
+              <a:rPr lang="en-US" dirty="0" smtClean="0"/>
+              <a:t> </a:t>
+            </a:r>
+            <a:r>
+              <a:rPr lang="en-US" dirty="0" err="1" smtClean="0"/>
+              <a:t>có</a:t>
+            </a:r>
+            <a:r>
+              <a:rPr lang="en-US" dirty="0" smtClean="0"/>
+              <a:t> </a:t>
+            </a:r>
+            <a:r>
+              <a:rPr lang="en-US" dirty="0" err="1" smtClean="0"/>
+              <a:t>thể</a:t>
+            </a:r>
+            <a:r>
+              <a:rPr lang="en-US" dirty="0" smtClean="0"/>
+              <a:t> </a:t>
+            </a:r>
+            <a:r>
+              <a:rPr lang="en-US" dirty="0" err="1" smtClean="0"/>
+              <a:t>tạo</a:t>
+            </a:r>
+            <a:r>
+              <a:rPr lang="en-US" dirty="0" smtClean="0"/>
+              <a:t> </a:t>
+            </a:r>
+            <a:r>
+              <a:rPr lang="en-US" dirty="0" err="1" smtClean="0"/>
+              <a:t>khối</a:t>
+            </a:r>
+            <a:r>
+              <a:rPr lang="en-US" dirty="0" smtClean="0"/>
+              <a:t> static </a:t>
+            </a:r>
+            <a:r>
+              <a:rPr lang="en-US" dirty="0" err="1" smtClean="0"/>
+              <a:t>chạy</a:t>
+            </a:r>
+            <a:r>
+              <a:rPr lang="en-US" dirty="0" smtClean="0"/>
+              <a:t> </a:t>
+            </a:r>
+            <a:r>
+              <a:rPr lang="en-US" dirty="0" err="1" smtClean="0"/>
+              <a:t>trước</a:t>
+            </a:r>
+            <a:r>
+              <a:rPr lang="en-US" dirty="0" smtClean="0"/>
+              <a:t> </a:t>
+            </a:r>
+            <a:r>
+              <a:rPr lang="en-US" dirty="0" err="1" smtClean="0"/>
+              <a:t>hàm</a:t>
+            </a:r>
+            <a:r>
+              <a:rPr lang="en-US" dirty="0" smtClean="0"/>
+              <a:t> main</a:t>
+            </a:r>
+          </a:p>
+          <a:p>
+            <a:endParaRPr lang="en-US" dirty="0"/>
           </a:p>
         </p:txBody>
       </p:sp>
     </p:spTree>
     <p:extLst>
       <p:ext uri="{BB962C8B-B14F-4D97-AF65-F5344CB8AC3E}">
-        <p14:creationId xmlns:p14="http://schemas.microsoft.com/office/powerpoint/2010/main" val="3629346745"/>
+        <p14:creationId xmlns:p14="http://schemas.microsoft.com/office/powerpoint/2010/main" val="3832941511"/>
       </p:ext>
     </p:extLst>
   </p:cSld>
@@ -5543,7 +5858,11 @@
           <a:bodyPr/>
           <a:lstStyle/>
           <a:p>
-            <a:endParaRPr lang="en-US"/>
+            <a:r>
+              <a:rPr lang="en-US" dirty="0" smtClean="0"/>
+              <a:t>Abs</a:t>
+            </a:r>
+            <a:endParaRPr lang="en-US" dirty="0"/>
           </a:p>
         </p:txBody>
       </p:sp>
@@ -5569,7 +5888,7 @@
     </p:spTree>
     <p:extLst>
       <p:ext uri="{BB962C8B-B14F-4D97-AF65-F5344CB8AC3E}">
-        <p14:creationId xmlns:p14="http://schemas.microsoft.com/office/powerpoint/2010/main" val="2353690257"/>
+        <p14:creationId xmlns:p14="http://schemas.microsoft.com/office/powerpoint/2010/main" val="3629346745"/>
       </p:ext>
     </p:extLst>
   </p:cSld>
@@ -5637,7 +5956,7 @@
     </p:spTree>
     <p:extLst>
       <p:ext uri="{BB962C8B-B14F-4D97-AF65-F5344CB8AC3E}">
-        <p14:creationId xmlns:p14="http://schemas.microsoft.com/office/powerpoint/2010/main" val="1416552654"/>
+        <p14:creationId xmlns:p14="http://schemas.microsoft.com/office/powerpoint/2010/main" val="2353690257"/>
       </p:ext>
     </p:extLst>
   </p:cSld>

--- a/5. Other/Free/Abstract and Interface.pptx
+++ b/5. Other/Free/Abstract and Interface.pptx
@@ -7,23 +7,24 @@
   <p:sldIdLst>
     <p:sldId id="256" r:id="rId2"/>
     <p:sldId id="257" r:id="rId3"/>
-    <p:sldId id="258" r:id="rId4"/>
-    <p:sldId id="259" r:id="rId5"/>
-    <p:sldId id="275" r:id="rId6"/>
-    <p:sldId id="272" r:id="rId7"/>
-    <p:sldId id="273" r:id="rId8"/>
-    <p:sldId id="260" r:id="rId9"/>
-    <p:sldId id="261" r:id="rId10"/>
-    <p:sldId id="262" r:id="rId11"/>
-    <p:sldId id="263" r:id="rId12"/>
-    <p:sldId id="264" r:id="rId13"/>
-    <p:sldId id="265" r:id="rId14"/>
-    <p:sldId id="266" r:id="rId15"/>
-    <p:sldId id="267" r:id="rId16"/>
-    <p:sldId id="268" r:id="rId17"/>
-    <p:sldId id="269" r:id="rId18"/>
-    <p:sldId id="270" r:id="rId19"/>
-    <p:sldId id="271" r:id="rId20"/>
+    <p:sldId id="276" r:id="rId4"/>
+    <p:sldId id="260" r:id="rId5"/>
+    <p:sldId id="277" r:id="rId6"/>
+    <p:sldId id="278" r:id="rId7"/>
+    <p:sldId id="258" r:id="rId8"/>
+    <p:sldId id="259" r:id="rId9"/>
+    <p:sldId id="275" r:id="rId10"/>
+    <p:sldId id="272" r:id="rId11"/>
+    <p:sldId id="273" r:id="rId12"/>
+    <p:sldId id="261" r:id="rId13"/>
+    <p:sldId id="262" r:id="rId14"/>
+    <p:sldId id="263" r:id="rId15"/>
+    <p:sldId id="264" r:id="rId16"/>
+    <p:sldId id="265" r:id="rId17"/>
+    <p:sldId id="266" r:id="rId18"/>
+    <p:sldId id="267" r:id="rId19"/>
+    <p:sldId id="268" r:id="rId20"/>
+    <p:sldId id="269" r:id="rId21"/>
   </p:sldIdLst>
   <p:sldSz cx="9144000" cy="6858000" type="screen4x3"/>
   <p:notesSz cx="6858000" cy="9144000"/>
@@ -3200,7 +3201,23 @@
           <a:bodyPr/>
           <a:lstStyle/>
           <a:p>
-            <a:endParaRPr lang="en-US"/>
+            <a:r>
+              <a:rPr lang="en-US" dirty="0" err="1" smtClean="0"/>
+              <a:t>Từ</a:t>
+            </a:r>
+            <a:r>
+              <a:rPr lang="en-US" dirty="0" smtClean="0"/>
+              <a:t> </a:t>
+            </a:r>
+            <a:r>
+              <a:rPr lang="en-US" dirty="0" err="1" smtClean="0"/>
+              <a:t>khóa</a:t>
+            </a:r>
+            <a:r>
+              <a:rPr lang="en-US" dirty="0" smtClean="0"/>
+              <a:t> Final</a:t>
+            </a:r>
+            <a:endParaRPr lang="en-US" dirty="0"/>
           </a:p>
         </p:txBody>
       </p:sp>
@@ -3219,14 +3236,347 @@
           <a:bodyPr/>
           <a:lstStyle/>
           <a:p>
-            <a:endParaRPr lang="en-US"/>
+            <a:r>
+              <a:rPr lang="en-US" dirty="0" err="1" smtClean="0"/>
+              <a:t>Dùng</a:t>
+            </a:r>
+            <a:r>
+              <a:rPr lang="en-US" dirty="0" smtClean="0"/>
+              <a:t> </a:t>
+            </a:r>
+            <a:r>
+              <a:rPr lang="en-US" dirty="0" err="1" smtClean="0"/>
+              <a:t>cho</a:t>
+            </a:r>
+            <a:r>
+              <a:rPr lang="en-US" dirty="0" smtClean="0"/>
+              <a:t> </a:t>
+            </a:r>
+            <a:r>
+              <a:rPr lang="en-US" dirty="0" err="1" smtClean="0"/>
+              <a:t>biến</a:t>
+            </a:r>
+            <a:r>
+              <a:rPr lang="en-US" dirty="0" smtClean="0"/>
+              <a:t>, class, method </a:t>
+            </a:r>
+            <a:r>
+              <a:rPr lang="en-US" dirty="0" err="1" smtClean="0"/>
+              <a:t>để</a:t>
+            </a:r>
+            <a:r>
+              <a:rPr lang="en-US" dirty="0" smtClean="0"/>
+              <a:t> </a:t>
+            </a:r>
+            <a:r>
+              <a:rPr lang="en-US" dirty="0" err="1" smtClean="0"/>
+              <a:t>phân</a:t>
+            </a:r>
+            <a:r>
+              <a:rPr lang="en-US" dirty="0" smtClean="0"/>
+              <a:t> </a:t>
+            </a:r>
+            <a:r>
+              <a:rPr lang="en-US" dirty="0" err="1" smtClean="0"/>
+              <a:t>quyền</a:t>
+            </a:r>
+            <a:r>
+              <a:rPr lang="en-US" dirty="0" smtClean="0"/>
+              <a:t> </a:t>
+            </a:r>
+            <a:r>
+              <a:rPr lang="en-US" dirty="0" err="1" smtClean="0"/>
+              <a:t>truy</a:t>
+            </a:r>
+            <a:r>
+              <a:rPr lang="en-US" dirty="0" smtClean="0"/>
+              <a:t> </a:t>
+            </a:r>
+            <a:r>
+              <a:rPr lang="en-US" dirty="0" err="1" smtClean="0"/>
+              <a:t>cập</a:t>
+            </a:r>
+            <a:endParaRPr lang="en-US" dirty="0" smtClean="0"/>
+          </a:p>
+          <a:p>
+            <a:r>
+              <a:rPr lang="en-US" dirty="0" err="1" smtClean="0"/>
+              <a:t>Biến</a:t>
+            </a:r>
+            <a:r>
+              <a:rPr lang="en-US" dirty="0" smtClean="0"/>
+              <a:t> final </a:t>
+            </a:r>
+            <a:r>
+              <a:rPr lang="en-US" dirty="0" err="1" smtClean="0"/>
+              <a:t>là</a:t>
+            </a:r>
+            <a:r>
+              <a:rPr lang="en-US" dirty="0" smtClean="0"/>
+              <a:t> </a:t>
+            </a:r>
+            <a:r>
+              <a:rPr lang="en-US" dirty="0" err="1" smtClean="0"/>
+              <a:t>hằng</a:t>
+            </a:r>
+            <a:r>
+              <a:rPr lang="en-US" dirty="0" smtClean="0"/>
+              <a:t> </a:t>
+            </a:r>
+            <a:r>
+              <a:rPr lang="en-US" dirty="0" err="1" smtClean="0"/>
+              <a:t>số</a:t>
+            </a:r>
+            <a:r>
+              <a:rPr lang="en-US" dirty="0" smtClean="0"/>
+              <a:t> </a:t>
+            </a:r>
+            <a:r>
+              <a:rPr lang="en-US" dirty="0" err="1" smtClean="0"/>
+              <a:t>và</a:t>
+            </a:r>
+            <a:r>
+              <a:rPr lang="en-US" dirty="0" smtClean="0"/>
+              <a:t> </a:t>
+            </a:r>
+            <a:r>
+              <a:rPr lang="en-US" dirty="0" err="1" smtClean="0"/>
+              <a:t>không</a:t>
+            </a:r>
+            <a:r>
+              <a:rPr lang="en-US" dirty="0" smtClean="0"/>
+              <a:t> </a:t>
+            </a:r>
+            <a:r>
+              <a:rPr lang="en-US" dirty="0" err="1" smtClean="0"/>
+              <a:t>thay</a:t>
+            </a:r>
+            <a:r>
+              <a:rPr lang="en-US" dirty="0" smtClean="0"/>
+              <a:t> </a:t>
+            </a:r>
+            <a:r>
+              <a:rPr lang="en-US" dirty="0" err="1" smtClean="0"/>
+              <a:t>đổi</a:t>
+            </a:r>
+            <a:r>
+              <a:rPr lang="en-US" dirty="0" smtClean="0"/>
+              <a:t> </a:t>
+            </a:r>
+            <a:r>
+              <a:rPr lang="en-US" dirty="0" err="1" smtClean="0"/>
+              <a:t>được</a:t>
+            </a:r>
+            <a:r>
+              <a:rPr lang="en-US" dirty="0" smtClean="0"/>
+              <a:t> </a:t>
+            </a:r>
+            <a:r>
+              <a:rPr lang="en-US" dirty="0" err="1" smtClean="0"/>
+              <a:t>giá</a:t>
+            </a:r>
+            <a:r>
+              <a:rPr lang="en-US" dirty="0" smtClean="0"/>
+              <a:t> </a:t>
+            </a:r>
+            <a:r>
+              <a:rPr lang="en-US" dirty="0" err="1" smtClean="0"/>
+              <a:t>trị</a:t>
+            </a:r>
+            <a:r>
+              <a:rPr lang="en-US" dirty="0" smtClean="0"/>
+              <a:t> (</a:t>
+            </a:r>
+            <a:r>
+              <a:rPr lang="en-US" dirty="0" err="1" smtClean="0"/>
+              <a:t>không</a:t>
+            </a:r>
+            <a:r>
+              <a:rPr lang="en-US" dirty="0" smtClean="0"/>
+              <a:t> </a:t>
+            </a:r>
+            <a:r>
+              <a:rPr lang="en-US" dirty="0" err="1" smtClean="0"/>
+              <a:t>có</a:t>
+            </a:r>
+            <a:r>
+              <a:rPr lang="en-US" dirty="0" smtClean="0"/>
+              <a:t> setter)</a:t>
+            </a:r>
+          </a:p>
+          <a:p>
+            <a:r>
+              <a:rPr lang="en-US" dirty="0"/>
+              <a:t>Class final: </a:t>
+            </a:r>
+            <a:r>
+              <a:rPr lang="en-US" dirty="0" err="1"/>
+              <a:t>không</a:t>
+            </a:r>
+            <a:r>
+              <a:rPr lang="en-US" dirty="0"/>
+              <a:t> </a:t>
+            </a:r>
+            <a:r>
+              <a:rPr lang="en-US" dirty="0" err="1"/>
+              <a:t>thể</a:t>
+            </a:r>
+            <a:r>
+              <a:rPr lang="en-US" dirty="0"/>
+              <a:t> </a:t>
+            </a:r>
+            <a:r>
+              <a:rPr lang="en-US" dirty="0" smtClean="0"/>
+              <a:t>extend</a:t>
+            </a:r>
+          </a:p>
+          <a:p>
+            <a:r>
+              <a:rPr lang="en-US" dirty="0" smtClean="0"/>
+              <a:t>Method final: </a:t>
+            </a:r>
+            <a:r>
+              <a:rPr lang="en-US" dirty="0" err="1" smtClean="0"/>
+              <a:t>không</a:t>
+            </a:r>
+            <a:r>
+              <a:rPr lang="en-US" dirty="0" smtClean="0"/>
+              <a:t> </a:t>
+            </a:r>
+            <a:r>
+              <a:rPr lang="en-US" dirty="0" err="1" smtClean="0"/>
+              <a:t>thể</a:t>
+            </a:r>
+            <a:r>
+              <a:rPr lang="en-US" dirty="0" smtClean="0"/>
+              <a:t> </a:t>
+            </a:r>
+            <a:r>
+              <a:rPr lang="en-US" dirty="0" err="1" smtClean="0"/>
+              <a:t>ghi</a:t>
+            </a:r>
+            <a:r>
+              <a:rPr lang="en-US" dirty="0" smtClean="0"/>
+              <a:t> </a:t>
+            </a:r>
+            <a:r>
+              <a:rPr lang="en-US" dirty="0" err="1" smtClean="0"/>
+              <a:t>đè</a:t>
+            </a:r>
+            <a:r>
+              <a:rPr lang="en-US" dirty="0" smtClean="0"/>
+              <a:t>, </a:t>
+            </a:r>
+            <a:r>
+              <a:rPr lang="en-US" dirty="0" err="1" smtClean="0"/>
+              <a:t>có</a:t>
+            </a:r>
+            <a:r>
+              <a:rPr lang="en-US" dirty="0" smtClean="0"/>
+              <a:t> </a:t>
+            </a:r>
+            <a:r>
+              <a:rPr lang="en-US" dirty="0" err="1" smtClean="0"/>
+              <a:t>thể</a:t>
+            </a:r>
+            <a:r>
+              <a:rPr lang="en-US" dirty="0" smtClean="0"/>
+              <a:t> </a:t>
+            </a:r>
+            <a:r>
+              <a:rPr lang="en-US" dirty="0" err="1" smtClean="0"/>
+              <a:t>kế</a:t>
+            </a:r>
+            <a:r>
+              <a:rPr lang="en-US" dirty="0" smtClean="0"/>
+              <a:t> </a:t>
+            </a:r>
+            <a:r>
+              <a:rPr lang="en-US" dirty="0" err="1" smtClean="0"/>
+              <a:t>thừa</a:t>
+            </a:r>
+            <a:r>
+              <a:rPr lang="en-US" dirty="0" smtClean="0"/>
+              <a:t> </a:t>
+            </a:r>
+            <a:r>
+              <a:rPr lang="en-US" dirty="0" err="1" smtClean="0"/>
+              <a:t>từ</a:t>
+            </a:r>
+            <a:r>
+              <a:rPr lang="en-US" dirty="0" smtClean="0"/>
+              <a:t> class </a:t>
+            </a:r>
+            <a:r>
+              <a:rPr lang="en-US" dirty="0" err="1" smtClean="0"/>
+              <a:t>không</a:t>
+            </a:r>
+            <a:r>
+              <a:rPr lang="en-US" dirty="0" smtClean="0"/>
+              <a:t> final</a:t>
+            </a:r>
+          </a:p>
+          <a:p>
+            <a:r>
+              <a:rPr lang="en-US" dirty="0" err="1" smtClean="0"/>
+              <a:t>Biến</a:t>
+            </a:r>
+            <a:r>
+              <a:rPr lang="en-US" dirty="0" smtClean="0"/>
+              <a:t> final, static </a:t>
+            </a:r>
+            <a:r>
+              <a:rPr lang="en-US" dirty="0" err="1" smtClean="0"/>
+              <a:t>có</a:t>
+            </a:r>
+            <a:r>
+              <a:rPr lang="en-US" dirty="0" smtClean="0"/>
+              <a:t> </a:t>
+            </a:r>
+            <a:r>
+              <a:rPr lang="en-US" dirty="0" err="1" smtClean="0"/>
+              <a:t>thể</a:t>
+            </a:r>
+            <a:r>
+              <a:rPr lang="en-US" dirty="0" smtClean="0"/>
+              <a:t> </a:t>
+            </a:r>
+            <a:r>
+              <a:rPr lang="en-US" dirty="0" err="1" smtClean="0"/>
+              <a:t>không</a:t>
+            </a:r>
+            <a:r>
+              <a:rPr lang="en-US" dirty="0" smtClean="0"/>
+              <a:t> </a:t>
+            </a:r>
+            <a:r>
+              <a:rPr lang="en-US" dirty="0" err="1" smtClean="0"/>
+              <a:t>khai</a:t>
+            </a:r>
+            <a:r>
+              <a:rPr lang="en-US" dirty="0" smtClean="0"/>
+              <a:t> </a:t>
+            </a:r>
+            <a:r>
+              <a:rPr lang="en-US" dirty="0" err="1" smtClean="0"/>
+              <a:t>báo</a:t>
+            </a:r>
+            <a:r>
+              <a:rPr lang="en-US" dirty="0" smtClean="0"/>
+              <a:t> </a:t>
+            </a:r>
+            <a:r>
+              <a:rPr lang="en-US" dirty="0" err="1" smtClean="0"/>
+              <a:t>trị</a:t>
+            </a:r>
+            <a:endParaRPr lang="en-US" dirty="0" smtClean="0"/>
           </a:p>
         </p:txBody>
       </p:sp>
     </p:spTree>
     <p:extLst>
       <p:ext uri="{BB962C8B-B14F-4D97-AF65-F5344CB8AC3E}">
-        <p14:creationId xmlns:p14="http://schemas.microsoft.com/office/powerpoint/2010/main" val="1416552654"/>
+        <p14:creationId xmlns:p14="http://schemas.microsoft.com/office/powerpoint/2010/main" val="4148179437"/>
       </p:ext>
     </p:extLst>
   </p:cSld>
@@ -3268,7 +3618,23 @@
           <a:bodyPr/>
           <a:lstStyle/>
           <a:p>
-            <a:endParaRPr lang="en-US"/>
+            <a:r>
+              <a:rPr lang="en-US" dirty="0" err="1" smtClean="0"/>
+              <a:t>Từ</a:t>
+            </a:r>
+            <a:r>
+              <a:rPr lang="en-US" dirty="0" smtClean="0"/>
+              <a:t> </a:t>
+            </a:r>
+            <a:r>
+              <a:rPr lang="en-US" dirty="0" err="1" smtClean="0"/>
+              <a:t>khóa</a:t>
+            </a:r>
+            <a:r>
+              <a:rPr lang="en-US" dirty="0" smtClean="0"/>
+              <a:t> static</a:t>
+            </a:r>
+            <a:endParaRPr lang="en-US" dirty="0"/>
           </a:p>
         </p:txBody>
       </p:sp>
@@ -3287,14 +3653,319 @@
           <a:bodyPr/>
           <a:lstStyle/>
           <a:p>
-            <a:endParaRPr lang="en-US"/>
+            <a:r>
+              <a:rPr lang="en-US" dirty="0" err="1" smtClean="0"/>
+              <a:t>Mục</a:t>
+            </a:r>
+            <a:r>
+              <a:rPr lang="en-US" dirty="0" smtClean="0"/>
+              <a:t> </a:t>
+            </a:r>
+            <a:r>
+              <a:rPr lang="en-US" dirty="0" err="1" smtClean="0"/>
+              <a:t>đích</a:t>
+            </a:r>
+            <a:r>
+              <a:rPr lang="en-US" dirty="0" smtClean="0"/>
+              <a:t> </a:t>
+            </a:r>
+            <a:r>
+              <a:rPr lang="en-US" dirty="0" err="1" smtClean="0"/>
+              <a:t>quản</a:t>
+            </a:r>
+            <a:r>
+              <a:rPr lang="en-US" dirty="0" smtClean="0"/>
+              <a:t> </a:t>
+            </a:r>
+            <a:r>
+              <a:rPr lang="en-US" dirty="0" err="1" smtClean="0"/>
+              <a:t>lý</a:t>
+            </a:r>
+            <a:r>
+              <a:rPr lang="en-US" dirty="0" smtClean="0"/>
+              <a:t> </a:t>
+            </a:r>
+            <a:r>
+              <a:rPr lang="en-US" dirty="0" err="1" smtClean="0"/>
+              <a:t>bộ</a:t>
+            </a:r>
+            <a:r>
+              <a:rPr lang="en-US" dirty="0" smtClean="0"/>
+              <a:t> </a:t>
+            </a:r>
+            <a:r>
+              <a:rPr lang="en-US" dirty="0" err="1" smtClean="0"/>
+              <a:t>nhớ</a:t>
+            </a:r>
+            <a:endParaRPr lang="en-US" dirty="0" smtClean="0"/>
+          </a:p>
+          <a:p>
+            <a:r>
+              <a:rPr lang="en-US" dirty="0" err="1" smtClean="0"/>
+              <a:t>Biến</a:t>
+            </a:r>
+            <a:r>
+              <a:rPr lang="en-US" dirty="0" smtClean="0"/>
+              <a:t> static: </a:t>
+            </a:r>
+            <a:r>
+              <a:rPr lang="en-US" dirty="0" err="1" smtClean="0"/>
+              <a:t>Khởi</a:t>
+            </a:r>
+            <a:r>
+              <a:rPr lang="en-US" dirty="0" smtClean="0"/>
+              <a:t> </a:t>
+            </a:r>
+            <a:r>
+              <a:rPr lang="en-US" dirty="0" err="1" smtClean="0"/>
+              <a:t>tạo</a:t>
+            </a:r>
+            <a:r>
+              <a:rPr lang="en-US" dirty="0" smtClean="0"/>
+              <a:t> </a:t>
+            </a:r>
+            <a:r>
+              <a:rPr lang="en-US" dirty="0" err="1" smtClean="0"/>
+              <a:t>một</a:t>
+            </a:r>
+            <a:r>
+              <a:rPr lang="en-US" dirty="0" smtClean="0"/>
+              <a:t> </a:t>
+            </a:r>
+            <a:r>
+              <a:rPr lang="en-US" dirty="0" err="1" smtClean="0"/>
+              <a:t>lần</a:t>
+            </a:r>
+            <a:r>
+              <a:rPr lang="en-US" dirty="0" smtClean="0"/>
+              <a:t> </a:t>
+            </a:r>
+            <a:r>
+              <a:rPr lang="en-US" dirty="0" err="1" smtClean="0"/>
+              <a:t>duy</a:t>
+            </a:r>
+            <a:r>
+              <a:rPr lang="en-US" dirty="0" smtClean="0"/>
+              <a:t> </a:t>
+            </a:r>
+            <a:r>
+              <a:rPr lang="en-US" dirty="0" err="1" smtClean="0"/>
+              <a:t>nhất</a:t>
+            </a:r>
+            <a:endParaRPr lang="en-US" dirty="0" smtClean="0"/>
+          </a:p>
+          <a:p>
+            <a:r>
+              <a:rPr lang="en-US" dirty="0" smtClean="0"/>
+              <a:t>Method static: </a:t>
+            </a:r>
+            <a:r>
+              <a:rPr lang="en-US" dirty="0" err="1" smtClean="0"/>
+              <a:t>gọi</a:t>
+            </a:r>
+            <a:r>
+              <a:rPr lang="en-US" dirty="0" smtClean="0"/>
+              <a:t> </a:t>
+            </a:r>
+            <a:r>
+              <a:rPr lang="en-US" dirty="0" err="1" smtClean="0"/>
+              <a:t>trực</a:t>
+            </a:r>
+            <a:r>
+              <a:rPr lang="en-US" dirty="0" smtClean="0"/>
+              <a:t> </a:t>
+            </a:r>
+            <a:r>
+              <a:rPr lang="en-US" dirty="0" err="1" smtClean="0"/>
+              <a:t>tiếp</a:t>
+            </a:r>
+            <a:r>
+              <a:rPr lang="en-US" dirty="0" smtClean="0"/>
+              <a:t> </a:t>
+            </a:r>
+            <a:r>
+              <a:rPr lang="en-US" dirty="0" err="1" smtClean="0"/>
+              <a:t>mà</a:t>
+            </a:r>
+            <a:r>
+              <a:rPr lang="en-US" dirty="0" smtClean="0"/>
+              <a:t> </a:t>
+            </a:r>
+            <a:r>
+              <a:rPr lang="en-US" dirty="0" err="1" smtClean="0"/>
+              <a:t>không</a:t>
+            </a:r>
+            <a:r>
+              <a:rPr lang="en-US" dirty="0" smtClean="0"/>
+              <a:t> </a:t>
+            </a:r>
+            <a:r>
+              <a:rPr lang="en-US" dirty="0" err="1" smtClean="0"/>
+              <a:t>cần</a:t>
+            </a:r>
+            <a:r>
+              <a:rPr lang="en-US" dirty="0" smtClean="0"/>
+              <a:t> </a:t>
+            </a:r>
+            <a:r>
+              <a:rPr lang="en-US" dirty="0" err="1" smtClean="0"/>
+              <a:t>khởi</a:t>
+            </a:r>
+            <a:r>
+              <a:rPr lang="en-US" dirty="0" smtClean="0"/>
+              <a:t> </a:t>
+            </a:r>
+            <a:r>
+              <a:rPr lang="en-US" dirty="0" err="1" smtClean="0"/>
+              <a:t>tạo</a:t>
+            </a:r>
+            <a:r>
+              <a:rPr lang="en-US" dirty="0" smtClean="0"/>
+              <a:t> </a:t>
+            </a:r>
+            <a:r>
+              <a:rPr lang="en-US" dirty="0" err="1" smtClean="0"/>
+              <a:t>đối</a:t>
+            </a:r>
+            <a:r>
+              <a:rPr lang="en-US" dirty="0" smtClean="0"/>
+              <a:t> </a:t>
+            </a:r>
+            <a:r>
+              <a:rPr lang="en-US" dirty="0" err="1" smtClean="0"/>
+              <a:t>tượng</a:t>
+            </a:r>
+            <a:endParaRPr lang="en-US" dirty="0" smtClean="0"/>
+          </a:p>
+          <a:p>
+            <a:r>
+              <a:rPr lang="en-US" dirty="0" smtClean="0"/>
+              <a:t>Class static: </a:t>
+            </a:r>
+            <a:r>
+              <a:rPr lang="en-US" dirty="0" err="1" smtClean="0"/>
+              <a:t>chỉ</a:t>
+            </a:r>
+            <a:r>
+              <a:rPr lang="en-US" dirty="0" smtClean="0"/>
+              <a:t> </a:t>
+            </a:r>
+            <a:r>
+              <a:rPr lang="en-US" dirty="0" err="1" smtClean="0"/>
+              <a:t>có</a:t>
+            </a:r>
+            <a:r>
+              <a:rPr lang="en-US" dirty="0" smtClean="0"/>
+              <a:t> </a:t>
+            </a:r>
+            <a:r>
+              <a:rPr lang="en-US" dirty="0" err="1" smtClean="0"/>
+              <a:t>thể</a:t>
+            </a:r>
+            <a:r>
+              <a:rPr lang="en-US" dirty="0" smtClean="0"/>
+              <a:t> </a:t>
+            </a:r>
+            <a:r>
+              <a:rPr lang="en-US" dirty="0" err="1" smtClean="0"/>
+              <a:t>là</a:t>
+            </a:r>
+            <a:r>
+              <a:rPr lang="en-US" dirty="0" smtClean="0"/>
+              <a:t> </a:t>
+            </a:r>
+            <a:r>
+              <a:rPr lang="en-US" dirty="0"/>
+              <a:t>I</a:t>
+            </a:r>
+            <a:r>
+              <a:rPr lang="en-US" dirty="0" smtClean="0"/>
+              <a:t>nner Class</a:t>
+            </a:r>
+          </a:p>
+          <a:p>
+            <a:r>
+              <a:rPr lang="en-US" dirty="0" err="1" smtClean="0"/>
+              <a:t>Ngoài</a:t>
+            </a:r>
+            <a:r>
+              <a:rPr lang="en-US" dirty="0" smtClean="0"/>
+              <a:t> </a:t>
+            </a:r>
+            <a:r>
+              <a:rPr lang="en-US" dirty="0" err="1" smtClean="0"/>
+              <a:t>ra</a:t>
+            </a:r>
+            <a:r>
+              <a:rPr lang="en-US" dirty="0" smtClean="0"/>
+              <a:t> </a:t>
+            </a:r>
+            <a:r>
+              <a:rPr lang="en-US" dirty="0" err="1" smtClean="0"/>
+              <a:t>có</a:t>
+            </a:r>
+            <a:r>
+              <a:rPr lang="en-US" dirty="0" smtClean="0"/>
+              <a:t> </a:t>
+            </a:r>
+            <a:r>
+              <a:rPr lang="en-US" dirty="0" err="1" smtClean="0"/>
+              <a:t>thể</a:t>
+            </a:r>
+            <a:r>
+              <a:rPr lang="en-US" dirty="0" smtClean="0"/>
+              <a:t> </a:t>
+            </a:r>
+            <a:r>
+              <a:rPr lang="en-US" dirty="0" err="1" smtClean="0"/>
+              <a:t>tạo</a:t>
+            </a:r>
+            <a:r>
+              <a:rPr lang="en-US" dirty="0" smtClean="0"/>
+              <a:t> </a:t>
+            </a:r>
+            <a:r>
+              <a:rPr lang="en-US" dirty="0" err="1" smtClean="0"/>
+              <a:t>khối</a:t>
+            </a:r>
+            <a:r>
+              <a:rPr lang="en-US" dirty="0" smtClean="0"/>
+              <a:t> static </a:t>
+            </a:r>
+            <a:r>
+              <a:rPr lang="en-US" dirty="0" err="1" smtClean="0"/>
+              <a:t>chạy</a:t>
+            </a:r>
+            <a:r>
+              <a:rPr lang="en-US" dirty="0" smtClean="0"/>
+              <a:t> </a:t>
+            </a:r>
+            <a:r>
+              <a:rPr lang="en-US" dirty="0" err="1" smtClean="0"/>
+              <a:t>trước</a:t>
+            </a:r>
+            <a:r>
+              <a:rPr lang="en-US" dirty="0" smtClean="0"/>
+              <a:t> </a:t>
+            </a:r>
+            <a:r>
+              <a:rPr lang="en-US" dirty="0" err="1" smtClean="0"/>
+              <a:t>hàm</a:t>
+            </a:r>
+            <a:r>
+              <a:rPr lang="en-US" dirty="0" smtClean="0"/>
+              <a:t> main</a:t>
+            </a:r>
+          </a:p>
+          <a:p>
+            <a:endParaRPr lang="en-US" dirty="0"/>
           </a:p>
         </p:txBody>
       </p:sp>
     </p:spTree>
     <p:extLst>
       <p:ext uri="{BB962C8B-B14F-4D97-AF65-F5344CB8AC3E}">
-        <p14:creationId xmlns:p14="http://schemas.microsoft.com/office/powerpoint/2010/main" val="2452286896"/>
+        <p14:creationId xmlns:p14="http://schemas.microsoft.com/office/powerpoint/2010/main" val="3832941511"/>
       </p:ext>
     </p:extLst>
   </p:cSld>
@@ -3333,36 +4004,240 @@
         </p:nvSpPr>
         <p:spPr/>
         <p:txBody>
+          <a:bodyPr>
+            <a:normAutofit fontScale="90000"/>
+          </a:bodyPr>
+          <a:lstStyle/>
+          <a:p>
+            <a:r>
+              <a:rPr lang="en-US" dirty="0" err="1" smtClean="0"/>
+              <a:t>Giống</a:t>
+            </a:r>
+            <a:r>
+              <a:rPr lang="en-US" dirty="0" smtClean="0"/>
+              <a:t> </a:t>
+            </a:r>
+            <a:r>
+              <a:rPr lang="en-US" dirty="0" err="1" smtClean="0"/>
+              <a:t>nhau</a:t>
+            </a:r>
+            <a:r>
+              <a:rPr lang="en-US" dirty="0" smtClean="0"/>
+              <a:t> Interface-Abstract Class (1)</a:t>
+            </a:r>
+            <a:endParaRPr lang="en-US" dirty="0"/>
+          </a:p>
+        </p:txBody>
+      </p:sp>
+      <p:sp>
+        <p:nvSpPr>
+          <p:cNvPr id="3" name="Content Placeholder 2"/>
+          <p:cNvSpPr>
+            <a:spLocks noGrp="1"/>
+          </p:cNvSpPr>
+          <p:nvPr>
+            <p:ph idx="1"/>
+          </p:nvPr>
+        </p:nvSpPr>
+        <p:spPr/>
+        <p:txBody>
           <a:bodyPr/>
           <a:lstStyle/>
           <a:p>
-            <a:endParaRPr lang="en-US"/>
-          </a:p>
-        </p:txBody>
-      </p:sp>
-      <p:sp>
-        <p:nvSpPr>
-          <p:cNvPr id="3" name="Content Placeholder 2"/>
-          <p:cNvSpPr>
-            <a:spLocks noGrp="1"/>
-          </p:cNvSpPr>
-          <p:nvPr>
-            <p:ph idx="1"/>
-          </p:nvPr>
-        </p:nvSpPr>
-        <p:spPr/>
-        <p:txBody>
-          <a:bodyPr/>
-          <a:lstStyle/>
-          <a:p>
-            <a:endParaRPr lang="en-US"/>
+            <a:r>
+              <a:rPr lang="en-US" dirty="0" err="1" smtClean="0"/>
+              <a:t>Biến</a:t>
+            </a:r>
+            <a:r>
+              <a:rPr lang="en-US" dirty="0" smtClean="0"/>
+              <a:t> </a:t>
+            </a:r>
+            <a:r>
+              <a:rPr lang="en-US" dirty="0" err="1" smtClean="0"/>
+              <a:t>có</a:t>
+            </a:r>
+            <a:r>
+              <a:rPr lang="en-US" dirty="0" smtClean="0"/>
+              <a:t> </a:t>
+            </a:r>
+            <a:r>
+              <a:rPr lang="en-US" dirty="0" err="1" smtClean="0"/>
+              <a:t>thể</a:t>
+            </a:r>
+            <a:r>
+              <a:rPr lang="en-US" dirty="0" smtClean="0"/>
+              <a:t> </a:t>
+            </a:r>
+            <a:r>
+              <a:rPr lang="en-US" dirty="0" err="1" smtClean="0"/>
+              <a:t>khai</a:t>
+            </a:r>
+            <a:r>
+              <a:rPr lang="en-US" dirty="0" smtClean="0"/>
+              <a:t> </a:t>
+            </a:r>
+            <a:r>
+              <a:rPr lang="en-US" dirty="0" err="1" smtClean="0"/>
+              <a:t>báo</a:t>
+            </a:r>
+            <a:r>
+              <a:rPr lang="en-US" dirty="0" smtClean="0"/>
+              <a:t> </a:t>
+            </a:r>
+            <a:r>
+              <a:rPr lang="en-US" dirty="0" err="1" smtClean="0"/>
+              <a:t>bên</a:t>
+            </a:r>
+            <a:r>
+              <a:rPr lang="en-US" dirty="0" smtClean="0"/>
+              <a:t> </a:t>
+            </a:r>
+            <a:r>
+              <a:rPr lang="en-US" dirty="0" err="1" smtClean="0"/>
+              <a:t>trong</a:t>
+            </a:r>
+            <a:endParaRPr lang="en-US" dirty="0" smtClean="0"/>
+          </a:p>
+          <a:p>
+            <a:r>
+              <a:rPr lang="en-US" dirty="0" err="1" smtClean="0"/>
+              <a:t>Đều</a:t>
+            </a:r>
+            <a:r>
+              <a:rPr lang="en-US" dirty="0" smtClean="0"/>
+              <a:t> </a:t>
+            </a:r>
+            <a:r>
+              <a:rPr lang="en-US" dirty="0" err="1" smtClean="0"/>
+              <a:t>có</a:t>
+            </a:r>
+            <a:r>
+              <a:rPr lang="en-US" dirty="0" smtClean="0"/>
+              <a:t> </a:t>
+            </a:r>
+            <a:r>
+              <a:rPr lang="en-US" dirty="0" err="1" smtClean="0"/>
+              <a:t>hoặc</a:t>
+            </a:r>
+            <a:r>
+              <a:rPr lang="en-US" dirty="0" smtClean="0"/>
+              <a:t> </a:t>
+            </a:r>
+            <a:r>
+              <a:rPr lang="en-US" dirty="0" err="1" smtClean="0"/>
+              <a:t>không</a:t>
+            </a:r>
+            <a:r>
+              <a:rPr lang="en-US" dirty="0" smtClean="0"/>
+              <a:t> </a:t>
+            </a:r>
+            <a:r>
+              <a:rPr lang="en-US" dirty="0" err="1" smtClean="0"/>
+              <a:t>có</a:t>
+            </a:r>
+            <a:r>
+              <a:rPr lang="en-US" dirty="0" smtClean="0"/>
+              <a:t> abstract method</a:t>
+            </a:r>
+          </a:p>
+          <a:p>
+            <a:r>
+              <a:rPr lang="en-US" dirty="0" err="1" smtClean="0"/>
+              <a:t>Các</a:t>
+            </a:r>
+            <a:r>
+              <a:rPr lang="en-US" dirty="0" smtClean="0"/>
+              <a:t> abstract method </a:t>
+            </a:r>
+            <a:r>
+              <a:rPr lang="en-US" dirty="0" err="1" smtClean="0"/>
+              <a:t>đều</a:t>
+            </a:r>
+            <a:r>
+              <a:rPr lang="en-US" dirty="0" smtClean="0"/>
+              <a:t> </a:t>
+            </a:r>
+            <a:r>
+              <a:rPr lang="en-US" dirty="0" err="1" smtClean="0"/>
+              <a:t>không</a:t>
+            </a:r>
+            <a:r>
+              <a:rPr lang="en-US" dirty="0" smtClean="0"/>
+              <a:t> </a:t>
+            </a:r>
+            <a:r>
+              <a:rPr lang="en-US" dirty="0" err="1" smtClean="0"/>
+              <a:t>thể</a:t>
+            </a:r>
+            <a:r>
+              <a:rPr lang="en-US" dirty="0" smtClean="0"/>
+              <a:t> </a:t>
+            </a:r>
+            <a:r>
+              <a:rPr lang="en-US" dirty="0" err="1" smtClean="0"/>
+              <a:t>hiện</a:t>
+            </a:r>
+            <a:r>
+              <a:rPr lang="en-US" dirty="0" smtClean="0"/>
+              <a:t> </a:t>
+            </a:r>
+            <a:r>
+              <a:rPr lang="en-US" dirty="0" err="1" smtClean="0"/>
+              <a:t>nội</a:t>
+            </a:r>
+            <a:r>
+              <a:rPr lang="en-US" dirty="0" smtClean="0"/>
+              <a:t> dung</a:t>
+            </a:r>
+          </a:p>
+          <a:p>
+            <a:r>
+              <a:rPr lang="en-US" dirty="0" err="1" smtClean="0"/>
+              <a:t>Thể</a:t>
+            </a:r>
+            <a:r>
+              <a:rPr lang="en-US" dirty="0" smtClean="0"/>
+              <a:t> </a:t>
+            </a:r>
+            <a:r>
+              <a:rPr lang="en-US" dirty="0" err="1" smtClean="0"/>
+              <a:t>hiện</a:t>
+            </a:r>
+            <a:r>
+              <a:rPr lang="en-US" dirty="0" smtClean="0"/>
+              <a:t> </a:t>
+            </a:r>
+            <a:r>
+              <a:rPr lang="en-US" dirty="0" err="1" smtClean="0"/>
+              <a:t>có</a:t>
+            </a:r>
+            <a:r>
+              <a:rPr lang="en-US" dirty="0" smtClean="0"/>
+              <a:t> </a:t>
+            </a:r>
+            <a:r>
+              <a:rPr lang="en-US" dirty="0" err="1" smtClean="0"/>
+              <a:t>thể</a:t>
+            </a:r>
+            <a:r>
+              <a:rPr lang="en-US" dirty="0" smtClean="0"/>
+              <a:t> qua </a:t>
+            </a:r>
+            <a:r>
+              <a:rPr lang="en-US" dirty="0" err="1" smtClean="0"/>
+              <a:t>SubClass</a:t>
+            </a:r>
+            <a:endParaRPr lang="en-US" dirty="0" smtClean="0"/>
+          </a:p>
+          <a:p>
+            <a:endParaRPr lang="en-US" dirty="0"/>
           </a:p>
         </p:txBody>
       </p:sp>
     </p:spTree>
     <p:extLst>
       <p:ext uri="{BB962C8B-B14F-4D97-AF65-F5344CB8AC3E}">
-        <p14:creationId xmlns:p14="http://schemas.microsoft.com/office/powerpoint/2010/main" val="1735282480"/>
+        <p14:creationId xmlns:p14="http://schemas.microsoft.com/office/powerpoint/2010/main" val="2353690257"/>
       </p:ext>
     </p:extLst>
   </p:cSld>
@@ -3404,7 +4279,23 @@
           <a:bodyPr/>
           <a:lstStyle/>
           <a:p>
-            <a:endParaRPr lang="en-US"/>
+            <a:r>
+              <a:rPr lang="en-US" dirty="0" err="1" smtClean="0"/>
+              <a:t>Khác</a:t>
+            </a:r>
+            <a:r>
+              <a:rPr lang="en-US" dirty="0" smtClean="0"/>
+              <a:t> </a:t>
+            </a:r>
+            <a:r>
+              <a:rPr lang="en-US" dirty="0" err="1" smtClean="0"/>
+              <a:t>nhau</a:t>
+            </a:r>
+            <a:r>
+              <a:rPr lang="en-US" dirty="0" smtClean="0"/>
+              <a:t> (1)</a:t>
+            </a:r>
+            <a:endParaRPr lang="en-US" dirty="0"/>
           </a:p>
         </p:txBody>
       </p:sp>
@@ -3423,14 +4314,208 @@
           <a:bodyPr/>
           <a:lstStyle/>
           <a:p>
-            <a:endParaRPr lang="en-US"/>
+            <a:r>
+              <a:rPr lang="en-US" dirty="0" smtClean="0"/>
+              <a:t>Constructor</a:t>
+            </a:r>
+          </a:p>
+          <a:p>
+            <a:pPr lvl="1"/>
+            <a:r>
+              <a:rPr lang="en-US" dirty="0" smtClean="0"/>
+              <a:t>Abstract Class constructor </a:t>
+            </a:r>
+            <a:r>
+              <a:rPr lang="en-US" dirty="0" err="1" smtClean="0"/>
+              <a:t>mặc</a:t>
+            </a:r>
+            <a:r>
+              <a:rPr lang="en-US" dirty="0" smtClean="0"/>
+              <a:t> </a:t>
+            </a:r>
+            <a:r>
+              <a:rPr lang="en-US" dirty="0" err="1" smtClean="0"/>
+              <a:t>định</a:t>
+            </a:r>
+            <a:endParaRPr lang="en-US" dirty="0" smtClean="0"/>
+          </a:p>
+          <a:p>
+            <a:pPr lvl="1"/>
+            <a:r>
+              <a:rPr lang="en-US" dirty="0" smtClean="0"/>
+              <a:t>Interface </a:t>
+            </a:r>
+            <a:r>
+              <a:rPr lang="en-US" dirty="0" err="1" smtClean="0"/>
+              <a:t>không</a:t>
+            </a:r>
+            <a:r>
+              <a:rPr lang="en-US" dirty="0" smtClean="0"/>
+              <a:t> </a:t>
+            </a:r>
+            <a:r>
+              <a:rPr lang="en-US" dirty="0" err="1" smtClean="0"/>
+              <a:t>có</a:t>
+            </a:r>
+            <a:r>
+              <a:rPr lang="en-US" dirty="0" smtClean="0"/>
+              <a:t> constructor </a:t>
+            </a:r>
+            <a:r>
+              <a:rPr lang="en-US" dirty="0" err="1" smtClean="0"/>
+              <a:t>mặc</a:t>
+            </a:r>
+            <a:r>
+              <a:rPr lang="en-US" dirty="0" smtClean="0"/>
+              <a:t> </a:t>
+            </a:r>
+            <a:r>
+              <a:rPr lang="en-US" dirty="0" err="1" smtClean="0"/>
+              <a:t>định</a:t>
+            </a:r>
+            <a:endParaRPr lang="en-US" dirty="0" smtClean="0"/>
+          </a:p>
+          <a:p>
+            <a:r>
+              <a:rPr lang="en-US" dirty="0" err="1" smtClean="0"/>
+              <a:t>Biến</a:t>
+            </a:r>
+            <a:endParaRPr lang="en-US" dirty="0"/>
+          </a:p>
+          <a:p>
+            <a:pPr lvl="1"/>
+            <a:r>
+              <a:rPr lang="en-US" dirty="0"/>
+              <a:t>Abstract </a:t>
+            </a:r>
+            <a:r>
+              <a:rPr lang="en-US" dirty="0" smtClean="0"/>
+              <a:t>Class </a:t>
+            </a:r>
+            <a:r>
+              <a:rPr lang="en-US" dirty="0" err="1" smtClean="0"/>
+              <a:t>có</a:t>
+            </a:r>
+            <a:r>
+              <a:rPr lang="en-US" dirty="0" smtClean="0"/>
+              <a:t> </a:t>
+            </a:r>
+            <a:r>
+              <a:rPr lang="en-US" dirty="0" err="1" smtClean="0"/>
+              <a:t>giá</a:t>
+            </a:r>
+            <a:r>
+              <a:rPr lang="en-US" dirty="0" smtClean="0"/>
+              <a:t> </a:t>
+            </a:r>
+            <a:r>
+              <a:rPr lang="en-US" dirty="0" err="1" smtClean="0"/>
+              <a:t>trị</a:t>
+            </a:r>
+            <a:r>
+              <a:rPr lang="en-US" dirty="0" smtClean="0"/>
+              <a:t> </a:t>
+            </a:r>
+            <a:r>
+              <a:rPr lang="en-US" dirty="0" err="1" smtClean="0"/>
+              <a:t>mặc</a:t>
+            </a:r>
+            <a:r>
+              <a:rPr lang="en-US" dirty="0" smtClean="0"/>
+              <a:t> </a:t>
+            </a:r>
+            <a:r>
+              <a:rPr lang="en-US" dirty="0" err="1" smtClean="0"/>
+              <a:t>định</a:t>
+            </a:r>
+            <a:endParaRPr lang="en-US" dirty="0" smtClean="0"/>
+          </a:p>
+          <a:p>
+            <a:pPr lvl="1"/>
+            <a:r>
+              <a:rPr lang="en-US" dirty="0" smtClean="0"/>
+              <a:t>Interface </a:t>
+            </a:r>
+            <a:r>
+              <a:rPr lang="en-US" dirty="0" err="1" smtClean="0"/>
+              <a:t>không</a:t>
+            </a:r>
+            <a:r>
+              <a:rPr lang="en-US" dirty="0" smtClean="0"/>
+              <a:t> </a:t>
+            </a:r>
+            <a:r>
+              <a:rPr lang="en-US" dirty="0" err="1" smtClean="0"/>
+              <a:t>có</a:t>
+            </a:r>
+            <a:r>
+              <a:rPr lang="en-US" dirty="0" smtClean="0"/>
+              <a:t> </a:t>
+            </a:r>
+            <a:r>
+              <a:rPr lang="en-US" dirty="0" err="1" smtClean="0"/>
+              <a:t>giá</a:t>
+            </a:r>
+            <a:r>
+              <a:rPr lang="en-US" dirty="0" smtClean="0"/>
+              <a:t> </a:t>
+            </a:r>
+            <a:r>
+              <a:rPr lang="en-US" dirty="0" err="1" smtClean="0"/>
+              <a:t>trị</a:t>
+            </a:r>
+            <a:r>
+              <a:rPr lang="en-US" dirty="0" smtClean="0"/>
+              <a:t> </a:t>
+            </a:r>
+            <a:r>
+              <a:rPr lang="en-US" dirty="0" err="1" smtClean="0"/>
+              <a:t>mặc</a:t>
+            </a:r>
+            <a:r>
+              <a:rPr lang="en-US" dirty="0" smtClean="0"/>
+              <a:t> </a:t>
+            </a:r>
+            <a:r>
+              <a:rPr lang="en-US" dirty="0" err="1" smtClean="0"/>
+              <a:t>định</a:t>
+            </a:r>
+            <a:r>
+              <a:rPr lang="en-US" dirty="0" smtClean="0"/>
+              <a:t>, </a:t>
+            </a:r>
+            <a:r>
+              <a:rPr lang="en-US" dirty="0" err="1" smtClean="0"/>
+              <a:t>biến</a:t>
+            </a:r>
+            <a:r>
+              <a:rPr lang="en-US" dirty="0" smtClean="0"/>
+              <a:t> ở </a:t>
+            </a:r>
+            <a:r>
+              <a:rPr lang="en-US" dirty="0" err="1" smtClean="0"/>
+              <a:t>dạng</a:t>
+            </a:r>
+            <a:r>
+              <a:rPr lang="en-US" dirty="0" smtClean="0"/>
+              <a:t> static final </a:t>
+            </a:r>
+            <a:r>
+              <a:rPr lang="en-US" dirty="0" err="1" smtClean="0"/>
+              <a:t>khi</a:t>
+            </a:r>
+            <a:r>
+              <a:rPr lang="en-US" dirty="0" smtClean="0"/>
+              <a:t> compiler</a:t>
+            </a:r>
+            <a:endParaRPr lang="en-US" dirty="0"/>
           </a:p>
         </p:txBody>
       </p:sp>
     </p:spTree>
     <p:extLst>
       <p:ext uri="{BB962C8B-B14F-4D97-AF65-F5344CB8AC3E}">
-        <p14:creationId xmlns:p14="http://schemas.microsoft.com/office/powerpoint/2010/main" val="166558829"/>
+        <p14:creationId xmlns:p14="http://schemas.microsoft.com/office/powerpoint/2010/main" val="1416552654"/>
       </p:ext>
     </p:extLst>
   </p:cSld>
@@ -3472,7 +4557,23 @@
           <a:bodyPr/>
           <a:lstStyle/>
           <a:p>
-            <a:endParaRPr lang="en-US"/>
+            <a:r>
+              <a:rPr lang="en-US" dirty="0" err="1" smtClean="0"/>
+              <a:t>Khác</a:t>
+            </a:r>
+            <a:r>
+              <a:rPr lang="en-US" dirty="0" smtClean="0"/>
+              <a:t> </a:t>
+            </a:r>
+            <a:r>
+              <a:rPr lang="en-US" dirty="0" err="1" smtClean="0"/>
+              <a:t>nhau</a:t>
+            </a:r>
+            <a:r>
+              <a:rPr lang="en-US" dirty="0" smtClean="0"/>
+              <a:t> (2)</a:t>
+            </a:r>
+            <a:endParaRPr lang="en-US" dirty="0"/>
           </a:p>
         </p:txBody>
       </p:sp>
@@ -3491,14 +4592,238 @@
           <a:bodyPr/>
           <a:lstStyle/>
           <a:p>
-            <a:endParaRPr lang="en-US"/>
+            <a:r>
+              <a:rPr lang="en-US" dirty="0" smtClean="0"/>
+              <a:t>Abstract method</a:t>
+            </a:r>
+          </a:p>
+          <a:p>
+            <a:pPr lvl="1"/>
+            <a:r>
+              <a:rPr lang="en-US" dirty="0" smtClean="0"/>
+              <a:t>Abstract </a:t>
+            </a:r>
+            <a:r>
+              <a:rPr lang="en-US" dirty="0"/>
+              <a:t>class </a:t>
+            </a:r>
+            <a:r>
+              <a:rPr lang="en-US" dirty="0" err="1" smtClean="0"/>
+              <a:t>Có</a:t>
+            </a:r>
+            <a:r>
+              <a:rPr lang="en-US" dirty="0" smtClean="0"/>
+              <a:t> </a:t>
+            </a:r>
+            <a:r>
+              <a:rPr lang="en-US" dirty="0" err="1" smtClean="0"/>
+              <a:t>thể</a:t>
+            </a:r>
+            <a:r>
+              <a:rPr lang="en-US" dirty="0" smtClean="0"/>
+              <a:t> </a:t>
+            </a:r>
+            <a:r>
+              <a:rPr lang="en-US" dirty="0" err="1" smtClean="0"/>
+              <a:t>thực</a:t>
+            </a:r>
+            <a:r>
+              <a:rPr lang="en-US" dirty="0" smtClean="0"/>
+              <a:t> </a:t>
+            </a:r>
+            <a:r>
+              <a:rPr lang="en-US" dirty="0" err="1" smtClean="0"/>
+              <a:t>hiện</a:t>
+            </a:r>
+            <a:r>
+              <a:rPr lang="en-US" dirty="0" smtClean="0"/>
+              <a:t> chi </a:t>
+            </a:r>
+            <a:r>
+              <a:rPr lang="en-US" dirty="0" err="1" smtClean="0"/>
+              <a:t>tiết</a:t>
+            </a:r>
+            <a:r>
+              <a:rPr lang="en-US" dirty="0"/>
+              <a:t> </a:t>
+            </a:r>
+            <a:r>
+              <a:rPr lang="en-US" dirty="0" smtClean="0"/>
+              <a:t>ở </a:t>
+            </a:r>
+            <a:r>
+              <a:rPr lang="en-US" dirty="0" err="1" smtClean="0"/>
+              <a:t>trong</a:t>
+            </a:r>
+            <a:endParaRPr lang="en-US" dirty="0" smtClean="0"/>
+          </a:p>
+          <a:p>
+            <a:pPr lvl="1"/>
+            <a:r>
+              <a:rPr lang="en-US" dirty="0" smtClean="0"/>
+              <a:t>Interface </a:t>
+            </a:r>
+            <a:r>
+              <a:rPr lang="en-US" dirty="0" err="1" smtClean="0"/>
+              <a:t>Không</a:t>
+            </a:r>
+            <a:r>
+              <a:rPr lang="en-US" dirty="0" smtClean="0"/>
+              <a:t> </a:t>
+            </a:r>
+            <a:r>
+              <a:rPr lang="en-US" dirty="0" err="1" smtClean="0"/>
+              <a:t>thực</a:t>
+            </a:r>
+            <a:r>
+              <a:rPr lang="en-US" dirty="0" smtClean="0"/>
+              <a:t> </a:t>
+            </a:r>
+            <a:r>
+              <a:rPr lang="en-US" dirty="0" err="1" smtClean="0"/>
+              <a:t>hiện</a:t>
+            </a:r>
+            <a:r>
+              <a:rPr lang="en-US" dirty="0" smtClean="0"/>
+              <a:t> chi </a:t>
+            </a:r>
+            <a:r>
+              <a:rPr lang="en-US" dirty="0" err="1" smtClean="0"/>
+              <a:t>tiết</a:t>
+            </a:r>
+            <a:endParaRPr lang="en-US" dirty="0" smtClean="0"/>
+          </a:p>
+          <a:p>
+            <a:r>
+              <a:rPr lang="en-US" dirty="0" smtClean="0"/>
+              <a:t>Access modifier </a:t>
+            </a:r>
+            <a:r>
+              <a:rPr lang="en-US" dirty="0" err="1" smtClean="0"/>
+              <a:t>của</a:t>
+            </a:r>
+            <a:r>
+              <a:rPr lang="en-US" dirty="0" smtClean="0"/>
+              <a:t> </a:t>
+            </a:r>
+            <a:r>
+              <a:rPr lang="en-US" dirty="0"/>
+              <a:t>Abstract </a:t>
+            </a:r>
+            <a:r>
+              <a:rPr lang="en-US" dirty="0" smtClean="0"/>
+              <a:t>method</a:t>
+            </a:r>
+          </a:p>
+          <a:p>
+            <a:pPr lvl="1"/>
+            <a:r>
+              <a:rPr lang="en-US" dirty="0"/>
+              <a:t>Abstract </a:t>
+            </a:r>
+            <a:r>
+              <a:rPr lang="en-US" dirty="0" smtClean="0"/>
+              <a:t>class: Access modifier: </a:t>
+            </a:r>
+            <a:r>
+              <a:rPr lang="en-US" dirty="0" err="1" smtClean="0"/>
+              <a:t>mặc</a:t>
+            </a:r>
+            <a:r>
+              <a:rPr lang="en-US" dirty="0" smtClean="0"/>
+              <a:t> </a:t>
+            </a:r>
+            <a:r>
+              <a:rPr lang="en-US" dirty="0" err="1" smtClean="0"/>
+              <a:t>định</a:t>
+            </a:r>
+            <a:r>
+              <a:rPr lang="en-US" dirty="0" smtClean="0"/>
+              <a:t>, protected, public</a:t>
+            </a:r>
+          </a:p>
+          <a:p>
+            <a:pPr lvl="1"/>
+            <a:r>
+              <a:rPr lang="en-US" dirty="0" smtClean="0"/>
+              <a:t>Interface: </a:t>
+            </a:r>
+            <a:r>
+              <a:rPr lang="en-US" dirty="0" err="1" smtClean="0"/>
+              <a:t>chỉ</a:t>
+            </a:r>
+            <a:r>
+              <a:rPr lang="en-US" dirty="0" smtClean="0"/>
+              <a:t> </a:t>
+            </a:r>
+            <a:r>
+              <a:rPr lang="en-US" dirty="0" err="1" smtClean="0"/>
+              <a:t>có</a:t>
+            </a:r>
+            <a:r>
+              <a:rPr lang="en-US" dirty="0" smtClean="0"/>
+              <a:t> </a:t>
+            </a:r>
+            <a:r>
+              <a:rPr lang="en-US" dirty="0" err="1" smtClean="0"/>
+              <a:t>thể</a:t>
+            </a:r>
+            <a:r>
+              <a:rPr lang="en-US" dirty="0" smtClean="0"/>
+              <a:t> </a:t>
+            </a:r>
+            <a:r>
+              <a:rPr lang="en-US" dirty="0" err="1" smtClean="0"/>
+              <a:t>là</a:t>
+            </a:r>
+            <a:r>
+              <a:rPr lang="en-US" dirty="0" smtClean="0"/>
+              <a:t> public (</a:t>
+            </a:r>
+            <a:r>
+              <a:rPr lang="en-US" dirty="0" err="1" smtClean="0"/>
+              <a:t>khi</a:t>
+            </a:r>
+            <a:r>
+              <a:rPr lang="en-US" dirty="0" smtClean="0"/>
+              <a:t> compiler </a:t>
+            </a:r>
+            <a:r>
+              <a:rPr lang="en-US" dirty="0" err="1" smtClean="0"/>
+              <a:t>mặc</a:t>
+            </a:r>
+            <a:r>
+              <a:rPr lang="en-US" dirty="0" smtClean="0"/>
+              <a:t> </a:t>
+            </a:r>
+            <a:r>
+              <a:rPr lang="en-US" dirty="0" err="1" smtClean="0"/>
+              <a:t>định</a:t>
+            </a:r>
+            <a:r>
+              <a:rPr lang="en-US" dirty="0" smtClean="0"/>
+              <a:t> </a:t>
+            </a:r>
+            <a:r>
+              <a:rPr lang="en-US" dirty="0" err="1" smtClean="0"/>
+              <a:t>là</a:t>
+            </a:r>
+            <a:r>
+              <a:rPr lang="en-US" dirty="0" smtClean="0"/>
+              <a:t> public)</a:t>
+            </a:r>
+            <a:endParaRPr lang="en-US" dirty="0" smtClean="0"/>
+          </a:p>
+          <a:p>
+            <a:pPr lvl="1"/>
+            <a:endParaRPr lang="en-US" dirty="0"/>
           </a:p>
         </p:txBody>
       </p:sp>
     </p:spTree>
     <p:extLst>
       <p:ext uri="{BB962C8B-B14F-4D97-AF65-F5344CB8AC3E}">
-        <p14:creationId xmlns:p14="http://schemas.microsoft.com/office/powerpoint/2010/main" val="2670548292"/>
+        <p14:creationId xmlns:p14="http://schemas.microsoft.com/office/powerpoint/2010/main" val="2452286896"/>
       </p:ext>
     </p:extLst>
   </p:cSld>
@@ -3540,7 +4865,23 @@
           <a:bodyPr/>
           <a:lstStyle/>
           <a:p>
-            <a:endParaRPr lang="en-US"/>
+            <a:r>
+              <a:rPr lang="en-US" dirty="0" err="1" smtClean="0"/>
+              <a:t>Khác</a:t>
+            </a:r>
+            <a:r>
+              <a:rPr lang="en-US" dirty="0" smtClean="0"/>
+              <a:t> </a:t>
+            </a:r>
+            <a:r>
+              <a:rPr lang="en-US" dirty="0" err="1" smtClean="0"/>
+              <a:t>nhau</a:t>
+            </a:r>
+            <a:r>
+              <a:rPr lang="en-US" dirty="0" smtClean="0"/>
+              <a:t> (3)</a:t>
+            </a:r>
+            <a:endParaRPr lang="en-US" dirty="0"/>
           </a:p>
         </p:txBody>
       </p:sp>
@@ -3556,17 +4897,321 @@
         </p:nvSpPr>
         <p:spPr/>
         <p:txBody>
-          <a:bodyPr/>
+          <a:bodyPr>
+            <a:normAutofit/>
+          </a:bodyPr>
           <a:lstStyle/>
           <a:p>
-            <a:endParaRPr lang="en-US"/>
+            <a:r>
+              <a:rPr lang="en-US" dirty="0" err="1" smtClean="0"/>
+              <a:t>Kế</a:t>
+            </a:r>
+            <a:r>
+              <a:rPr lang="en-US" dirty="0" smtClean="0"/>
+              <a:t> </a:t>
+            </a:r>
+            <a:r>
+              <a:rPr lang="en-US" dirty="0" err="1" smtClean="0"/>
+              <a:t>thừa</a:t>
+            </a:r>
+            <a:endParaRPr lang="en-US" dirty="0" smtClean="0"/>
+          </a:p>
+          <a:p>
+            <a:pPr lvl="1"/>
+            <a:r>
+              <a:rPr lang="en-US" dirty="0" smtClean="0"/>
+              <a:t>Abstract Class: </a:t>
+            </a:r>
+            <a:r>
+              <a:rPr lang="en-US" dirty="0" err="1" smtClean="0"/>
+              <a:t>Đơn</a:t>
+            </a:r>
+            <a:r>
+              <a:rPr lang="en-US" dirty="0" smtClean="0"/>
+              <a:t> </a:t>
+            </a:r>
+            <a:r>
+              <a:rPr lang="en-US" dirty="0" err="1" smtClean="0"/>
+              <a:t>kế</a:t>
+            </a:r>
+            <a:r>
+              <a:rPr lang="en-US" dirty="0" smtClean="0"/>
+              <a:t> </a:t>
+            </a:r>
+            <a:r>
+              <a:rPr lang="en-US" dirty="0" err="1" smtClean="0"/>
+              <a:t>thừa</a:t>
+            </a:r>
+            <a:r>
+              <a:rPr lang="en-US" dirty="0" smtClean="0"/>
+              <a:t> - Abstract class </a:t>
+            </a:r>
+            <a:r>
+              <a:rPr lang="en-US" dirty="0" err="1" smtClean="0"/>
+              <a:t>chỉ</a:t>
+            </a:r>
+            <a:r>
+              <a:rPr lang="en-US" dirty="0" smtClean="0"/>
+              <a:t> </a:t>
+            </a:r>
+            <a:r>
+              <a:rPr lang="en-US" dirty="0" err="1" smtClean="0"/>
+              <a:t>có</a:t>
+            </a:r>
+            <a:r>
+              <a:rPr lang="en-US" dirty="0"/>
+              <a:t> </a:t>
+            </a:r>
+            <a:r>
+              <a:rPr lang="en-US" dirty="0" err="1" smtClean="0"/>
+              <a:t>thể</a:t>
+            </a:r>
+            <a:r>
+              <a:rPr lang="en-US" dirty="0" smtClean="0"/>
+              <a:t> extends </a:t>
+            </a:r>
+            <a:r>
+              <a:rPr lang="en-US" dirty="0" err="1" smtClean="0"/>
+              <a:t>từ</a:t>
+            </a:r>
+            <a:r>
+              <a:rPr lang="en-US" dirty="0" smtClean="0"/>
+              <a:t> </a:t>
+            </a:r>
+            <a:r>
+              <a:rPr lang="en-US" dirty="0" err="1" smtClean="0"/>
+              <a:t>một</a:t>
+            </a:r>
+            <a:r>
+              <a:rPr lang="en-US" dirty="0" smtClean="0"/>
+              <a:t> </a:t>
+            </a:r>
+            <a:r>
+              <a:rPr lang="en-US" dirty="0"/>
+              <a:t>Abstract </a:t>
+            </a:r>
+            <a:r>
+              <a:rPr lang="en-US" dirty="0" smtClean="0"/>
+              <a:t>class </a:t>
+            </a:r>
+            <a:r>
+              <a:rPr lang="en-US" dirty="0" err="1" smtClean="0"/>
+              <a:t>khác</a:t>
+            </a:r>
+            <a:endParaRPr lang="en-US" dirty="0" smtClean="0"/>
+          </a:p>
+          <a:p>
+            <a:pPr lvl="1"/>
+            <a:r>
+              <a:rPr lang="en-US" dirty="0" smtClean="0"/>
+              <a:t>Interface: </a:t>
+            </a:r>
+            <a:r>
+              <a:rPr lang="en-US" dirty="0" err="1" smtClean="0"/>
+              <a:t>Đa</a:t>
+            </a:r>
+            <a:r>
+              <a:rPr lang="en-US" dirty="0" smtClean="0"/>
+              <a:t> </a:t>
+            </a:r>
+            <a:r>
+              <a:rPr lang="en-US" dirty="0" err="1" smtClean="0"/>
+              <a:t>kế</a:t>
+            </a:r>
+            <a:r>
+              <a:rPr lang="en-US" dirty="0" smtClean="0"/>
+              <a:t> </a:t>
+            </a:r>
+            <a:r>
+              <a:rPr lang="en-US" dirty="0" err="1" smtClean="0"/>
+              <a:t>thừa</a:t>
+            </a:r>
+            <a:r>
+              <a:rPr lang="en-US" dirty="0"/>
+              <a:t> </a:t>
+            </a:r>
+            <a:r>
+              <a:rPr lang="en-US" dirty="0" smtClean="0"/>
+              <a:t>Interface </a:t>
+            </a:r>
+            <a:r>
+              <a:rPr lang="en-US" dirty="0" err="1" smtClean="0"/>
+              <a:t>có</a:t>
+            </a:r>
+            <a:r>
+              <a:rPr lang="en-US" dirty="0" smtClean="0"/>
+              <a:t> </a:t>
+            </a:r>
+            <a:r>
+              <a:rPr lang="en-US" dirty="0" err="1"/>
+              <a:t>thể</a:t>
+            </a:r>
+            <a:r>
+              <a:rPr lang="en-US" dirty="0"/>
+              <a:t> extend </a:t>
+            </a:r>
+            <a:r>
+              <a:rPr lang="en-US" dirty="0" err="1" smtClean="0"/>
+              <a:t>từ</a:t>
+            </a:r>
+            <a:r>
+              <a:rPr lang="en-US" dirty="0" smtClean="0"/>
+              <a:t> </a:t>
+            </a:r>
+            <a:r>
+              <a:rPr lang="en-US" dirty="0" err="1" smtClean="0"/>
+              <a:t>nhiều</a:t>
+            </a:r>
+            <a:r>
+              <a:rPr lang="en-US" dirty="0" smtClean="0"/>
+              <a:t> Interface </a:t>
+            </a:r>
+            <a:r>
+              <a:rPr lang="en-US" dirty="0" err="1" smtClean="0"/>
+              <a:t>khác</a:t>
+            </a:r>
+            <a:endParaRPr lang="en-US" dirty="0" smtClean="0"/>
+          </a:p>
+          <a:p>
+            <a:r>
+              <a:rPr lang="en-US" dirty="0" err="1" smtClean="0"/>
+              <a:t>Từ</a:t>
+            </a:r>
+            <a:r>
+              <a:rPr lang="en-US" dirty="0" smtClean="0"/>
+              <a:t> </a:t>
+            </a:r>
+            <a:r>
+              <a:rPr lang="en-US" dirty="0" err="1" smtClean="0"/>
+              <a:t>khóa</a:t>
+            </a:r>
+            <a:r>
+              <a:rPr lang="en-US" dirty="0" smtClean="0"/>
+              <a:t> </a:t>
+            </a:r>
+            <a:r>
+              <a:rPr lang="en-US" dirty="0" err="1" smtClean="0"/>
+              <a:t>kế</a:t>
+            </a:r>
+            <a:r>
+              <a:rPr lang="en-US" dirty="0" smtClean="0"/>
+              <a:t> </a:t>
+            </a:r>
+            <a:r>
+              <a:rPr lang="en-US" dirty="0" err="1" smtClean="0"/>
+              <a:t>thừa</a:t>
+            </a:r>
+            <a:r>
+              <a:rPr lang="en-US" dirty="0" smtClean="0"/>
+              <a:t> </a:t>
+            </a:r>
+            <a:r>
+              <a:rPr lang="en-US" dirty="0" err="1" smtClean="0"/>
+              <a:t>sử</a:t>
+            </a:r>
+            <a:r>
+              <a:rPr lang="en-US" dirty="0" smtClean="0"/>
+              <a:t> </a:t>
+            </a:r>
+            <a:r>
+              <a:rPr lang="en-US" dirty="0" err="1" smtClean="0"/>
+              <a:t>dụng</a:t>
+            </a:r>
+            <a:r>
+              <a:rPr lang="en-US" dirty="0" smtClean="0"/>
+              <a:t> </a:t>
+            </a:r>
+            <a:r>
+              <a:rPr lang="en-US" dirty="0" err="1" smtClean="0"/>
+              <a:t>được</a:t>
+            </a:r>
+            <a:endParaRPr lang="en-US" dirty="0"/>
+          </a:p>
+          <a:p>
+            <a:pPr lvl="1"/>
+            <a:r>
+              <a:rPr lang="en-US" dirty="0"/>
+              <a:t>Abstract </a:t>
+            </a:r>
+            <a:r>
+              <a:rPr lang="en-US" dirty="0" smtClean="0"/>
+              <a:t>Class: </a:t>
+            </a:r>
+            <a:r>
+              <a:rPr lang="en-US" dirty="0" err="1" smtClean="0"/>
+              <a:t>sử</a:t>
+            </a:r>
+            <a:r>
+              <a:rPr lang="en-US" dirty="0" smtClean="0"/>
+              <a:t> </a:t>
+            </a:r>
+            <a:r>
+              <a:rPr lang="en-US" dirty="0" err="1" smtClean="0"/>
+              <a:t>dụng</a:t>
+            </a:r>
+            <a:r>
+              <a:rPr lang="en-US" dirty="0" smtClean="0"/>
+              <a:t> </a:t>
+            </a:r>
+            <a:r>
+              <a:rPr lang="en-US" dirty="0" err="1" smtClean="0"/>
+              <a:t>được</a:t>
+            </a:r>
+            <a:r>
+              <a:rPr lang="en-US" dirty="0" smtClean="0"/>
+              <a:t> </a:t>
+            </a:r>
+            <a:r>
+              <a:rPr lang="en-US" dirty="0"/>
+              <a:t>extend </a:t>
+            </a:r>
+            <a:r>
+              <a:rPr lang="en-US" dirty="0" err="1" smtClean="0"/>
+              <a:t>và</a:t>
+            </a:r>
+            <a:r>
+              <a:rPr lang="en-US" dirty="0" smtClean="0"/>
+              <a:t> implement</a:t>
+            </a:r>
+          </a:p>
+          <a:p>
+            <a:pPr lvl="1"/>
+            <a:r>
+              <a:rPr lang="en-US" dirty="0" smtClean="0"/>
+              <a:t>Interface: </a:t>
+            </a:r>
+            <a:r>
+              <a:rPr lang="en-US" dirty="0" err="1" smtClean="0"/>
+              <a:t>chỉ</a:t>
+            </a:r>
+            <a:r>
+              <a:rPr lang="en-US" dirty="0" smtClean="0"/>
+              <a:t> </a:t>
+            </a:r>
+            <a:r>
+              <a:rPr lang="en-US" dirty="0" err="1" smtClean="0"/>
+              <a:t>sử</a:t>
+            </a:r>
+            <a:r>
+              <a:rPr lang="en-US" dirty="0" smtClean="0"/>
+              <a:t> </a:t>
+            </a:r>
+            <a:r>
+              <a:rPr lang="en-US" dirty="0" err="1" smtClean="0"/>
+              <a:t>dụng</a:t>
+            </a:r>
+            <a:r>
+              <a:rPr lang="en-US" dirty="0" smtClean="0"/>
+              <a:t> implement</a:t>
+            </a:r>
+            <a:endParaRPr lang="en-US" dirty="0"/>
           </a:p>
         </p:txBody>
       </p:sp>
     </p:spTree>
     <p:extLst>
       <p:ext uri="{BB962C8B-B14F-4D97-AF65-F5344CB8AC3E}">
-        <p14:creationId xmlns:p14="http://schemas.microsoft.com/office/powerpoint/2010/main" val="3444109457"/>
+        <p14:creationId xmlns:p14="http://schemas.microsoft.com/office/powerpoint/2010/main" val="1735282480"/>
       </p:ext>
     </p:extLst>
   </p:cSld>
@@ -3595,46 +5240,230 @@
       </p:grpSpPr>
       <p:sp>
         <p:nvSpPr>
-          <p:cNvPr id="2" name="Title 1"/>
-          <p:cNvSpPr>
-            <a:spLocks noGrp="1"/>
-          </p:cNvSpPr>
-          <p:nvPr>
-            <p:ph type="title"/>
-          </p:nvPr>
-        </p:nvSpPr>
-        <p:spPr/>
+          <p:cNvPr id="3" name="Content Placeholder 2"/>
+          <p:cNvSpPr>
+            <a:spLocks noGrp="1"/>
+          </p:cNvSpPr>
+          <p:nvPr>
+            <p:ph idx="1"/>
+          </p:nvPr>
+        </p:nvSpPr>
+        <p:spPr>
+          <a:xfrm>
+            <a:off x="533400" y="1676400"/>
+            <a:ext cx="8229600" cy="838200"/>
+          </a:xfrm>
+        </p:spPr>
         <p:txBody>
           <a:bodyPr/>
           <a:lstStyle/>
           <a:p>
-            <a:endParaRPr lang="en-US"/>
-          </a:p>
-        </p:txBody>
-      </p:sp>
-      <p:sp>
-        <p:nvSpPr>
-          <p:cNvPr id="3" name="Content Placeholder 2"/>
-          <p:cNvSpPr>
-            <a:spLocks noGrp="1"/>
-          </p:cNvSpPr>
-          <p:nvPr>
-            <p:ph idx="1"/>
-          </p:nvPr>
-        </p:nvSpPr>
-        <p:spPr/>
-        <p:txBody>
-          <a:bodyPr/>
+            <a:pPr marL="0" indent="0">
+              <a:buNone/>
+            </a:pPr>
+            <a:r>
+              <a:rPr lang="en-US" dirty="0" err="1" smtClean="0"/>
+              <a:t>Khi</a:t>
+            </a:r>
+            <a:r>
+              <a:rPr lang="en-US" dirty="0" smtClean="0"/>
+              <a:t> </a:t>
+            </a:r>
+            <a:r>
+              <a:rPr lang="en-US" dirty="0" err="1" smtClean="0"/>
+              <a:t>nào</a:t>
+            </a:r>
+            <a:r>
+              <a:rPr lang="en-US" dirty="0" smtClean="0"/>
+              <a:t> </a:t>
+            </a:r>
+            <a:r>
+              <a:rPr lang="en-US" dirty="0" err="1" smtClean="0"/>
+              <a:t>sử</a:t>
+            </a:r>
+            <a:r>
+              <a:rPr lang="en-US" dirty="0" smtClean="0"/>
+              <a:t> </a:t>
+            </a:r>
+            <a:r>
+              <a:rPr lang="en-US" dirty="0" err="1" smtClean="0"/>
+              <a:t>dụng</a:t>
+            </a:r>
+            <a:r>
+              <a:rPr lang="en-US" dirty="0" smtClean="0"/>
+              <a:t> Abstract  Class </a:t>
+            </a:r>
+            <a:r>
+              <a:rPr lang="en-US" dirty="0" err="1" smtClean="0"/>
+              <a:t>và</a:t>
+            </a:r>
+            <a:r>
+              <a:rPr lang="en-US" dirty="0" smtClean="0"/>
+              <a:t> Interface</a:t>
+            </a:r>
+            <a:endParaRPr lang="en-US" dirty="0"/>
+          </a:p>
+        </p:txBody>
+      </p:sp>
+      <p:sp>
+        <p:nvSpPr>
+          <p:cNvPr id="4" name="Down Arrow 3"/>
+          <p:cNvSpPr/>
+          <p:nvPr/>
+        </p:nvSpPr>
+        <p:spPr>
+          <a:xfrm>
+            <a:off x="3200400" y="2438400"/>
+            <a:ext cx="1371600" cy="1295400"/>
+          </a:xfrm>
+          <a:prstGeom prst="downArrow">
+            <a:avLst/>
+          </a:prstGeom>
+        </p:spPr>
+        <p:style>
+          <a:lnRef idx="2">
+            <a:schemeClr val="accent1">
+              <a:shade val="50000"/>
+            </a:schemeClr>
+          </a:lnRef>
+          <a:fillRef idx="1">
+            <a:schemeClr val="accent1"/>
+          </a:fillRef>
+          <a:effectRef idx="0">
+            <a:schemeClr val="accent1"/>
+          </a:effectRef>
+          <a:fontRef idx="minor">
+            <a:schemeClr val="lt1"/>
+          </a:fontRef>
+        </p:style>
+        <p:txBody>
+          <a:bodyPr rtlCol="0" anchor="ctr"/>
           <a:lstStyle/>
           <a:p>
-            <a:endParaRPr lang="en-US"/>
+            <a:pPr algn="ctr"/>
+            <a:endParaRPr lang="en-GB"/>
+          </a:p>
+        </p:txBody>
+      </p:sp>
+      <p:sp>
+        <p:nvSpPr>
+          <p:cNvPr id="5" name="Rectangle 4"/>
+          <p:cNvSpPr/>
+          <p:nvPr/>
+        </p:nvSpPr>
+        <p:spPr>
+          <a:xfrm>
+            <a:off x="2209800" y="3733800"/>
+            <a:ext cx="3505200" cy="1981200"/>
+          </a:xfrm>
+          <a:prstGeom prst="rect">
+            <a:avLst/>
+          </a:prstGeom>
+        </p:spPr>
+        <p:style>
+          <a:lnRef idx="2">
+            <a:schemeClr val="accent1">
+              <a:shade val="50000"/>
+            </a:schemeClr>
+          </a:lnRef>
+          <a:fillRef idx="1">
+            <a:schemeClr val="accent1"/>
+          </a:fillRef>
+          <a:effectRef idx="0">
+            <a:schemeClr val="accent1"/>
+          </a:effectRef>
+          <a:fontRef idx="minor">
+            <a:schemeClr val="lt1"/>
+          </a:fontRef>
+        </p:style>
+        <p:txBody>
+          <a:bodyPr rtlCol="0" anchor="ctr"/>
+          <a:lstStyle/>
+          <a:p>
+            <a:pPr algn="ctr"/>
+            <a:r>
+              <a:rPr lang="en-US" sz="2400" dirty="0" err="1" smtClean="0"/>
+              <a:t>Không</a:t>
+            </a:r>
+            <a:r>
+              <a:rPr lang="en-US" sz="2400" dirty="0" smtClean="0"/>
+              <a:t> </a:t>
+            </a:r>
+            <a:r>
+              <a:rPr lang="en-US" sz="2400" dirty="0" err="1" smtClean="0"/>
+              <a:t>có</a:t>
+            </a:r>
+            <a:r>
+              <a:rPr lang="en-US" sz="2400" dirty="0" smtClean="0"/>
+              <a:t> </a:t>
+            </a:r>
+            <a:r>
+              <a:rPr lang="en-US" sz="2400" dirty="0" err="1" smtClean="0"/>
+              <a:t>câu</a:t>
+            </a:r>
+            <a:r>
+              <a:rPr lang="en-US" sz="2400" dirty="0" smtClean="0"/>
+              <a:t> </a:t>
+            </a:r>
+            <a:r>
+              <a:rPr lang="en-US" sz="2400" dirty="0" err="1" smtClean="0"/>
+              <a:t>trả</a:t>
+            </a:r>
+            <a:r>
+              <a:rPr lang="en-US" sz="2400" dirty="0" smtClean="0"/>
+              <a:t> </a:t>
+            </a:r>
+            <a:r>
+              <a:rPr lang="en-US" sz="2400" dirty="0" err="1" smtClean="0"/>
+              <a:t>lời</a:t>
+            </a:r>
+            <a:r>
+              <a:rPr lang="en-US" sz="2400" dirty="0" smtClean="0"/>
+              <a:t>,</a:t>
+            </a:r>
+          </a:p>
+          <a:p>
+            <a:pPr algn="ctr"/>
+            <a:r>
+              <a:rPr lang="en-US" sz="2400" dirty="0" err="1" smtClean="0"/>
+              <a:t>Nên</a:t>
+            </a:r>
+            <a:r>
+              <a:rPr lang="en-US" sz="2400" dirty="0" smtClean="0"/>
+              <a:t> </a:t>
+            </a:r>
+            <a:r>
+              <a:rPr lang="en-US" sz="2400" dirty="0" err="1" smtClean="0"/>
+              <a:t>và</a:t>
+            </a:r>
+            <a:r>
+              <a:rPr lang="en-US" sz="2400" dirty="0" smtClean="0"/>
+              <a:t> </a:t>
+            </a:r>
+            <a:r>
+              <a:rPr lang="en-US" sz="2400" dirty="0" err="1" smtClean="0"/>
+              <a:t>không</a:t>
+            </a:r>
+            <a:r>
+              <a:rPr lang="en-US" sz="2400" dirty="0" smtClean="0"/>
+              <a:t> </a:t>
+            </a:r>
+            <a:r>
+              <a:rPr lang="en-US" sz="2400" dirty="0" err="1" smtClean="0"/>
+              <a:t>nên</a:t>
+            </a:r>
+            <a:r>
+              <a:rPr lang="en-US" sz="2400" dirty="0" smtClean="0"/>
+              <a:t>!</a:t>
+            </a:r>
+            <a:endParaRPr lang="en-GB" sz="2400" dirty="0"/>
           </a:p>
         </p:txBody>
       </p:sp>
     </p:spTree>
     <p:extLst>
       <p:ext uri="{BB962C8B-B14F-4D97-AF65-F5344CB8AC3E}">
-        <p14:creationId xmlns:p14="http://schemas.microsoft.com/office/powerpoint/2010/main" val="2729885414"/>
+        <p14:creationId xmlns:p14="http://schemas.microsoft.com/office/powerpoint/2010/main" val="166558829"/>
       </p:ext>
     </p:extLst>
   </p:cSld>
@@ -3676,7 +5505,23 @@
           <a:bodyPr/>
           <a:lstStyle/>
           <a:p>
-            <a:endParaRPr lang="en-US"/>
+            <a:r>
+              <a:rPr lang="en-US" dirty="0" err="1" smtClean="0"/>
+              <a:t>Tình</a:t>
+            </a:r>
+            <a:r>
+              <a:rPr lang="en-US" dirty="0" smtClean="0"/>
+              <a:t> </a:t>
+            </a:r>
+            <a:r>
+              <a:rPr lang="en-US" dirty="0" err="1" smtClean="0"/>
+              <a:t>huống</a:t>
+            </a:r>
+            <a:r>
+              <a:rPr lang="en-US" dirty="0" smtClean="0"/>
+              <a:t> (1)</a:t>
+            </a:r>
+            <a:endParaRPr lang="en-US" dirty="0"/>
           </a:p>
         </p:txBody>
       </p:sp>
@@ -3692,17 +5537,366 @@
         </p:nvSpPr>
         <p:spPr/>
         <p:txBody>
-          <a:bodyPr/>
+          <a:bodyPr>
+            <a:normAutofit/>
+          </a:bodyPr>
           <a:lstStyle/>
           <a:p>
-            <a:endParaRPr lang="en-US"/>
+            <a:r>
+              <a:rPr lang="en-US" dirty="0" err="1" smtClean="0"/>
+              <a:t>Không</a:t>
+            </a:r>
+            <a:r>
+              <a:rPr lang="en-US" dirty="0" smtClean="0"/>
+              <a:t> </a:t>
+            </a:r>
+            <a:r>
+              <a:rPr lang="en-US" dirty="0" err="1" smtClean="0"/>
+              <a:t>cần</a:t>
+            </a:r>
+            <a:r>
+              <a:rPr lang="en-US" dirty="0" smtClean="0"/>
+              <a:t> </a:t>
+            </a:r>
+            <a:r>
+              <a:rPr lang="en-US" dirty="0" err="1" smtClean="0"/>
+              <a:t>khai</a:t>
+            </a:r>
+            <a:r>
+              <a:rPr lang="en-US" dirty="0" smtClean="0"/>
+              <a:t> </a:t>
+            </a:r>
+            <a:r>
+              <a:rPr lang="en-US" dirty="0" err="1" smtClean="0"/>
+              <a:t>báo</a:t>
+            </a:r>
+            <a:r>
+              <a:rPr lang="en-US" dirty="0" smtClean="0"/>
+              <a:t> </a:t>
+            </a:r>
+            <a:r>
+              <a:rPr lang="en-US" dirty="0" err="1" smtClean="0"/>
+              <a:t>biến</a:t>
+            </a:r>
+            <a:r>
+              <a:rPr lang="en-US" dirty="0" smtClean="0"/>
+              <a:t> </a:t>
+            </a:r>
+            <a:r>
+              <a:rPr lang="en-US" dirty="0" err="1" smtClean="0"/>
+              <a:t>giá</a:t>
+            </a:r>
+            <a:r>
+              <a:rPr lang="en-US" dirty="0" smtClean="0"/>
+              <a:t> </a:t>
+            </a:r>
+            <a:r>
+              <a:rPr lang="en-US" dirty="0" err="1" smtClean="0"/>
+              <a:t>trị</a:t>
+            </a:r>
+            <a:r>
+              <a:rPr lang="en-US" dirty="0" smtClean="0"/>
+              <a:t> </a:t>
+            </a:r>
+            <a:r>
+              <a:rPr lang="en-US" dirty="0" err="1" smtClean="0"/>
+              <a:t>có</a:t>
+            </a:r>
+            <a:r>
+              <a:rPr lang="en-US" dirty="0" smtClean="0"/>
+              <a:t> </a:t>
+            </a:r>
+            <a:r>
+              <a:rPr lang="en-US" dirty="0" err="1" smtClean="0"/>
+              <a:t>sẵn</a:t>
+            </a:r>
+            <a:r>
+              <a:rPr lang="en-US" dirty="0" smtClean="0"/>
+              <a:t> </a:t>
+            </a:r>
+            <a:r>
+              <a:rPr lang="en-US" dirty="0" err="1" smtClean="0"/>
+              <a:t>và</a:t>
+            </a:r>
+            <a:r>
+              <a:rPr lang="en-US" dirty="0" smtClean="0"/>
+              <a:t> </a:t>
+            </a:r>
+            <a:r>
+              <a:rPr lang="en-US" dirty="0" err="1" smtClean="0"/>
+              <a:t>không</a:t>
+            </a:r>
+            <a:r>
+              <a:rPr lang="en-US" dirty="0" smtClean="0"/>
+              <a:t> </a:t>
+            </a:r>
+            <a:r>
+              <a:rPr lang="en-US" dirty="0" err="1" smtClean="0"/>
+              <a:t>muốn</a:t>
+            </a:r>
+            <a:r>
+              <a:rPr lang="en-US" dirty="0" smtClean="0"/>
+              <a:t> public </a:t>
+            </a:r>
+            <a:r>
+              <a:rPr lang="en-US" dirty="0" err="1" smtClean="0"/>
+              <a:t>biến</a:t>
+            </a:r>
+            <a:r>
+              <a:rPr lang="en-US" dirty="0" smtClean="0"/>
+              <a:t>?</a:t>
+            </a:r>
+          </a:p>
+          <a:p>
+            <a:pPr lvl="1"/>
+            <a:r>
+              <a:rPr lang="en-US" dirty="0" smtClean="0"/>
+              <a:t>True =&gt; </a:t>
+            </a:r>
+            <a:r>
+              <a:rPr lang="en-US" dirty="0" err="1" smtClean="0"/>
+              <a:t>Nên</a:t>
+            </a:r>
+            <a:r>
+              <a:rPr lang="en-US" dirty="0" smtClean="0"/>
+              <a:t> </a:t>
+            </a:r>
+            <a:r>
+              <a:rPr lang="en-US" dirty="0" err="1" smtClean="0"/>
+              <a:t>sử</a:t>
+            </a:r>
+            <a:r>
+              <a:rPr lang="en-US" dirty="0" smtClean="0"/>
+              <a:t> </a:t>
+            </a:r>
+            <a:r>
+              <a:rPr lang="en-US" dirty="0" err="1" smtClean="0"/>
+              <a:t>dụng</a:t>
+            </a:r>
+            <a:r>
+              <a:rPr lang="en-US" dirty="0" smtClean="0"/>
+              <a:t> Abstract Class</a:t>
+            </a:r>
+            <a:endParaRPr lang="en-US" dirty="0"/>
+          </a:p>
+          <a:p>
+            <a:r>
+              <a:rPr lang="en-US" dirty="0" err="1" smtClean="0"/>
+              <a:t>Các</a:t>
+            </a:r>
+            <a:r>
+              <a:rPr lang="en-US" dirty="0" smtClean="0"/>
+              <a:t> subclass </a:t>
+            </a:r>
+            <a:r>
+              <a:rPr lang="en-US" dirty="0" err="1" smtClean="0"/>
+              <a:t>có</a:t>
+            </a:r>
+            <a:r>
+              <a:rPr lang="en-US" dirty="0" smtClean="0"/>
+              <a:t> </a:t>
+            </a:r>
+            <a:r>
+              <a:rPr lang="en-US" dirty="0" err="1" smtClean="0"/>
+              <a:t>liên</a:t>
+            </a:r>
+            <a:r>
+              <a:rPr lang="en-US" dirty="0" smtClean="0"/>
+              <a:t> </a:t>
+            </a:r>
+            <a:r>
+              <a:rPr lang="en-US" dirty="0" err="1" smtClean="0"/>
+              <a:t>quan</a:t>
+            </a:r>
+            <a:r>
+              <a:rPr lang="en-US" dirty="0" smtClean="0"/>
+              <a:t> </a:t>
+            </a:r>
+            <a:r>
+              <a:rPr lang="en-US" dirty="0" err="1" smtClean="0"/>
+              <a:t>gần</a:t>
+            </a:r>
+            <a:r>
+              <a:rPr lang="en-US" dirty="0" smtClean="0"/>
+              <a:t> </a:t>
+            </a:r>
+            <a:r>
+              <a:rPr lang="en-US" dirty="0" err="1" smtClean="0"/>
+              <a:t>nhau</a:t>
+            </a:r>
+            <a:r>
+              <a:rPr lang="en-US" dirty="0" smtClean="0"/>
+              <a:t> </a:t>
+            </a:r>
+            <a:r>
+              <a:rPr lang="en-US" dirty="0" err="1" smtClean="0"/>
+              <a:t>về</a:t>
+            </a:r>
+            <a:r>
+              <a:rPr lang="en-US" dirty="0" smtClean="0"/>
+              <a:t> </a:t>
+            </a:r>
+            <a:r>
+              <a:rPr lang="en-US" dirty="0" err="1" smtClean="0"/>
+              <a:t>đặc</a:t>
+            </a:r>
+            <a:r>
+              <a:rPr lang="en-US" dirty="0" smtClean="0"/>
+              <a:t> </a:t>
+            </a:r>
+            <a:r>
+              <a:rPr lang="en-US" dirty="0" err="1" smtClean="0"/>
+              <a:t>tính</a:t>
+            </a:r>
+            <a:r>
+              <a:rPr lang="en-US" dirty="0" smtClean="0"/>
+              <a:t>?</a:t>
+            </a:r>
+          </a:p>
+          <a:p>
+            <a:pPr lvl="1"/>
+            <a:r>
+              <a:rPr lang="en-US" dirty="0" smtClean="0"/>
+              <a:t>True =&gt; </a:t>
+            </a:r>
+            <a:r>
+              <a:rPr lang="en-US" dirty="0" err="1" smtClean="0"/>
+              <a:t>Nên</a:t>
+            </a:r>
+            <a:r>
+              <a:rPr lang="en-US" dirty="0" smtClean="0"/>
+              <a:t> </a:t>
+            </a:r>
+            <a:r>
+              <a:rPr lang="en-US" dirty="0" err="1"/>
+              <a:t>s</a:t>
+            </a:r>
+            <a:r>
+              <a:rPr lang="en-US" dirty="0" err="1" smtClean="0"/>
+              <a:t>ử</a:t>
+            </a:r>
+            <a:r>
+              <a:rPr lang="en-US" dirty="0" smtClean="0"/>
+              <a:t> </a:t>
+            </a:r>
+            <a:r>
+              <a:rPr lang="en-US" dirty="0" err="1" smtClean="0"/>
+              <a:t>dụng</a:t>
+            </a:r>
+            <a:r>
+              <a:rPr lang="en-US" dirty="0" smtClean="0"/>
+              <a:t> Abstract Class</a:t>
+            </a:r>
+          </a:p>
+          <a:p>
+            <a:r>
+              <a:rPr lang="en-US" dirty="0" err="1" smtClean="0"/>
+              <a:t>Có</a:t>
+            </a:r>
+            <a:r>
+              <a:rPr lang="en-US" dirty="0" smtClean="0"/>
+              <a:t> </a:t>
+            </a:r>
+            <a:r>
+              <a:rPr lang="en-US" dirty="0" err="1" smtClean="0"/>
+              <a:t>xu</a:t>
+            </a:r>
+            <a:r>
+              <a:rPr lang="en-US" dirty="0" smtClean="0"/>
+              <a:t> </a:t>
+            </a:r>
+            <a:r>
+              <a:rPr lang="en-US" dirty="0" err="1" smtClean="0"/>
+              <a:t>hướng</a:t>
+            </a:r>
+            <a:r>
+              <a:rPr lang="en-US" dirty="0" smtClean="0"/>
+              <a:t> </a:t>
+            </a:r>
+            <a:r>
+              <a:rPr lang="en-US" dirty="0" err="1" smtClean="0"/>
+              <a:t>nhằm</a:t>
+            </a:r>
+            <a:r>
+              <a:rPr lang="en-US" dirty="0" smtClean="0"/>
+              <a:t> </a:t>
+            </a:r>
+            <a:r>
+              <a:rPr lang="en-US" dirty="0" err="1" smtClean="0"/>
+              <a:t>khởi</a:t>
+            </a:r>
+            <a:r>
+              <a:rPr lang="en-US" dirty="0" smtClean="0"/>
+              <a:t> </a:t>
+            </a:r>
+            <a:r>
+              <a:rPr lang="en-US" dirty="0" err="1" smtClean="0"/>
+              <a:t>tạo</a:t>
+            </a:r>
+            <a:r>
+              <a:rPr lang="en-US" dirty="0" smtClean="0"/>
+              <a:t> </a:t>
+            </a:r>
+            <a:r>
+              <a:rPr lang="en-US" dirty="0" err="1" smtClean="0"/>
+              <a:t>đối</a:t>
+            </a:r>
+            <a:r>
+              <a:rPr lang="en-US" dirty="0" smtClean="0"/>
+              <a:t> </a:t>
+            </a:r>
+            <a:r>
+              <a:rPr lang="en-US" dirty="0" err="1" smtClean="0"/>
+              <a:t>tượng</a:t>
+            </a:r>
+            <a:r>
+              <a:rPr lang="en-US" dirty="0" smtClean="0"/>
+              <a:t>?</a:t>
+            </a:r>
+          </a:p>
+          <a:p>
+            <a:pPr lvl="1"/>
+            <a:r>
+              <a:rPr lang="en-US" dirty="0" smtClean="0"/>
+              <a:t>True =&gt; </a:t>
+            </a:r>
+            <a:r>
+              <a:rPr lang="en-US" dirty="0" err="1" smtClean="0"/>
+              <a:t>Nên</a:t>
+            </a:r>
+            <a:r>
+              <a:rPr lang="en-US" dirty="0" smtClean="0"/>
+              <a:t> </a:t>
+            </a:r>
+            <a:r>
+              <a:rPr lang="en-US" dirty="0" err="1" smtClean="0"/>
+              <a:t>sử</a:t>
+            </a:r>
+            <a:r>
+              <a:rPr lang="en-US" dirty="0" smtClean="0"/>
+              <a:t> </a:t>
+            </a:r>
+            <a:r>
+              <a:rPr lang="en-US" dirty="0" err="1" smtClean="0"/>
+              <a:t>dụng</a:t>
+            </a:r>
+            <a:r>
+              <a:rPr lang="en-US" dirty="0" smtClean="0"/>
+              <a:t> Abstract Class</a:t>
+            </a:r>
+          </a:p>
+          <a:p>
+            <a:endParaRPr lang="en-US" dirty="0" smtClean="0"/>
+          </a:p>
+          <a:p>
+            <a:endParaRPr lang="en-US" dirty="0"/>
           </a:p>
         </p:txBody>
       </p:sp>
     </p:spTree>
     <p:extLst>
       <p:ext uri="{BB962C8B-B14F-4D97-AF65-F5344CB8AC3E}">
-        <p14:creationId xmlns:p14="http://schemas.microsoft.com/office/powerpoint/2010/main" val="3233208114"/>
+        <p14:creationId xmlns:p14="http://schemas.microsoft.com/office/powerpoint/2010/main" val="2670548292"/>
       </p:ext>
     </p:extLst>
   </p:cSld>
@@ -3744,7 +5938,23 @@
           <a:bodyPr/>
           <a:lstStyle/>
           <a:p>
-            <a:endParaRPr lang="en-US"/>
+            <a:r>
+              <a:rPr lang="en-US" dirty="0" err="1" smtClean="0"/>
+              <a:t>Tình</a:t>
+            </a:r>
+            <a:r>
+              <a:rPr lang="en-US" dirty="0" smtClean="0"/>
+              <a:t> </a:t>
+            </a:r>
+            <a:r>
+              <a:rPr lang="en-US" dirty="0" err="1" smtClean="0"/>
+              <a:t>huống</a:t>
+            </a:r>
+            <a:r>
+              <a:rPr lang="en-US" dirty="0" smtClean="0"/>
+              <a:t> (2)</a:t>
+            </a:r>
+            <a:endParaRPr lang="en-US" dirty="0"/>
           </a:p>
         </p:txBody>
       </p:sp>
@@ -3763,14 +5973,216 @@
           <a:bodyPr/>
           <a:lstStyle/>
           <a:p>
-            <a:endParaRPr lang="en-US"/>
+            <a:r>
+              <a:rPr lang="en-US" dirty="0" err="1"/>
+              <a:t>Có</a:t>
+            </a:r>
+            <a:r>
+              <a:rPr lang="en-US" dirty="0"/>
+              <a:t> </a:t>
+            </a:r>
+            <a:r>
+              <a:rPr lang="en-US" dirty="0" err="1"/>
+              <a:t>xu</a:t>
+            </a:r>
+            <a:r>
+              <a:rPr lang="en-US" dirty="0"/>
+              <a:t> </a:t>
+            </a:r>
+            <a:r>
+              <a:rPr lang="en-US" dirty="0" err="1"/>
+              <a:t>hướng</a:t>
+            </a:r>
+            <a:r>
+              <a:rPr lang="en-US" dirty="0"/>
+              <a:t> </a:t>
+            </a:r>
+            <a:r>
+              <a:rPr lang="en-US" dirty="0" err="1"/>
+              <a:t>quản</a:t>
+            </a:r>
+            <a:r>
+              <a:rPr lang="en-US" dirty="0"/>
+              <a:t> </a:t>
+            </a:r>
+            <a:r>
+              <a:rPr lang="en-US" dirty="0" err="1"/>
+              <a:t>lý</a:t>
+            </a:r>
+            <a:r>
+              <a:rPr lang="en-US" dirty="0"/>
+              <a:t> </a:t>
+            </a:r>
+            <a:r>
+              <a:rPr lang="en-US" dirty="0" err="1"/>
+              <a:t>hành</a:t>
+            </a:r>
+            <a:r>
+              <a:rPr lang="en-US" dirty="0"/>
+              <a:t> vi?</a:t>
+            </a:r>
+          </a:p>
+          <a:p>
+            <a:pPr lvl="1"/>
+            <a:r>
+              <a:rPr lang="en-US" dirty="0"/>
+              <a:t>True =&gt; </a:t>
+            </a:r>
+            <a:r>
+              <a:rPr lang="en-US" dirty="0" err="1"/>
+              <a:t>nên</a:t>
+            </a:r>
+            <a:r>
+              <a:rPr lang="en-US" dirty="0"/>
+              <a:t> </a:t>
+            </a:r>
+            <a:r>
+              <a:rPr lang="en-US" dirty="0" err="1"/>
+              <a:t>sử</a:t>
+            </a:r>
+            <a:r>
+              <a:rPr lang="en-US" dirty="0"/>
+              <a:t> </a:t>
+            </a:r>
+            <a:r>
+              <a:rPr lang="en-US" dirty="0" err="1"/>
+              <a:t>dụng</a:t>
+            </a:r>
+            <a:r>
+              <a:rPr lang="en-US" dirty="0"/>
+              <a:t> Interface</a:t>
+            </a:r>
+          </a:p>
+          <a:p>
+            <a:r>
+              <a:rPr lang="en-US" dirty="0" err="1"/>
+              <a:t>Các</a:t>
+            </a:r>
+            <a:r>
+              <a:rPr lang="en-US" dirty="0"/>
+              <a:t> subclass </a:t>
+            </a:r>
+            <a:r>
+              <a:rPr lang="en-US" dirty="0" err="1"/>
+              <a:t>không</a:t>
+            </a:r>
+            <a:r>
+              <a:rPr lang="en-US" dirty="0"/>
+              <a:t> </a:t>
+            </a:r>
+            <a:r>
+              <a:rPr lang="en-US" dirty="0" err="1"/>
+              <a:t>nhất</a:t>
+            </a:r>
+            <a:r>
+              <a:rPr lang="en-US" dirty="0"/>
+              <a:t> </a:t>
+            </a:r>
+            <a:r>
+              <a:rPr lang="en-US" dirty="0" err="1"/>
+              <a:t>thiết</a:t>
+            </a:r>
+            <a:r>
+              <a:rPr lang="en-US" dirty="0"/>
+              <a:t> </a:t>
+            </a:r>
+            <a:r>
+              <a:rPr lang="en-US" dirty="0" err="1"/>
+              <a:t>thể</a:t>
+            </a:r>
+            <a:r>
+              <a:rPr lang="en-US" dirty="0"/>
+              <a:t> </a:t>
+            </a:r>
+            <a:r>
+              <a:rPr lang="en-US" dirty="0" err="1"/>
+              <a:t>hiện</a:t>
+            </a:r>
+            <a:r>
+              <a:rPr lang="en-US" dirty="0"/>
+              <a:t> </a:t>
+            </a:r>
+            <a:r>
+              <a:rPr lang="en-US" dirty="0" err="1"/>
+              <a:t>các</a:t>
+            </a:r>
+            <a:r>
+              <a:rPr lang="en-US" dirty="0"/>
+              <a:t> </a:t>
+            </a:r>
+            <a:r>
+              <a:rPr lang="en-US" dirty="0" err="1"/>
+              <a:t>hành</a:t>
+            </a:r>
+            <a:r>
+              <a:rPr lang="en-US" dirty="0"/>
+              <a:t> vi </a:t>
+            </a:r>
+            <a:r>
+              <a:rPr lang="en-US" dirty="0" err="1"/>
+              <a:t>dựng</a:t>
+            </a:r>
+            <a:r>
+              <a:rPr lang="en-US" dirty="0"/>
+              <a:t> </a:t>
+            </a:r>
+            <a:r>
+              <a:rPr lang="en-US" dirty="0" err="1"/>
+              <a:t>sẵn</a:t>
+            </a:r>
+            <a:r>
+              <a:rPr lang="en-US" dirty="0"/>
+              <a:t> </a:t>
+            </a:r>
+            <a:r>
+              <a:rPr lang="en-US" dirty="0" err="1"/>
+              <a:t>từ</a:t>
+            </a:r>
+            <a:r>
+              <a:rPr lang="en-US" dirty="0"/>
+              <a:t> interface?</a:t>
+            </a:r>
+          </a:p>
+          <a:p>
+            <a:pPr lvl="1"/>
+            <a:r>
+              <a:rPr lang="en-US" dirty="0"/>
+              <a:t>True =&gt; </a:t>
+            </a:r>
+            <a:r>
+              <a:rPr lang="en-US" dirty="0" err="1"/>
+              <a:t>Nên</a:t>
+            </a:r>
+            <a:r>
+              <a:rPr lang="en-US" dirty="0"/>
+              <a:t> </a:t>
+            </a:r>
+            <a:r>
+              <a:rPr lang="en-US" dirty="0" err="1"/>
+              <a:t>sử</a:t>
+            </a:r>
+            <a:r>
+              <a:rPr lang="en-US" dirty="0"/>
+              <a:t> </a:t>
+            </a:r>
+            <a:r>
+              <a:rPr lang="en-US" dirty="0" err="1"/>
+              <a:t>dụng</a:t>
+            </a:r>
+            <a:r>
+              <a:rPr lang="en-US" dirty="0"/>
+              <a:t>  Abstract Class</a:t>
+            </a:r>
+          </a:p>
+          <a:p>
+            <a:endParaRPr lang="en-US" dirty="0"/>
           </a:p>
         </p:txBody>
       </p:sp>
     </p:spTree>
     <p:extLst>
       <p:ext uri="{BB962C8B-B14F-4D97-AF65-F5344CB8AC3E}">
-        <p14:creationId xmlns:p14="http://schemas.microsoft.com/office/powerpoint/2010/main" val="3092155288"/>
+        <p14:creationId xmlns:p14="http://schemas.microsoft.com/office/powerpoint/2010/main" val="3444109457"/>
       </p:ext>
     </p:extLst>
   </p:cSld>
@@ -3812,7 +6224,19 @@
           <a:bodyPr/>
           <a:lstStyle/>
           <a:p>
-            <a:endParaRPr lang="en-US"/>
+            <a:r>
+              <a:rPr lang="en-US" dirty="0" err="1" smtClean="0"/>
+              <a:t>Tóm</a:t>
+            </a:r>
+            <a:r>
+              <a:rPr lang="en-US" dirty="0" smtClean="0"/>
+              <a:t> </a:t>
+            </a:r>
+            <a:r>
+              <a:rPr lang="en-US" dirty="0" err="1" smtClean="0"/>
+              <a:t>tắt</a:t>
+            </a:r>
+            <a:endParaRPr lang="en-US" dirty="0"/>
           </a:p>
         </p:txBody>
       </p:sp>
@@ -3831,28 +6255,181 @@
           <a:bodyPr/>
           <a:lstStyle/>
           <a:p>
-            <a:endParaRPr lang="en-US"/>
+            <a:r>
+              <a:rPr lang="en-US" dirty="0" err="1" smtClean="0"/>
+              <a:t>Biết</a:t>
+            </a:r>
+            <a:r>
+              <a:rPr lang="en-US" dirty="0" smtClean="0"/>
+              <a:t> </a:t>
+            </a:r>
+            <a:r>
+              <a:rPr lang="en-US" dirty="0" err="1" smtClean="0"/>
+              <a:t>tính</a:t>
+            </a:r>
+            <a:r>
+              <a:rPr lang="en-US" dirty="0" smtClean="0"/>
+              <a:t> </a:t>
+            </a:r>
+            <a:r>
+              <a:rPr lang="en-US" dirty="0" err="1" smtClean="0"/>
+              <a:t>trừu</a:t>
+            </a:r>
+            <a:r>
+              <a:rPr lang="en-US" dirty="0" smtClean="0"/>
+              <a:t> </a:t>
+            </a:r>
+            <a:r>
+              <a:rPr lang="en-US" dirty="0" err="1" smtClean="0"/>
+              <a:t>tượng</a:t>
+            </a:r>
+            <a:r>
+              <a:rPr lang="en-US" dirty="0" smtClean="0"/>
+              <a:t> </a:t>
+            </a:r>
+            <a:r>
+              <a:rPr lang="en-US" dirty="0" err="1" smtClean="0"/>
+              <a:t>của</a:t>
+            </a:r>
+            <a:r>
+              <a:rPr lang="en-US" dirty="0" smtClean="0"/>
+              <a:t> Java</a:t>
+            </a:r>
+          </a:p>
+          <a:p>
+            <a:pPr lvl="1"/>
+            <a:r>
+              <a:rPr lang="en-US" dirty="0" smtClean="0"/>
+              <a:t>Abstract method</a:t>
+            </a:r>
+          </a:p>
+          <a:p>
+            <a:pPr lvl="1"/>
+            <a:r>
+              <a:rPr lang="en-US" dirty="0" smtClean="0"/>
+              <a:t>Interface</a:t>
+            </a:r>
+          </a:p>
+          <a:p>
+            <a:pPr lvl="1"/>
+            <a:r>
+              <a:rPr lang="en-US" dirty="0" smtClean="0"/>
+              <a:t>Abstract Class</a:t>
+            </a:r>
+          </a:p>
+          <a:p>
+            <a:r>
+              <a:rPr lang="en-US" dirty="0" err="1" smtClean="0"/>
+              <a:t>Biết</a:t>
+            </a:r>
+            <a:r>
+              <a:rPr lang="en-US" dirty="0" smtClean="0"/>
+              <a:t> </a:t>
+            </a:r>
+            <a:r>
+              <a:rPr lang="en-US" dirty="0" err="1" smtClean="0"/>
+              <a:t>khi</a:t>
+            </a:r>
+            <a:r>
+              <a:rPr lang="en-US" dirty="0" smtClean="0"/>
+              <a:t> </a:t>
+            </a:r>
+            <a:r>
+              <a:rPr lang="en-US" dirty="0" err="1" smtClean="0"/>
+              <a:t>nào</a:t>
+            </a:r>
+            <a:r>
+              <a:rPr lang="en-US" dirty="0" smtClean="0"/>
+              <a:t> </a:t>
+            </a:r>
+            <a:r>
+              <a:rPr lang="en-US" dirty="0" err="1" smtClean="0"/>
+              <a:t>nên</a:t>
+            </a:r>
+            <a:r>
+              <a:rPr lang="en-US" dirty="0" smtClean="0"/>
+              <a:t> </a:t>
+            </a:r>
+            <a:r>
+              <a:rPr lang="en-US" dirty="0" err="1" smtClean="0"/>
+              <a:t>sử</a:t>
+            </a:r>
+            <a:r>
+              <a:rPr lang="en-US" dirty="0" smtClean="0"/>
+              <a:t> </a:t>
+            </a:r>
+            <a:r>
+              <a:rPr lang="en-US" dirty="0" err="1" smtClean="0"/>
+              <a:t>dụng</a:t>
+            </a:r>
+            <a:r>
+              <a:rPr lang="en-US" dirty="0" smtClean="0"/>
+              <a:t> Abstract Class</a:t>
+            </a:r>
+          </a:p>
+          <a:p>
+            <a:r>
+              <a:rPr lang="en-US" dirty="0" err="1" smtClean="0"/>
+              <a:t>Khi</a:t>
+            </a:r>
+            <a:r>
+              <a:rPr lang="en-US" dirty="0" smtClean="0"/>
+              <a:t> </a:t>
+            </a:r>
+            <a:r>
+              <a:rPr lang="en-US" dirty="0" err="1" smtClean="0"/>
+              <a:t>nào</a:t>
+            </a:r>
+            <a:r>
+              <a:rPr lang="en-US" dirty="0" smtClean="0"/>
+              <a:t> </a:t>
+            </a:r>
+            <a:r>
+              <a:rPr lang="en-US" dirty="0" err="1" smtClean="0"/>
+              <a:t>nên</a:t>
+            </a:r>
+            <a:r>
+              <a:rPr lang="en-US" dirty="0" smtClean="0"/>
+              <a:t> </a:t>
+            </a:r>
+            <a:r>
+              <a:rPr lang="en-US" dirty="0" err="1" smtClean="0"/>
+              <a:t>sử</a:t>
+            </a:r>
+            <a:r>
+              <a:rPr lang="en-US" dirty="0" smtClean="0"/>
+              <a:t> </a:t>
+            </a:r>
+            <a:r>
+              <a:rPr lang="en-US" dirty="0" err="1" smtClean="0"/>
+              <a:t>dụng</a:t>
+            </a:r>
+            <a:r>
+              <a:rPr lang="en-US" dirty="0" smtClean="0"/>
+              <a:t> </a:t>
+            </a:r>
+            <a:r>
+              <a:rPr lang="en-US" dirty="0"/>
+              <a:t>I</a:t>
+            </a:r>
+            <a:r>
+              <a:rPr lang="en-US" dirty="0" smtClean="0"/>
+              <a:t>nterface</a:t>
+            </a:r>
+            <a:endParaRPr lang="en-US" dirty="0"/>
           </a:p>
         </p:txBody>
       </p:sp>
     </p:spTree>
     <p:extLst>
       <p:ext uri="{BB962C8B-B14F-4D97-AF65-F5344CB8AC3E}">
-        <p14:creationId xmlns:p14="http://schemas.microsoft.com/office/powerpoint/2010/main" val="258027273"/>
+        <p14:creationId xmlns:p14="http://schemas.microsoft.com/office/powerpoint/2010/main" val="2729885414"/>
       </p:ext>
     </p:extLst>
   </p:cSld>
   <p:clrMapOvr>
     <a:masterClrMapping/>
   </p:clrMapOvr>
-  <mc:AlternateContent xmlns:mc="http://schemas.openxmlformats.org/markup-compatibility/2006" xmlns:p14="http://schemas.microsoft.com/office/powerpoint/2010/main">
-    <mc:Choice Requires="p14">
-      <p:transition spd="slow" p14:dur="2000"/>
-    </mc:Choice>
-    <mc:Fallback xmlns="">
-      <p:transition spd="slow"/>
-    </mc:Fallback>
-  </mc:AlternateContent>
 </p:sld>
 </file>
 
@@ -3916,22 +6493,91 @@
         </p:nvSpPr>
         <p:spPr/>
         <p:txBody>
-          <a:bodyPr/>
+          <a:bodyPr>
+            <a:normAutofit lnSpcReduction="10000"/>
+          </a:bodyPr>
           <a:lstStyle/>
           <a:p>
-            <a:r>
-              <a:rPr lang="en-US" dirty="0" err="1" smtClean="0"/>
+            <a:pPr marL="342900" lvl="1" indent="-342900">
+              <a:buFont typeface="Arial" pitchFamily="34" charset="0"/>
+              <a:buChar char="•"/>
+            </a:pPr>
+            <a:r>
+              <a:rPr lang="en-US" dirty="0" err="1" smtClean="0"/>
+              <a:t>Tính</a:t>
+            </a:r>
+            <a:r>
+              <a:rPr lang="en-US" dirty="0" smtClean="0"/>
+              <a:t> </a:t>
+            </a:r>
+            <a:r>
+              <a:rPr lang="en-US" dirty="0" err="1" smtClean="0"/>
+              <a:t>trừu</a:t>
+            </a:r>
+            <a:r>
+              <a:rPr lang="en-US" dirty="0" smtClean="0"/>
+              <a:t> </a:t>
+            </a:r>
+            <a:r>
+              <a:rPr lang="en-US" dirty="0" err="1" smtClean="0"/>
+              <a:t>tượng</a:t>
+            </a:r>
+            <a:r>
+              <a:rPr lang="en-US" dirty="0"/>
+              <a:t> </a:t>
+            </a:r>
+            <a:r>
+              <a:rPr lang="en-US" dirty="0" smtClean="0"/>
+              <a:t>Java</a:t>
+            </a:r>
+          </a:p>
+          <a:p>
+            <a:pPr marL="342900" lvl="1" indent="-342900">
+              <a:buFont typeface="Arial" pitchFamily="34" charset="0"/>
+              <a:buChar char="•"/>
+            </a:pPr>
+            <a:r>
+              <a:rPr lang="en-US" dirty="0" smtClean="0"/>
+              <a:t>Abstract Method</a:t>
+            </a:r>
+          </a:p>
+          <a:p>
+            <a:pPr marL="342900" lvl="1" indent="-342900">
+              <a:buFont typeface="Arial" pitchFamily="34" charset="0"/>
+              <a:buChar char="•"/>
+            </a:pPr>
+            <a:r>
+              <a:rPr lang="en-US" dirty="0" err="1"/>
               <a:t>Hiểu</a:t>
             </a:r>
             <a:r>
-              <a:rPr lang="en-US" dirty="0" smtClean="0"/>
-              <a:t> </a:t>
-            </a:r>
-            <a:r>
-              <a:rPr lang="en-US" dirty="0" err="1" smtClean="0"/>
+              <a:rPr lang="en-US" dirty="0"/>
+              <a:t> </a:t>
+            </a:r>
+            <a:r>
+              <a:rPr lang="en-US" dirty="0" err="1"/>
               <a:t>về</a:t>
             </a:r>
             <a:r>
+              <a:rPr lang="en-US" dirty="0"/>
+              <a:t> Abstract Class</a:t>
+            </a:r>
+            <a:endParaRPr lang="en-US" dirty="0" smtClean="0"/>
+          </a:p>
+          <a:p>
+            <a:r>
+              <a:rPr lang="en-US" dirty="0" err="1" smtClean="0"/>
+              <a:t>Hiểu</a:t>
+            </a:r>
+            <a:r>
+              <a:rPr lang="en-US" dirty="0" smtClean="0"/>
+              <a:t> </a:t>
+            </a:r>
+            <a:r>
+              <a:rPr lang="en-US" dirty="0" err="1" smtClean="0"/>
+              <a:t>về</a:t>
+            </a:r>
+            <a:r>
               <a:rPr lang="en-US" dirty="0" smtClean="0"/>
               <a:t> Interface</a:t>
             </a:r>
@@ -3955,16 +6601,87 @@
           <a:p>
             <a:pPr lvl="1"/>
             <a:r>
-              <a:rPr lang="en-US" dirty="0" err="1" smtClean="0"/>
-              <a:t>Biến</a:t>
-            </a:r>
-            <a:r>
-              <a:rPr lang="en-US" dirty="0" smtClean="0"/>
-              <a:t> </a:t>
-            </a:r>
-            <a:r>
-              <a:rPr lang="en-US" dirty="0" err="1" smtClean="0"/>
-              <a:t>trong</a:t>
+              <a:rPr lang="en-US" dirty="0" err="1"/>
+              <a:t>Biết</a:t>
+            </a:r>
+            <a:r>
+              <a:rPr lang="en-US" dirty="0"/>
+              <a:t> </a:t>
+            </a:r>
+            <a:r>
+              <a:rPr lang="en-US" dirty="0" err="1"/>
+              <a:t>tạo</a:t>
+            </a:r>
+            <a:r>
+              <a:rPr lang="en-US" dirty="0"/>
+              <a:t> </a:t>
+            </a:r>
+            <a:r>
+              <a:rPr lang="en-US" dirty="0" smtClean="0"/>
+              <a:t>Interface</a:t>
+            </a:r>
+            <a:endParaRPr lang="en-US" dirty="0" smtClean="0"/>
+          </a:p>
+          <a:p>
+            <a:pPr lvl="1"/>
+            <a:r>
+              <a:rPr lang="en-US" dirty="0" err="1" smtClean="0"/>
+              <a:t>Đặc</a:t>
+            </a:r>
+            <a:r>
+              <a:rPr lang="en-US" dirty="0" smtClean="0"/>
+              <a:t> </a:t>
+            </a:r>
+            <a:r>
+              <a:rPr lang="en-US" dirty="0" err="1" smtClean="0"/>
+              <a:t>điểm</a:t>
+            </a:r>
+            <a:r>
+              <a:rPr lang="en-US" dirty="0" smtClean="0"/>
+              <a:t> interface</a:t>
+            </a:r>
+            <a:endParaRPr lang="en-US" dirty="0" smtClean="0"/>
+          </a:p>
+          <a:p>
+            <a:r>
+              <a:rPr lang="en-US" dirty="0" err="1" smtClean="0"/>
+              <a:t>Biết</a:t>
+            </a:r>
+            <a:r>
+              <a:rPr lang="en-US" dirty="0" smtClean="0"/>
+              <a:t> </a:t>
+            </a:r>
+            <a:r>
+              <a:rPr lang="en-US" dirty="0" err="1" smtClean="0"/>
+              <a:t>phân</a:t>
+            </a:r>
+            <a:r>
+              <a:rPr lang="en-US" dirty="0" smtClean="0"/>
+              <a:t> </a:t>
+            </a:r>
+            <a:r>
+              <a:rPr lang="en-US" dirty="0" err="1" smtClean="0"/>
+              <a:t>biệt</a:t>
+            </a:r>
+            <a:r>
+              <a:rPr lang="en-US" dirty="0" smtClean="0"/>
+              <a:t> so </a:t>
+            </a:r>
+            <a:r>
+              <a:rPr lang="en-US" dirty="0" err="1" smtClean="0"/>
+              <a:t>sánh</a:t>
+            </a:r>
+            <a:r>
+              <a:rPr lang="en-US" dirty="0" smtClean="0"/>
+              <a:t> </a:t>
+            </a:r>
+            <a:r>
+              <a:rPr lang="en-US" dirty="0" smtClean="0"/>
+              <a:t>Abstract </a:t>
+            </a:r>
+            <a:r>
+              <a:rPr lang="en-US" dirty="0" err="1" smtClean="0"/>
+              <a:t>và</a:t>
             </a:r>
             <a:r>
               <a:rPr lang="en-US" dirty="0" smtClean="0"/>
@@ -3972,77 +6689,11 @@
             </a:r>
           </a:p>
           <a:p>
-            <a:pPr lvl="1"/>
-            <a:r>
-              <a:rPr lang="en-US" dirty="0" smtClean="0"/>
-              <a:t>Abstract Method</a:t>
-            </a:r>
-          </a:p>
-          <a:p>
-            <a:r>
-              <a:rPr lang="en-US" dirty="0" err="1" smtClean="0"/>
-              <a:t>Biết</a:t>
-            </a:r>
-            <a:r>
-              <a:rPr lang="en-US" dirty="0" smtClean="0"/>
-              <a:t> </a:t>
-            </a:r>
-            <a:r>
-              <a:rPr lang="en-US" dirty="0" err="1" smtClean="0"/>
-              <a:t>tạo</a:t>
-            </a:r>
-            <a:r>
-              <a:rPr lang="en-US" dirty="0" smtClean="0"/>
-              <a:t> Interface</a:t>
-            </a:r>
-          </a:p>
-          <a:p>
-            <a:r>
-              <a:rPr lang="en-US" dirty="0" smtClean="0"/>
-              <a:t>Abstract Class</a:t>
-            </a:r>
-          </a:p>
-          <a:p>
-            <a:r>
-              <a:rPr lang="en-US" dirty="0" err="1" smtClean="0"/>
-              <a:t>Biết</a:t>
-            </a:r>
-            <a:r>
-              <a:rPr lang="en-US" dirty="0" smtClean="0"/>
-              <a:t> </a:t>
-            </a:r>
-            <a:r>
-              <a:rPr lang="en-US" dirty="0" err="1" smtClean="0"/>
-              <a:t>khi</a:t>
-            </a:r>
-            <a:r>
-              <a:rPr lang="en-US" dirty="0" smtClean="0"/>
-              <a:t> </a:t>
-            </a:r>
-            <a:r>
-              <a:rPr lang="en-US" dirty="0" err="1" smtClean="0"/>
-              <a:t>nào</a:t>
-            </a:r>
-            <a:r>
-              <a:rPr lang="en-US" dirty="0" smtClean="0"/>
-              <a:t> </a:t>
-            </a:r>
-            <a:r>
-              <a:rPr lang="en-US" dirty="0" err="1" smtClean="0"/>
-              <a:t>dùng</a:t>
-            </a:r>
-            <a:r>
-              <a:rPr lang="en-US" dirty="0" smtClean="0"/>
-              <a:t> Abstract </a:t>
-            </a:r>
-            <a:r>
-              <a:rPr lang="en-US" dirty="0" err="1" smtClean="0"/>
-              <a:t>hoặc</a:t>
-            </a:r>
-            <a:r>
-              <a:rPr lang="en-US" dirty="0" smtClean="0"/>
-              <a:t> Interface</a:t>
-            </a:r>
+            <a:r>
+              <a:rPr lang="en-US" dirty="0" smtClean="0"/>
+              <a:t>Demo</a:t>
+            </a:r>
+            <a:endParaRPr lang="en-US" dirty="0" smtClean="0"/>
           </a:p>
         </p:txBody>
       </p:sp>
@@ -4059,7 +6710,1250 @@
 </p:sld>
 </file>
 
+<file path=ppt/slides/slide20.xml><?xml version="1.0" encoding="utf-8"?>
+<p:sld xmlns:a="http://schemas.openxmlformats.org/drawingml/2006/main" xmlns:r="http://schemas.openxmlformats.org/officeDocument/2006/relationships" xmlns:p="http://schemas.openxmlformats.org/presentationml/2006/main">
+  <p:cSld>
+    <p:spTree>
+      <p:nvGrpSpPr>
+        <p:cNvPr id="1" name=""/>
+        <p:cNvGrpSpPr/>
+        <p:nvPr/>
+      </p:nvGrpSpPr>
+      <p:grpSpPr>
+        <a:xfrm>
+          <a:off x="0" y="0"/>
+          <a:ext cx="0" cy="0"/>
+          <a:chOff x="0" y="0"/>
+          <a:chExt cx="0" cy="0"/>
+        </a:xfrm>
+      </p:grpSpPr>
+      <p:sp>
+        <p:nvSpPr>
+          <p:cNvPr id="2" name="Title 1"/>
+          <p:cNvSpPr>
+            <a:spLocks noGrp="1"/>
+          </p:cNvSpPr>
+          <p:nvPr>
+            <p:ph type="title"/>
+          </p:nvPr>
+        </p:nvSpPr>
+        <p:spPr/>
+        <p:txBody>
+          <a:bodyPr/>
+          <a:lstStyle/>
+          <a:p>
+            <a:r>
+              <a:rPr lang="en-US" dirty="0" smtClean="0"/>
+              <a:t>Thank you!</a:t>
+            </a:r>
+            <a:endParaRPr lang="en-US" dirty="0"/>
+          </a:p>
+        </p:txBody>
+      </p:sp>
+      <p:pic>
+        <p:nvPicPr>
+          <p:cNvPr id="3074" name="Picture 2" descr="Image result for Q&amp;A"/>
+          <p:cNvPicPr>
+            <a:picLocks noChangeAspect="1" noChangeArrowheads="1"/>
+          </p:cNvPicPr>
+          <p:nvPr/>
+        </p:nvPicPr>
+        <p:blipFill>
+          <a:blip r:embed="rId2">
+            <a:extLst>
+              <a:ext uri="{28A0092B-C50C-407E-A947-70E740481C1C}">
+                <a14:useLocalDpi xmlns:a14="http://schemas.microsoft.com/office/drawing/2010/main" val="0"/>
+              </a:ext>
+            </a:extLst>
+          </a:blip>
+          <a:srcRect/>
+          <a:stretch>
+            <a:fillRect/>
+          </a:stretch>
+        </p:blipFill>
+        <p:spPr bwMode="auto">
+          <a:xfrm>
+            <a:off x="1447800" y="1828800"/>
+            <a:ext cx="6164542" cy="3533776"/>
+          </a:xfrm>
+          <a:prstGeom prst="rect">
+            <a:avLst/>
+          </a:prstGeom>
+          <a:noFill/>
+          <a:extLst>
+            <a:ext uri="{909E8E84-426E-40DD-AFC4-6F175D3DCCD1}">
+              <a14:hiddenFill xmlns:a14="http://schemas.microsoft.com/office/drawing/2010/main">
+                <a:solidFill>
+                  <a:srgbClr val="FFFFFF"/>
+                </a:solidFill>
+              </a14:hiddenFill>
+            </a:ext>
+          </a:extLst>
+        </p:spPr>
+      </p:pic>
+    </p:spTree>
+    <p:extLst>
+      <p:ext uri="{BB962C8B-B14F-4D97-AF65-F5344CB8AC3E}">
+        <p14:creationId xmlns:p14="http://schemas.microsoft.com/office/powerpoint/2010/main" val="3233208114"/>
+      </p:ext>
+    </p:extLst>
+  </p:cSld>
+  <p:clrMapOvr>
+    <a:masterClrMapping/>
+  </p:clrMapOvr>
+</p:sld>
+</file>
+
 <file path=ppt/slides/slide3.xml><?xml version="1.0" encoding="utf-8"?>
+<p:sld xmlns:a="http://schemas.openxmlformats.org/drawingml/2006/main" xmlns:r="http://schemas.openxmlformats.org/officeDocument/2006/relationships" xmlns:p="http://schemas.openxmlformats.org/presentationml/2006/main">
+  <p:cSld>
+    <p:spTree>
+      <p:nvGrpSpPr>
+        <p:cNvPr id="1" name=""/>
+        <p:cNvGrpSpPr/>
+        <p:nvPr/>
+      </p:nvGrpSpPr>
+      <p:grpSpPr>
+        <a:xfrm>
+          <a:off x="0" y="0"/>
+          <a:ext cx="0" cy="0"/>
+          <a:chOff x="0" y="0"/>
+          <a:chExt cx="0" cy="0"/>
+        </a:xfrm>
+      </p:grpSpPr>
+      <p:sp>
+        <p:nvSpPr>
+          <p:cNvPr id="2" name="Title 1"/>
+          <p:cNvSpPr>
+            <a:spLocks noGrp="1"/>
+          </p:cNvSpPr>
+          <p:nvPr>
+            <p:ph type="title"/>
+          </p:nvPr>
+        </p:nvSpPr>
+        <p:spPr/>
+        <p:txBody>
+          <a:bodyPr/>
+          <a:lstStyle/>
+          <a:p>
+            <a:r>
+              <a:rPr lang="en-US" dirty="0" err="1" smtClean="0"/>
+              <a:t>Tính</a:t>
+            </a:r>
+            <a:r>
+              <a:rPr lang="en-US" dirty="0" smtClean="0"/>
+              <a:t> </a:t>
+            </a:r>
+            <a:r>
+              <a:rPr lang="en-US" dirty="0" err="1" smtClean="0"/>
+              <a:t>trừu</a:t>
+            </a:r>
+            <a:r>
+              <a:rPr lang="en-US" dirty="0" smtClean="0"/>
+              <a:t> </a:t>
+            </a:r>
+            <a:r>
+              <a:rPr lang="en-US" dirty="0" err="1" smtClean="0"/>
+              <a:t>tượng</a:t>
+            </a:r>
+            <a:r>
+              <a:rPr lang="en-US" dirty="0" smtClean="0"/>
+              <a:t> Java</a:t>
+            </a:r>
+            <a:endParaRPr lang="en-GB" dirty="0"/>
+          </a:p>
+        </p:txBody>
+      </p:sp>
+      <p:sp>
+        <p:nvSpPr>
+          <p:cNvPr id="3" name="Content Placeholder 2"/>
+          <p:cNvSpPr>
+            <a:spLocks noGrp="1"/>
+          </p:cNvSpPr>
+          <p:nvPr>
+            <p:ph idx="1"/>
+          </p:nvPr>
+        </p:nvSpPr>
+        <p:spPr/>
+        <p:txBody>
+          <a:bodyPr/>
+          <a:lstStyle/>
+          <a:p>
+            <a:r>
+              <a:rPr lang="en-US" dirty="0" err="1" smtClean="0"/>
+              <a:t>Không</a:t>
+            </a:r>
+            <a:r>
+              <a:rPr lang="en-US" dirty="0" smtClean="0"/>
+              <a:t> </a:t>
+            </a:r>
+            <a:r>
+              <a:rPr lang="en-US" dirty="0" err="1" smtClean="0"/>
+              <a:t>quan</a:t>
+            </a:r>
+            <a:r>
+              <a:rPr lang="en-US" dirty="0" smtClean="0"/>
+              <a:t> </a:t>
+            </a:r>
+            <a:r>
+              <a:rPr lang="en-US" dirty="0" err="1" smtClean="0"/>
+              <a:t>tâm</a:t>
+            </a:r>
+            <a:r>
+              <a:rPr lang="en-US" dirty="0" smtClean="0"/>
+              <a:t> </a:t>
+            </a:r>
+            <a:r>
+              <a:rPr lang="en-US" dirty="0" err="1" smtClean="0"/>
+              <a:t>tới</a:t>
+            </a:r>
+            <a:r>
+              <a:rPr lang="en-US" dirty="0" smtClean="0"/>
+              <a:t> </a:t>
+            </a:r>
+            <a:r>
+              <a:rPr lang="en-US" dirty="0" err="1" smtClean="0"/>
+              <a:t>các</a:t>
+            </a:r>
+            <a:r>
+              <a:rPr lang="en-US" dirty="0" smtClean="0"/>
+              <a:t> </a:t>
+            </a:r>
+            <a:r>
+              <a:rPr lang="en-US" dirty="0" err="1" smtClean="0"/>
+              <a:t>hành</a:t>
+            </a:r>
+            <a:r>
+              <a:rPr lang="en-US" dirty="0" smtClean="0"/>
+              <a:t> vi </a:t>
+            </a:r>
+            <a:r>
+              <a:rPr lang="en-US" dirty="0" err="1" smtClean="0"/>
+              <a:t>thực</a:t>
+            </a:r>
+            <a:r>
+              <a:rPr lang="en-US" dirty="0" smtClean="0"/>
+              <a:t> </a:t>
+            </a:r>
+            <a:r>
+              <a:rPr lang="en-US" dirty="0" err="1" smtClean="0"/>
+              <a:t>hiện</a:t>
+            </a:r>
+            <a:r>
+              <a:rPr lang="en-US" dirty="0" smtClean="0"/>
+              <a:t> </a:t>
+            </a:r>
+            <a:r>
+              <a:rPr lang="en-US" dirty="0" err="1" smtClean="0"/>
+              <a:t>như</a:t>
+            </a:r>
+            <a:r>
+              <a:rPr lang="en-US" dirty="0" smtClean="0"/>
+              <a:t> </a:t>
+            </a:r>
+            <a:r>
+              <a:rPr lang="en-US" dirty="0" err="1" smtClean="0"/>
+              <a:t>nào</a:t>
+            </a:r>
+            <a:endParaRPr lang="en-US" dirty="0" smtClean="0"/>
+          </a:p>
+          <a:p>
+            <a:r>
+              <a:rPr lang="en-US" dirty="0" err="1" smtClean="0"/>
+              <a:t>Ẩn</a:t>
+            </a:r>
+            <a:r>
+              <a:rPr lang="en-US" dirty="0" smtClean="0"/>
+              <a:t> </a:t>
+            </a:r>
+            <a:r>
+              <a:rPr lang="en-US" dirty="0" err="1" smtClean="0"/>
+              <a:t>đi</a:t>
+            </a:r>
+            <a:r>
+              <a:rPr lang="en-US" dirty="0" smtClean="0"/>
+              <a:t> chi </a:t>
+            </a:r>
+            <a:r>
+              <a:rPr lang="en-US" dirty="0" err="1" smtClean="0"/>
+              <a:t>tiết</a:t>
+            </a:r>
+            <a:r>
+              <a:rPr lang="en-US" dirty="0" smtClean="0"/>
+              <a:t> </a:t>
+            </a:r>
+            <a:r>
+              <a:rPr lang="en-US" dirty="0" err="1" smtClean="0"/>
+              <a:t>của</a:t>
+            </a:r>
+            <a:r>
+              <a:rPr lang="en-US" dirty="0" smtClean="0"/>
+              <a:t> </a:t>
+            </a:r>
+            <a:r>
+              <a:rPr lang="en-US" dirty="0" err="1" smtClean="0"/>
+              <a:t>hành</a:t>
+            </a:r>
+            <a:r>
+              <a:rPr lang="en-US" dirty="0" smtClean="0"/>
+              <a:t> vi</a:t>
+            </a:r>
+          </a:p>
+          <a:p>
+            <a:r>
+              <a:rPr lang="en-US" dirty="0" err="1"/>
+              <a:t>T</a:t>
+            </a:r>
+            <a:r>
+              <a:rPr lang="en-US" dirty="0" err="1" smtClean="0"/>
+              <a:t>ính</a:t>
+            </a:r>
+            <a:r>
+              <a:rPr lang="en-US" dirty="0" smtClean="0"/>
+              <a:t> </a:t>
+            </a:r>
+            <a:r>
+              <a:rPr lang="en-US" dirty="0" err="1" smtClean="0"/>
+              <a:t>trừu</a:t>
+            </a:r>
+            <a:r>
+              <a:rPr lang="en-US" dirty="0" smtClean="0"/>
+              <a:t> </a:t>
+            </a:r>
+            <a:r>
+              <a:rPr lang="en-US" dirty="0" err="1" smtClean="0"/>
+              <a:t>tượng</a:t>
+            </a:r>
+            <a:r>
+              <a:rPr lang="en-US" dirty="0" smtClean="0"/>
+              <a:t> </a:t>
+            </a:r>
+            <a:r>
+              <a:rPr lang="en-US" dirty="0" err="1" smtClean="0"/>
+              <a:t>thể</a:t>
+            </a:r>
+            <a:r>
+              <a:rPr lang="en-US" dirty="0" smtClean="0"/>
+              <a:t> </a:t>
+            </a:r>
+            <a:r>
+              <a:rPr lang="en-US" dirty="0" err="1"/>
+              <a:t>hiện</a:t>
+            </a:r>
+            <a:r>
+              <a:rPr lang="en-US" dirty="0"/>
+              <a:t> </a:t>
+            </a:r>
+            <a:r>
+              <a:rPr lang="en-US" dirty="0" smtClean="0"/>
+              <a:t>qua</a:t>
+            </a:r>
+          </a:p>
+          <a:p>
+            <a:pPr lvl="1"/>
+            <a:r>
+              <a:rPr lang="en-US" dirty="0" smtClean="0"/>
+              <a:t>Abstract Class</a:t>
+            </a:r>
+          </a:p>
+          <a:p>
+            <a:pPr lvl="1"/>
+            <a:r>
+              <a:rPr lang="en-US" dirty="0" smtClean="0"/>
+              <a:t>Interface</a:t>
+            </a:r>
+          </a:p>
+          <a:p>
+            <a:pPr lvl="1"/>
+            <a:r>
+              <a:rPr lang="en-US" dirty="0" smtClean="0"/>
+              <a:t>Abstract Class</a:t>
+            </a:r>
+            <a:endParaRPr lang="en-GB" dirty="0"/>
+          </a:p>
+        </p:txBody>
+      </p:sp>
+    </p:spTree>
+    <p:extLst>
+      <p:ext uri="{BB962C8B-B14F-4D97-AF65-F5344CB8AC3E}">
+        <p14:creationId xmlns:p14="http://schemas.microsoft.com/office/powerpoint/2010/main" val="962711479"/>
+      </p:ext>
+    </p:extLst>
+  </p:cSld>
+  <p:clrMapOvr>
+    <a:masterClrMapping/>
+  </p:clrMapOvr>
+</p:sld>
+</file>
+
+<file path=ppt/slides/slide4.xml><?xml version="1.0" encoding="utf-8"?>
+<p:sld xmlns:a="http://schemas.openxmlformats.org/drawingml/2006/main" xmlns:r="http://schemas.openxmlformats.org/officeDocument/2006/relationships" xmlns:p="http://schemas.openxmlformats.org/presentationml/2006/main">
+  <p:cSld>
+    <p:spTree>
+      <p:nvGrpSpPr>
+        <p:cNvPr id="1" name=""/>
+        <p:cNvGrpSpPr/>
+        <p:nvPr/>
+      </p:nvGrpSpPr>
+      <p:grpSpPr>
+        <a:xfrm>
+          <a:off x="0" y="0"/>
+          <a:ext cx="0" cy="0"/>
+          <a:chOff x="0" y="0"/>
+          <a:chExt cx="0" cy="0"/>
+        </a:xfrm>
+      </p:grpSpPr>
+      <p:sp>
+        <p:nvSpPr>
+          <p:cNvPr id="2" name="Title 1"/>
+          <p:cNvSpPr>
+            <a:spLocks noGrp="1"/>
+          </p:cNvSpPr>
+          <p:nvPr>
+            <p:ph type="title"/>
+          </p:nvPr>
+        </p:nvSpPr>
+        <p:spPr/>
+        <p:txBody>
+          <a:bodyPr/>
+          <a:lstStyle/>
+          <a:p>
+            <a:r>
+              <a:rPr lang="en-US" dirty="0" smtClean="0"/>
+              <a:t>Abstract Method</a:t>
+            </a:r>
+            <a:endParaRPr lang="en-US" dirty="0"/>
+          </a:p>
+        </p:txBody>
+      </p:sp>
+      <p:sp>
+        <p:nvSpPr>
+          <p:cNvPr id="3" name="Content Placeholder 2"/>
+          <p:cNvSpPr>
+            <a:spLocks noGrp="1"/>
+          </p:cNvSpPr>
+          <p:nvPr>
+            <p:ph idx="1"/>
+          </p:nvPr>
+        </p:nvSpPr>
+        <p:spPr/>
+        <p:txBody>
+          <a:bodyPr/>
+          <a:lstStyle/>
+          <a:p>
+            <a:r>
+              <a:rPr lang="en-US" dirty="0" err="1" smtClean="0"/>
+              <a:t>Có</a:t>
+            </a:r>
+            <a:r>
+              <a:rPr lang="en-US" dirty="0" smtClean="0"/>
+              <a:t> </a:t>
+            </a:r>
+            <a:r>
+              <a:rPr lang="en-US" dirty="0" err="1" smtClean="0"/>
+              <a:t>từ</a:t>
+            </a:r>
+            <a:r>
+              <a:rPr lang="en-US" dirty="0" smtClean="0"/>
+              <a:t> </a:t>
+            </a:r>
+            <a:r>
+              <a:rPr lang="en-US" b="1" dirty="0" smtClean="0"/>
+              <a:t>abstract</a:t>
+            </a:r>
+            <a:r>
+              <a:rPr lang="en-US" dirty="0" smtClean="0"/>
+              <a:t> </a:t>
+            </a:r>
+            <a:r>
+              <a:rPr lang="en-US" dirty="0" err="1" smtClean="0"/>
+              <a:t>trước</a:t>
+            </a:r>
+            <a:r>
+              <a:rPr lang="en-US" dirty="0" smtClean="0"/>
+              <a:t> method</a:t>
+            </a:r>
+          </a:p>
+          <a:p>
+            <a:r>
+              <a:rPr lang="en-US" dirty="0" err="1" smtClean="0"/>
+              <a:t>Không</a:t>
+            </a:r>
+            <a:r>
+              <a:rPr lang="en-US" dirty="0" smtClean="0"/>
+              <a:t> </a:t>
+            </a:r>
+            <a:r>
+              <a:rPr lang="en-US" dirty="0" err="1" smtClean="0"/>
+              <a:t>có</a:t>
+            </a:r>
+            <a:r>
+              <a:rPr lang="en-US" dirty="0" smtClean="0"/>
+              <a:t> </a:t>
+            </a:r>
+            <a:r>
+              <a:rPr lang="en-US" dirty="0" err="1" smtClean="0"/>
+              <a:t>thân</a:t>
+            </a:r>
+            <a:r>
+              <a:rPr lang="en-US" dirty="0" smtClean="0"/>
+              <a:t> </a:t>
+            </a:r>
+            <a:r>
+              <a:rPr lang="en-US" dirty="0" err="1" smtClean="0"/>
+              <a:t>chương</a:t>
+            </a:r>
+            <a:r>
+              <a:rPr lang="en-US" dirty="0" smtClean="0"/>
+              <a:t> </a:t>
+            </a:r>
+            <a:r>
+              <a:rPr lang="en-US" dirty="0" err="1" smtClean="0"/>
+              <a:t>trình</a:t>
+            </a:r>
+            <a:r>
+              <a:rPr lang="en-US" dirty="0" smtClean="0"/>
+              <a:t> (</a:t>
+            </a:r>
+            <a:r>
+              <a:rPr lang="en-US" dirty="0" err="1" smtClean="0"/>
+              <a:t>không</a:t>
+            </a:r>
+            <a:r>
+              <a:rPr lang="en-US" dirty="0" smtClean="0"/>
+              <a:t> </a:t>
+            </a:r>
+            <a:r>
+              <a:rPr lang="en-US" dirty="0" err="1" smtClean="0"/>
+              <a:t>đi</a:t>
+            </a:r>
+            <a:r>
+              <a:rPr lang="en-US" dirty="0" smtClean="0"/>
+              <a:t> </a:t>
+            </a:r>
+            <a:r>
+              <a:rPr lang="en-US" dirty="0" err="1" smtClean="0"/>
+              <a:t>vào</a:t>
+            </a:r>
+            <a:r>
+              <a:rPr lang="en-US" dirty="0" smtClean="0"/>
+              <a:t> chi </a:t>
+            </a:r>
+            <a:r>
+              <a:rPr lang="en-US" dirty="0" err="1" smtClean="0"/>
+              <a:t>tiết</a:t>
+            </a:r>
+            <a:r>
+              <a:rPr lang="en-US" dirty="0" smtClean="0"/>
+              <a:t> </a:t>
+            </a:r>
+            <a:r>
+              <a:rPr lang="en-US" dirty="0" err="1" smtClean="0"/>
+              <a:t>của</a:t>
+            </a:r>
+            <a:r>
+              <a:rPr lang="en-US" dirty="0" smtClean="0"/>
+              <a:t> </a:t>
+            </a:r>
+            <a:r>
+              <a:rPr lang="en-US" dirty="0" err="1" smtClean="0"/>
+              <a:t>của</a:t>
+            </a:r>
+            <a:r>
+              <a:rPr lang="en-US" dirty="0" smtClean="0"/>
+              <a:t> </a:t>
+            </a:r>
+            <a:r>
+              <a:rPr lang="en-US" dirty="0" err="1" smtClean="0"/>
+              <a:t>hành</a:t>
+            </a:r>
+            <a:r>
+              <a:rPr lang="en-US" dirty="0" smtClean="0"/>
+              <a:t> vi)</a:t>
+            </a:r>
+            <a:endParaRPr lang="en-US" dirty="0"/>
+          </a:p>
+          <a:p>
+            <a:r>
+              <a:rPr lang="en-US" dirty="0" err="1"/>
+              <a:t>Có</a:t>
+            </a:r>
+            <a:r>
+              <a:rPr lang="en-US" dirty="0"/>
+              <a:t> </a:t>
+            </a:r>
+            <a:r>
+              <a:rPr lang="en-US" dirty="0" err="1"/>
+              <a:t>thể</a:t>
+            </a:r>
+            <a:r>
+              <a:rPr lang="en-US" dirty="0"/>
+              <a:t> </a:t>
+            </a:r>
+            <a:r>
+              <a:rPr lang="en-US" dirty="0" err="1"/>
+              <a:t>nạp</a:t>
+            </a:r>
+            <a:r>
+              <a:rPr lang="en-US" dirty="0"/>
+              <a:t> </a:t>
+            </a:r>
+            <a:r>
+              <a:rPr lang="en-US" dirty="0" err="1"/>
+              <a:t>chồng</a:t>
+            </a:r>
+            <a:r>
+              <a:rPr lang="en-US" dirty="0"/>
+              <a:t> </a:t>
+            </a:r>
+            <a:r>
+              <a:rPr lang="en-US" dirty="0" err="1"/>
+              <a:t>phương</a:t>
+            </a:r>
+            <a:r>
+              <a:rPr lang="en-US" dirty="0"/>
+              <a:t> </a:t>
+            </a:r>
+            <a:r>
+              <a:rPr lang="en-US" dirty="0" err="1"/>
+              <a:t>thức</a:t>
+            </a:r>
+            <a:r>
+              <a:rPr lang="en-US" dirty="0"/>
+              <a:t> </a:t>
+            </a:r>
+            <a:r>
+              <a:rPr lang="en-US" dirty="0" smtClean="0"/>
+              <a:t>abstract</a:t>
+            </a:r>
+            <a:endParaRPr lang="en-GB" dirty="0"/>
+          </a:p>
+          <a:p>
+            <a:endParaRPr lang="en-US" dirty="0" smtClean="0"/>
+          </a:p>
+        </p:txBody>
+      </p:sp>
+      <p:pic>
+        <p:nvPicPr>
+          <p:cNvPr id="1026" name="Picture 2"/>
+          <p:cNvPicPr>
+            <a:picLocks noChangeAspect="1" noChangeArrowheads="1"/>
+          </p:cNvPicPr>
+          <p:nvPr/>
+        </p:nvPicPr>
+        <p:blipFill>
+          <a:blip r:embed="rId2">
+            <a:extLst>
+              <a:ext uri="{28A0092B-C50C-407E-A947-70E740481C1C}">
+                <a14:useLocalDpi xmlns:a14="http://schemas.microsoft.com/office/drawing/2010/main" val="0"/>
+              </a:ext>
+            </a:extLst>
+          </a:blip>
+          <a:srcRect/>
+          <a:stretch>
+            <a:fillRect/>
+          </a:stretch>
+        </p:blipFill>
+        <p:spPr bwMode="auto">
+          <a:xfrm>
+            <a:off x="838200" y="4343400"/>
+            <a:ext cx="7534275" cy="1296642"/>
+          </a:xfrm>
+          <a:prstGeom prst="rect">
+            <a:avLst/>
+          </a:prstGeom>
+          <a:ln/>
+        </p:spPr>
+        <p:style>
+          <a:lnRef idx="2">
+            <a:schemeClr val="accent3"/>
+          </a:lnRef>
+          <a:fillRef idx="1">
+            <a:schemeClr val="lt1"/>
+          </a:fillRef>
+          <a:effectRef idx="0">
+            <a:schemeClr val="accent3"/>
+          </a:effectRef>
+          <a:fontRef idx="minor">
+            <a:schemeClr val="dk1"/>
+          </a:fontRef>
+        </p:style>
+      </p:pic>
+      <p:sp>
+        <p:nvSpPr>
+          <p:cNvPr id="6" name="TextBox 5"/>
+          <p:cNvSpPr txBox="1"/>
+          <p:nvPr/>
+        </p:nvSpPr>
+        <p:spPr>
+          <a:xfrm>
+            <a:off x="616873" y="5867399"/>
+            <a:ext cx="7976927" cy="430887"/>
+          </a:xfrm>
+          <a:prstGeom prst="rect">
+            <a:avLst/>
+          </a:prstGeom>
+          <a:noFill/>
+        </p:spPr>
+        <p:txBody>
+          <a:bodyPr wrap="none" rtlCol="0">
+            <a:spAutoFit/>
+          </a:bodyPr>
+          <a:lstStyle/>
+          <a:p>
+            <a:r>
+              <a:rPr lang="en-US" sz="2200" dirty="0" smtClean="0"/>
+              <a:t>Access Modifier </a:t>
+            </a:r>
+            <a:r>
+              <a:rPr lang="en-US" sz="2200" dirty="0" err="1" smtClean="0"/>
+              <a:t>cho</a:t>
+            </a:r>
+            <a:r>
+              <a:rPr lang="en-US" sz="2200" dirty="0" smtClean="0"/>
+              <a:t> abstract method </a:t>
+            </a:r>
+            <a:r>
+              <a:rPr lang="en-US" sz="2200" dirty="0" err="1" smtClean="0"/>
+              <a:t>là</a:t>
+            </a:r>
+            <a:r>
+              <a:rPr lang="en-US" sz="2200" dirty="0" smtClean="0"/>
+              <a:t>: </a:t>
+            </a:r>
+            <a:r>
+              <a:rPr lang="en-US" sz="2200" dirty="0" err="1" smtClean="0"/>
+              <a:t>mặc</a:t>
+            </a:r>
+            <a:r>
+              <a:rPr lang="en-US" sz="2200" dirty="0" smtClean="0"/>
+              <a:t> </a:t>
+            </a:r>
+            <a:r>
+              <a:rPr lang="en-US" sz="2200" dirty="0" err="1" smtClean="0"/>
+              <a:t>định</a:t>
+            </a:r>
+            <a:r>
+              <a:rPr lang="en-US" sz="2200" dirty="0" smtClean="0"/>
+              <a:t>, public, protected</a:t>
+            </a:r>
+            <a:endParaRPr lang="en-GB" sz="2200" dirty="0"/>
+          </a:p>
+        </p:txBody>
+      </p:sp>
+    </p:spTree>
+    <p:extLst>
+      <p:ext uri="{BB962C8B-B14F-4D97-AF65-F5344CB8AC3E}">
+        <p14:creationId xmlns:p14="http://schemas.microsoft.com/office/powerpoint/2010/main" val="3629346745"/>
+      </p:ext>
+    </p:extLst>
+  </p:cSld>
+  <p:clrMapOvr>
+    <a:masterClrMapping/>
+  </p:clrMapOvr>
+</p:sld>
+</file>
+
+<file path=ppt/slides/slide5.xml><?xml version="1.0" encoding="utf-8"?>
+<p:sld xmlns:a="http://schemas.openxmlformats.org/drawingml/2006/main" xmlns:r="http://schemas.openxmlformats.org/officeDocument/2006/relationships" xmlns:p="http://schemas.openxmlformats.org/presentationml/2006/main">
+  <p:cSld>
+    <p:spTree>
+      <p:nvGrpSpPr>
+        <p:cNvPr id="1" name=""/>
+        <p:cNvGrpSpPr/>
+        <p:nvPr/>
+      </p:nvGrpSpPr>
+      <p:grpSpPr>
+        <a:xfrm>
+          <a:off x="0" y="0"/>
+          <a:ext cx="0" cy="0"/>
+          <a:chOff x="0" y="0"/>
+          <a:chExt cx="0" cy="0"/>
+        </a:xfrm>
+      </p:grpSpPr>
+      <p:sp>
+        <p:nvSpPr>
+          <p:cNvPr id="2" name="Title 1"/>
+          <p:cNvSpPr>
+            <a:spLocks noGrp="1"/>
+          </p:cNvSpPr>
+          <p:nvPr>
+            <p:ph type="title"/>
+          </p:nvPr>
+        </p:nvSpPr>
+        <p:spPr/>
+        <p:txBody>
+          <a:bodyPr/>
+          <a:lstStyle/>
+          <a:p>
+            <a:r>
+              <a:rPr lang="en-US" dirty="0" smtClean="0"/>
+              <a:t>Abstract Class</a:t>
+            </a:r>
+            <a:endParaRPr lang="en-GB" dirty="0"/>
+          </a:p>
+        </p:txBody>
+      </p:sp>
+      <p:sp>
+        <p:nvSpPr>
+          <p:cNvPr id="3" name="Content Placeholder 2"/>
+          <p:cNvSpPr>
+            <a:spLocks noGrp="1"/>
+          </p:cNvSpPr>
+          <p:nvPr>
+            <p:ph idx="1"/>
+          </p:nvPr>
+        </p:nvSpPr>
+        <p:spPr/>
+        <p:txBody>
+          <a:bodyPr/>
+          <a:lstStyle/>
+          <a:p>
+            <a:r>
+              <a:rPr lang="en-US" dirty="0" err="1" smtClean="0"/>
+              <a:t>Có</a:t>
+            </a:r>
+            <a:r>
+              <a:rPr lang="en-US" dirty="0" smtClean="0"/>
+              <a:t> </a:t>
+            </a:r>
+            <a:r>
+              <a:rPr lang="en-US" dirty="0" err="1" smtClean="0"/>
+              <a:t>từ</a:t>
+            </a:r>
+            <a:r>
+              <a:rPr lang="en-US" dirty="0" smtClean="0"/>
+              <a:t> </a:t>
+            </a:r>
+            <a:r>
+              <a:rPr lang="en-US" dirty="0" err="1" smtClean="0"/>
+              <a:t>khóa</a:t>
+            </a:r>
+            <a:r>
+              <a:rPr lang="en-US" dirty="0" smtClean="0"/>
+              <a:t> </a:t>
+            </a:r>
+            <a:r>
+              <a:rPr lang="en-US" b="1" dirty="0" smtClean="0"/>
+              <a:t>abstract</a:t>
+            </a:r>
+            <a:r>
+              <a:rPr lang="en-US" dirty="0" smtClean="0"/>
+              <a:t> </a:t>
+            </a:r>
+            <a:r>
+              <a:rPr lang="en-US" dirty="0" err="1" smtClean="0"/>
+              <a:t>trước</a:t>
+            </a:r>
+            <a:r>
+              <a:rPr lang="en-US" dirty="0" smtClean="0"/>
+              <a:t> </a:t>
+            </a:r>
+            <a:r>
+              <a:rPr lang="en-US" dirty="0" err="1" smtClean="0"/>
+              <a:t>khai</a:t>
+            </a:r>
+            <a:r>
+              <a:rPr lang="en-US" dirty="0" smtClean="0"/>
+              <a:t> </a:t>
+            </a:r>
+            <a:r>
+              <a:rPr lang="en-US" dirty="0" err="1" smtClean="0"/>
+              <a:t>báo</a:t>
+            </a:r>
+            <a:r>
+              <a:rPr lang="en-US" dirty="0" smtClean="0"/>
+              <a:t> class</a:t>
+            </a:r>
+          </a:p>
+          <a:p>
+            <a:r>
+              <a:rPr lang="en-US" dirty="0" err="1" smtClean="0"/>
+              <a:t>Có</a:t>
+            </a:r>
+            <a:r>
+              <a:rPr lang="en-US" dirty="0" smtClean="0"/>
+              <a:t> </a:t>
+            </a:r>
+            <a:r>
+              <a:rPr lang="en-US" dirty="0" err="1" smtClean="0"/>
+              <a:t>hoặc</a:t>
+            </a:r>
+            <a:r>
+              <a:rPr lang="en-US" dirty="0" smtClean="0"/>
+              <a:t> </a:t>
+            </a:r>
+            <a:r>
+              <a:rPr lang="en-US" dirty="0" err="1" smtClean="0"/>
+              <a:t>không</a:t>
+            </a:r>
+            <a:r>
+              <a:rPr lang="en-US" dirty="0" smtClean="0"/>
+              <a:t> </a:t>
+            </a:r>
+            <a:r>
+              <a:rPr lang="en-US" dirty="0" err="1" smtClean="0"/>
+              <a:t>có</a:t>
+            </a:r>
+            <a:r>
+              <a:rPr lang="en-US" dirty="0" smtClean="0"/>
+              <a:t> </a:t>
+            </a:r>
+            <a:r>
+              <a:rPr lang="en-US" b="1" dirty="0"/>
+              <a:t>abstract</a:t>
+            </a:r>
+            <a:r>
+              <a:rPr lang="en-US" dirty="0"/>
+              <a:t> </a:t>
+            </a:r>
+            <a:r>
+              <a:rPr lang="en-US" dirty="0" smtClean="0"/>
+              <a:t>method</a:t>
+            </a:r>
+          </a:p>
+        </p:txBody>
+      </p:sp>
+      <p:pic>
+        <p:nvPicPr>
+          <p:cNvPr id="2050" name="Picture 2"/>
+          <p:cNvPicPr>
+            <a:picLocks noChangeAspect="1" noChangeArrowheads="1"/>
+          </p:cNvPicPr>
+          <p:nvPr/>
+        </p:nvPicPr>
+        <p:blipFill>
+          <a:blip r:embed="rId2">
+            <a:extLst>
+              <a:ext uri="{28A0092B-C50C-407E-A947-70E740481C1C}">
+                <a14:useLocalDpi xmlns:a14="http://schemas.microsoft.com/office/drawing/2010/main" val="0"/>
+              </a:ext>
+            </a:extLst>
+          </a:blip>
+          <a:srcRect/>
+          <a:stretch>
+            <a:fillRect/>
+          </a:stretch>
+        </p:blipFill>
+        <p:spPr bwMode="auto">
+          <a:xfrm>
+            <a:off x="1857991" y="3657600"/>
+            <a:ext cx="5076209" cy="2198961"/>
+          </a:xfrm>
+          <a:prstGeom prst="rect">
+            <a:avLst/>
+          </a:prstGeom>
+          <a:ln/>
+        </p:spPr>
+        <p:style>
+          <a:lnRef idx="2">
+            <a:schemeClr val="accent3"/>
+          </a:lnRef>
+          <a:fillRef idx="1">
+            <a:schemeClr val="lt1"/>
+          </a:fillRef>
+          <a:effectRef idx="0">
+            <a:schemeClr val="accent3"/>
+          </a:effectRef>
+          <a:fontRef idx="minor">
+            <a:schemeClr val="dk1"/>
+          </a:fontRef>
+        </p:style>
+      </p:pic>
+      <p:sp>
+        <p:nvSpPr>
+          <p:cNvPr id="4" name="TextBox 3"/>
+          <p:cNvSpPr txBox="1"/>
+          <p:nvPr/>
+        </p:nvSpPr>
+        <p:spPr>
+          <a:xfrm>
+            <a:off x="1567596" y="6284127"/>
+            <a:ext cx="5656998" cy="461665"/>
+          </a:xfrm>
+          <a:prstGeom prst="rect">
+            <a:avLst/>
+          </a:prstGeom>
+          <a:noFill/>
+        </p:spPr>
+        <p:txBody>
+          <a:bodyPr wrap="none" rtlCol="0">
+            <a:spAutoFit/>
+          </a:bodyPr>
+          <a:lstStyle/>
+          <a:p>
+            <a:r>
+              <a:rPr lang="en-US" sz="2400" dirty="0" smtClean="0"/>
+              <a:t>Abstract class </a:t>
+            </a:r>
+            <a:r>
+              <a:rPr lang="en-US" sz="2400" dirty="0" err="1" smtClean="0"/>
+              <a:t>có</a:t>
+            </a:r>
+            <a:r>
+              <a:rPr lang="en-US" sz="2400" dirty="0" smtClean="0"/>
+              <a:t> </a:t>
+            </a:r>
+            <a:r>
+              <a:rPr lang="en-US" sz="2400" dirty="0" err="1" smtClean="0"/>
+              <a:t>thể</a:t>
+            </a:r>
+            <a:r>
+              <a:rPr lang="en-US" sz="2400" dirty="0" smtClean="0"/>
+              <a:t> </a:t>
+            </a:r>
+            <a:r>
+              <a:rPr lang="en-US" sz="2400" dirty="0" err="1" smtClean="0"/>
+              <a:t>không</a:t>
+            </a:r>
+            <a:r>
+              <a:rPr lang="en-US" sz="2400" dirty="0" smtClean="0"/>
+              <a:t> </a:t>
+            </a:r>
+            <a:r>
+              <a:rPr lang="en-US" sz="2400" dirty="0" err="1" smtClean="0"/>
+              <a:t>có</a:t>
+            </a:r>
+            <a:r>
+              <a:rPr lang="en-US" sz="2400" dirty="0" smtClean="0"/>
+              <a:t> abstract class</a:t>
+            </a:r>
+            <a:endParaRPr lang="en-GB" sz="2400" dirty="0"/>
+          </a:p>
+        </p:txBody>
+      </p:sp>
+    </p:spTree>
+    <p:extLst>
+      <p:ext uri="{BB962C8B-B14F-4D97-AF65-F5344CB8AC3E}">
+        <p14:creationId xmlns:p14="http://schemas.microsoft.com/office/powerpoint/2010/main" val="2009316646"/>
+      </p:ext>
+    </p:extLst>
+  </p:cSld>
+  <p:clrMapOvr>
+    <a:masterClrMapping/>
+  </p:clrMapOvr>
+</p:sld>
+</file>
+
+<file path=ppt/slides/slide6.xml><?xml version="1.0" encoding="utf-8"?>
+<p:sld xmlns:a="http://schemas.openxmlformats.org/drawingml/2006/main" xmlns:r="http://schemas.openxmlformats.org/officeDocument/2006/relationships" xmlns:p="http://schemas.openxmlformats.org/presentationml/2006/main">
+  <p:cSld>
+    <p:spTree>
+      <p:nvGrpSpPr>
+        <p:cNvPr id="1" name=""/>
+        <p:cNvGrpSpPr/>
+        <p:nvPr/>
+      </p:nvGrpSpPr>
+      <p:grpSpPr>
+        <a:xfrm>
+          <a:off x="0" y="0"/>
+          <a:ext cx="0" cy="0"/>
+          <a:chOff x="0" y="0"/>
+          <a:chExt cx="0" cy="0"/>
+        </a:xfrm>
+      </p:grpSpPr>
+      <p:sp>
+        <p:nvSpPr>
+          <p:cNvPr id="2" name="Title 1"/>
+          <p:cNvSpPr>
+            <a:spLocks noGrp="1"/>
+          </p:cNvSpPr>
+          <p:nvPr>
+            <p:ph type="title"/>
+          </p:nvPr>
+        </p:nvSpPr>
+        <p:spPr/>
+        <p:txBody>
+          <a:bodyPr/>
+          <a:lstStyle/>
+          <a:p>
+            <a:r>
+              <a:rPr lang="en-US" dirty="0" err="1" smtClean="0"/>
+              <a:t>Đặc</a:t>
+            </a:r>
+            <a:r>
+              <a:rPr lang="en-US" dirty="0" smtClean="0"/>
+              <a:t> </a:t>
+            </a:r>
+            <a:r>
+              <a:rPr lang="en-US" dirty="0" err="1" smtClean="0"/>
+              <a:t>điểm</a:t>
+            </a:r>
+            <a:r>
+              <a:rPr lang="en-US" dirty="0" smtClean="0"/>
+              <a:t> </a:t>
+            </a:r>
+            <a:r>
+              <a:rPr lang="en-US" dirty="0"/>
+              <a:t>A</a:t>
+            </a:r>
+            <a:r>
+              <a:rPr lang="en-US" dirty="0" smtClean="0"/>
+              <a:t>bstract Class</a:t>
+            </a:r>
+            <a:endParaRPr lang="en-GB" dirty="0"/>
+          </a:p>
+        </p:txBody>
+      </p:sp>
+      <p:sp>
+        <p:nvSpPr>
+          <p:cNvPr id="3" name="Content Placeholder 2"/>
+          <p:cNvSpPr>
+            <a:spLocks noGrp="1"/>
+          </p:cNvSpPr>
+          <p:nvPr>
+            <p:ph idx="1"/>
+          </p:nvPr>
+        </p:nvSpPr>
+        <p:spPr/>
+        <p:txBody>
+          <a:bodyPr/>
+          <a:lstStyle/>
+          <a:p>
+            <a:r>
+              <a:rPr lang="en-US" dirty="0" err="1" smtClean="0"/>
+              <a:t>Có</a:t>
+            </a:r>
+            <a:r>
+              <a:rPr lang="en-US" dirty="0" smtClean="0"/>
+              <a:t> constructor </a:t>
+            </a:r>
+            <a:r>
+              <a:rPr lang="en-US" dirty="0" err="1" smtClean="0"/>
+              <a:t>mặc</a:t>
+            </a:r>
+            <a:r>
+              <a:rPr lang="en-US" dirty="0" smtClean="0"/>
+              <a:t> </a:t>
+            </a:r>
+            <a:r>
+              <a:rPr lang="en-US" dirty="0" err="1" smtClean="0"/>
+              <a:t>định</a:t>
+            </a:r>
+            <a:endParaRPr lang="en-US" dirty="0" smtClean="0"/>
+          </a:p>
+          <a:p>
+            <a:r>
+              <a:rPr lang="en-US" dirty="0" err="1" smtClean="0"/>
+              <a:t>Biến</a:t>
+            </a:r>
+            <a:r>
+              <a:rPr lang="en-US" dirty="0" smtClean="0"/>
+              <a:t> </a:t>
+            </a:r>
+            <a:r>
+              <a:rPr lang="en-US" dirty="0" err="1" smtClean="0"/>
+              <a:t>có</a:t>
+            </a:r>
+            <a:r>
+              <a:rPr lang="en-US" dirty="0" smtClean="0"/>
+              <a:t> </a:t>
+            </a:r>
+            <a:r>
+              <a:rPr lang="en-US" dirty="0" err="1" smtClean="0"/>
+              <a:t>giá</a:t>
+            </a:r>
+            <a:r>
+              <a:rPr lang="en-US" dirty="0" smtClean="0"/>
+              <a:t> </a:t>
+            </a:r>
+            <a:r>
+              <a:rPr lang="en-US" dirty="0" err="1" smtClean="0"/>
+              <a:t>trị</a:t>
+            </a:r>
+            <a:r>
+              <a:rPr lang="en-US" dirty="0" smtClean="0"/>
+              <a:t> </a:t>
+            </a:r>
+            <a:r>
+              <a:rPr lang="en-US" dirty="0" err="1" smtClean="0"/>
+              <a:t>mặc</a:t>
+            </a:r>
+            <a:r>
+              <a:rPr lang="en-US" dirty="0" smtClean="0"/>
+              <a:t> </a:t>
+            </a:r>
+            <a:r>
+              <a:rPr lang="en-US" dirty="0" err="1" smtClean="0"/>
+              <a:t>định</a:t>
+            </a:r>
+            <a:endParaRPr lang="en-US" dirty="0" smtClean="0"/>
+          </a:p>
+          <a:p>
+            <a:r>
+              <a:rPr lang="en-US" dirty="0" smtClean="0"/>
+              <a:t>Abstract method </a:t>
+            </a:r>
+            <a:r>
+              <a:rPr lang="en-US" dirty="0" err="1" smtClean="0"/>
+              <a:t>bắt</a:t>
+            </a:r>
+            <a:r>
+              <a:rPr lang="en-US" dirty="0" smtClean="0"/>
+              <a:t> </a:t>
+            </a:r>
+            <a:r>
+              <a:rPr lang="en-US" dirty="0" err="1" smtClean="0"/>
+              <a:t>buộc</a:t>
+            </a:r>
+            <a:r>
+              <a:rPr lang="en-US" dirty="0" smtClean="0"/>
+              <a:t> </a:t>
+            </a:r>
+            <a:r>
+              <a:rPr lang="en-US" dirty="0" err="1" smtClean="0"/>
+              <a:t>phải</a:t>
+            </a:r>
+            <a:r>
+              <a:rPr lang="en-US" dirty="0" smtClean="0"/>
+              <a:t> </a:t>
+            </a:r>
+            <a:r>
+              <a:rPr lang="en-US" dirty="0" err="1" smtClean="0"/>
+              <a:t>có</a:t>
+            </a:r>
+            <a:r>
+              <a:rPr lang="en-US" dirty="0" smtClean="0"/>
+              <a:t> </a:t>
+            </a:r>
+            <a:r>
+              <a:rPr lang="en-US" dirty="0" err="1" smtClean="0"/>
+              <a:t>từ</a:t>
+            </a:r>
+            <a:r>
+              <a:rPr lang="en-US" dirty="0" smtClean="0"/>
+              <a:t> </a:t>
+            </a:r>
+            <a:r>
+              <a:rPr lang="en-US" dirty="0" err="1" smtClean="0"/>
+              <a:t>khóa</a:t>
+            </a:r>
+            <a:r>
+              <a:rPr lang="en-US" dirty="0" smtClean="0"/>
+              <a:t> </a:t>
+            </a:r>
+            <a:r>
+              <a:rPr lang="en-US" b="1" dirty="0" smtClean="0"/>
+              <a:t>abstract</a:t>
+            </a:r>
+            <a:endParaRPr lang="en-GB" b="1" dirty="0"/>
+          </a:p>
+        </p:txBody>
+      </p:sp>
+    </p:spTree>
+    <p:extLst>
+      <p:ext uri="{BB962C8B-B14F-4D97-AF65-F5344CB8AC3E}">
+        <p14:creationId xmlns:p14="http://schemas.microsoft.com/office/powerpoint/2010/main" val="2244098695"/>
+      </p:ext>
+    </p:extLst>
+  </p:cSld>
+  <p:clrMapOvr>
+    <a:masterClrMapping/>
+  </p:clrMapOvr>
+</p:sld>
+</file>
+
+<file path=ppt/slides/slide7.xml><?xml version="1.0" encoding="utf-8"?>
 <p:sld xmlns:a="http://schemas.openxmlformats.org/drawingml/2006/main" xmlns:r="http://schemas.openxmlformats.org/officeDocument/2006/relationships" xmlns:p="http://schemas.openxmlformats.org/presentationml/2006/main">
   <p:cSld>
     <p:spTree>
@@ -4353,7 +8247,7 @@
 </p:sld>
 </file>
 
-<file path=ppt/slides/slide4.xml><?xml version="1.0" encoding="utf-8"?>
+<file path=ppt/slides/slide8.xml><?xml version="1.0" encoding="utf-8"?>
 <p:sld xmlns:a="http://schemas.openxmlformats.org/drawingml/2006/main" xmlns:r="http://schemas.openxmlformats.org/officeDocument/2006/relationships" xmlns:p="http://schemas.openxmlformats.org/presentationml/2006/main">
   <p:cSld>
     <p:spTree>
@@ -4399,11 +8293,7 @@
             </a:r>
             <a:r>
               <a:rPr lang="en-US" dirty="0" smtClean="0"/>
-              <a:t> </a:t>
-            </a:r>
-            <a:r>
-              <a:rPr lang="en-US" dirty="0" smtClean="0"/>
-              <a:t>Interface</a:t>
+              <a:t> Interface</a:t>
             </a:r>
             <a:endParaRPr lang="en-US" dirty="0"/>
           </a:p>
@@ -4709,1195 +8599,6 @@
 </p:sld>
 </file>
 
-<file path=ppt/slides/slide5.xml><?xml version="1.0" encoding="utf-8"?>
-<p:sld xmlns:a="http://schemas.openxmlformats.org/drawingml/2006/main" xmlns:r="http://schemas.openxmlformats.org/officeDocument/2006/relationships" xmlns:p="http://schemas.openxmlformats.org/presentationml/2006/main">
-  <p:cSld>
-    <p:spTree>
-      <p:nvGrpSpPr>
-        <p:cNvPr id="1" name=""/>
-        <p:cNvGrpSpPr/>
-        <p:nvPr/>
-      </p:nvGrpSpPr>
-      <p:grpSpPr>
-        <a:xfrm>
-          <a:off x="0" y="0"/>
-          <a:ext cx="0" cy="0"/>
-          <a:chOff x="0" y="0"/>
-          <a:chExt cx="0" cy="0"/>
-        </a:xfrm>
-      </p:grpSpPr>
-      <p:sp>
-        <p:nvSpPr>
-          <p:cNvPr id="2" name="Title 1"/>
-          <p:cNvSpPr>
-            <a:spLocks noGrp="1"/>
-          </p:cNvSpPr>
-          <p:nvPr>
-            <p:ph type="title"/>
-          </p:nvPr>
-        </p:nvSpPr>
-        <p:spPr/>
-        <p:txBody>
-          <a:bodyPr/>
-          <a:lstStyle/>
-          <a:p>
-            <a:r>
-              <a:rPr lang="en-US" dirty="0" err="1" smtClean="0"/>
-              <a:t>Kế</a:t>
-            </a:r>
-            <a:r>
-              <a:rPr lang="en-US" dirty="0" smtClean="0"/>
-              <a:t> </a:t>
-            </a:r>
-            <a:r>
-              <a:rPr lang="en-US" dirty="0" err="1" smtClean="0"/>
-              <a:t>thừa</a:t>
-            </a:r>
-            <a:r>
-              <a:rPr lang="en-US" dirty="0" smtClean="0"/>
-              <a:t> </a:t>
-            </a:r>
-            <a:r>
-              <a:rPr lang="en-US" dirty="0" err="1" smtClean="0"/>
-              <a:t>với</a:t>
-            </a:r>
-            <a:r>
-              <a:rPr lang="en-US" dirty="0" smtClean="0"/>
-              <a:t> Interface</a:t>
-            </a:r>
-            <a:endParaRPr lang="en-US" dirty="0"/>
-          </a:p>
-        </p:txBody>
-      </p:sp>
-      <p:sp>
-        <p:nvSpPr>
-          <p:cNvPr id="3" name="Content Placeholder 2"/>
-          <p:cNvSpPr>
-            <a:spLocks noGrp="1"/>
-          </p:cNvSpPr>
-          <p:nvPr>
-            <p:ph idx="1"/>
-          </p:nvPr>
-        </p:nvSpPr>
-        <p:spPr/>
-        <p:txBody>
-          <a:bodyPr/>
-          <a:lstStyle/>
-          <a:p>
-            <a:r>
-              <a:rPr lang="en-US" dirty="0" smtClean="0"/>
-              <a:t>Interface </a:t>
-            </a:r>
-            <a:r>
-              <a:rPr lang="en-US" dirty="0" err="1" smtClean="0"/>
-              <a:t>có</a:t>
-            </a:r>
-            <a:r>
-              <a:rPr lang="en-US" dirty="0" smtClean="0"/>
-              <a:t> </a:t>
-            </a:r>
-            <a:r>
-              <a:rPr lang="en-US" dirty="0" err="1" smtClean="0"/>
-              <a:t>thể</a:t>
-            </a:r>
-            <a:r>
-              <a:rPr lang="en-US" dirty="0" smtClean="0"/>
-              <a:t> extends </a:t>
-            </a:r>
-            <a:r>
-              <a:rPr lang="en-US" dirty="0" err="1" smtClean="0"/>
-              <a:t>nhiều</a:t>
-            </a:r>
-            <a:r>
-              <a:rPr lang="en-US" dirty="0" smtClean="0"/>
-              <a:t> interface </a:t>
-            </a:r>
-            <a:r>
-              <a:rPr lang="en-US" dirty="0" err="1" smtClean="0"/>
-              <a:t>khác</a:t>
-            </a:r>
-            <a:endParaRPr lang="en-US" dirty="0" smtClean="0"/>
-          </a:p>
-          <a:p>
-            <a:r>
-              <a:rPr lang="en-US" dirty="0" smtClean="0"/>
-              <a:t>Interface </a:t>
-            </a:r>
-            <a:r>
-              <a:rPr lang="en-US" dirty="0" err="1" smtClean="0"/>
-              <a:t>không</a:t>
-            </a:r>
-            <a:r>
-              <a:rPr lang="en-US" dirty="0" smtClean="0"/>
-              <a:t> </a:t>
-            </a:r>
-            <a:r>
-              <a:rPr lang="en-US" dirty="0" err="1" smtClean="0"/>
-              <a:t>thể</a:t>
-            </a:r>
-            <a:r>
-              <a:rPr lang="en-US" dirty="0" smtClean="0"/>
-              <a:t> implement Interface </a:t>
-            </a:r>
-            <a:r>
-              <a:rPr lang="en-US" dirty="0" err="1" smtClean="0"/>
-              <a:t>khác</a:t>
-            </a:r>
-            <a:endParaRPr lang="en-US" dirty="0" smtClean="0"/>
-          </a:p>
-          <a:p>
-            <a:r>
-              <a:rPr lang="en-US" dirty="0" err="1" smtClean="0"/>
-              <a:t>Các</a:t>
-            </a:r>
-            <a:r>
-              <a:rPr lang="en-US" dirty="0" smtClean="0"/>
-              <a:t> class </a:t>
-            </a:r>
-            <a:r>
-              <a:rPr lang="en-US" dirty="0" err="1" smtClean="0"/>
-              <a:t>có</a:t>
-            </a:r>
-            <a:r>
-              <a:rPr lang="en-US" dirty="0" smtClean="0"/>
-              <a:t> </a:t>
-            </a:r>
-            <a:r>
-              <a:rPr lang="en-US" dirty="0" err="1" smtClean="0"/>
-              <a:t>thể</a:t>
-            </a:r>
-            <a:r>
-              <a:rPr lang="en-US" dirty="0" smtClean="0"/>
-              <a:t> implement </a:t>
-            </a:r>
-            <a:r>
-              <a:rPr lang="en-US" dirty="0" err="1" smtClean="0"/>
-              <a:t>từ</a:t>
-            </a:r>
-            <a:r>
-              <a:rPr lang="en-US" dirty="0" smtClean="0"/>
-              <a:t> </a:t>
-            </a:r>
-            <a:r>
-              <a:rPr lang="en-US" dirty="0" err="1" smtClean="0"/>
-              <a:t>nhiều</a:t>
-            </a:r>
-            <a:r>
-              <a:rPr lang="en-US" dirty="0" smtClean="0"/>
-              <a:t> Interface</a:t>
-            </a:r>
-          </a:p>
-          <a:p>
-            <a:r>
-              <a:rPr lang="en-US" dirty="0" err="1" smtClean="0"/>
-              <a:t>Hầu</a:t>
-            </a:r>
-            <a:r>
-              <a:rPr lang="en-US" dirty="0" smtClean="0"/>
-              <a:t> </a:t>
-            </a:r>
-            <a:r>
-              <a:rPr lang="en-US" dirty="0" err="1" smtClean="0"/>
-              <a:t>hết</a:t>
-            </a:r>
-            <a:r>
-              <a:rPr lang="en-US" dirty="0" smtClean="0"/>
-              <a:t> </a:t>
-            </a:r>
-            <a:r>
-              <a:rPr lang="en-US" dirty="0" err="1" smtClean="0"/>
-              <a:t>các</a:t>
-            </a:r>
-            <a:r>
-              <a:rPr lang="en-US" dirty="0" smtClean="0"/>
-              <a:t> </a:t>
-            </a:r>
-            <a:r>
-              <a:rPr lang="en-US" dirty="0" err="1" smtClean="0"/>
-              <a:t>phần</a:t>
-            </a:r>
-            <a:r>
-              <a:rPr lang="en-US" dirty="0" smtClean="0"/>
-              <a:t> </a:t>
-            </a:r>
-            <a:r>
-              <a:rPr lang="en-US" dirty="0" err="1" smtClean="0"/>
-              <a:t>mềm</a:t>
-            </a:r>
-            <a:r>
-              <a:rPr lang="en-US" dirty="0" smtClean="0"/>
-              <a:t> </a:t>
-            </a:r>
-            <a:r>
-              <a:rPr lang="en-US" dirty="0" err="1" smtClean="0"/>
-              <a:t>đều</a:t>
-            </a:r>
-            <a:r>
-              <a:rPr lang="en-US" dirty="0" smtClean="0"/>
-              <a:t> </a:t>
-            </a:r>
-            <a:r>
-              <a:rPr lang="en-US" dirty="0" err="1" smtClean="0"/>
-              <a:t>dựng</a:t>
-            </a:r>
-            <a:r>
-              <a:rPr lang="en-US" dirty="0" smtClean="0"/>
-              <a:t> </a:t>
-            </a:r>
-            <a:r>
-              <a:rPr lang="en-US" dirty="0" err="1" smtClean="0"/>
-              <a:t>sẵn</a:t>
-            </a:r>
-            <a:r>
-              <a:rPr lang="en-US" dirty="0" smtClean="0"/>
-              <a:t> interface </a:t>
-            </a:r>
-            <a:r>
-              <a:rPr lang="en-US" dirty="0" err="1" smtClean="0"/>
-              <a:t>trước</a:t>
-            </a:r>
-            <a:endParaRPr lang="en-US" dirty="0" smtClean="0"/>
-          </a:p>
-          <a:p>
-            <a:r>
-              <a:rPr lang="en-US" dirty="0" err="1" smtClean="0"/>
-              <a:t>Dùng</a:t>
-            </a:r>
-            <a:r>
-              <a:rPr lang="en-US" dirty="0" smtClean="0"/>
-              <a:t> interface </a:t>
-            </a:r>
-            <a:r>
-              <a:rPr lang="en-US" dirty="0" err="1" smtClean="0"/>
-              <a:t>mới</a:t>
-            </a:r>
-            <a:r>
-              <a:rPr lang="en-US" dirty="0" smtClean="0"/>
-              <a:t> </a:t>
-            </a:r>
-            <a:r>
-              <a:rPr lang="en-US" dirty="0" err="1" smtClean="0"/>
-              <a:t>mở</a:t>
-            </a:r>
-            <a:r>
-              <a:rPr lang="en-US" dirty="0" smtClean="0"/>
-              <a:t> </a:t>
-            </a:r>
-            <a:r>
-              <a:rPr lang="en-US" dirty="0" err="1" smtClean="0"/>
-              <a:t>rộng</a:t>
-            </a:r>
-            <a:r>
-              <a:rPr lang="en-US" dirty="0" smtClean="0"/>
-              <a:t> </a:t>
-            </a:r>
-            <a:r>
-              <a:rPr lang="en-US" dirty="0" err="1" smtClean="0"/>
-              <a:t>từ</a:t>
-            </a:r>
-            <a:r>
-              <a:rPr lang="en-US" dirty="0" smtClean="0"/>
-              <a:t> interface </a:t>
-            </a:r>
-            <a:r>
-              <a:rPr lang="en-US" dirty="0" err="1" smtClean="0"/>
-              <a:t>cũ</a:t>
-            </a:r>
-            <a:endParaRPr lang="en-US" dirty="0"/>
-          </a:p>
-        </p:txBody>
-      </p:sp>
-    </p:spTree>
-    <p:extLst>
-      <p:ext uri="{BB962C8B-B14F-4D97-AF65-F5344CB8AC3E}">
-        <p14:creationId xmlns:p14="http://schemas.microsoft.com/office/powerpoint/2010/main" val="3377582666"/>
-      </p:ext>
-    </p:extLst>
-  </p:cSld>
-  <p:clrMapOvr>
-    <a:masterClrMapping/>
-  </p:clrMapOvr>
-</p:sld>
-</file>
-
-<file path=ppt/slides/slide6.xml><?xml version="1.0" encoding="utf-8"?>
-<p:sld xmlns:a="http://schemas.openxmlformats.org/drawingml/2006/main" xmlns:r="http://schemas.openxmlformats.org/officeDocument/2006/relationships" xmlns:p="http://schemas.openxmlformats.org/presentationml/2006/main">
-  <p:cSld>
-    <p:spTree>
-      <p:nvGrpSpPr>
-        <p:cNvPr id="1" name=""/>
-        <p:cNvGrpSpPr/>
-        <p:nvPr/>
-      </p:nvGrpSpPr>
-      <p:grpSpPr>
-        <a:xfrm>
-          <a:off x="0" y="0"/>
-          <a:ext cx="0" cy="0"/>
-          <a:chOff x="0" y="0"/>
-          <a:chExt cx="0" cy="0"/>
-        </a:xfrm>
-      </p:grpSpPr>
-      <p:sp>
-        <p:nvSpPr>
-          <p:cNvPr id="2" name="Title 1"/>
-          <p:cNvSpPr>
-            <a:spLocks noGrp="1"/>
-          </p:cNvSpPr>
-          <p:nvPr>
-            <p:ph type="title"/>
-          </p:nvPr>
-        </p:nvSpPr>
-        <p:spPr/>
-        <p:txBody>
-          <a:bodyPr/>
-          <a:lstStyle/>
-          <a:p>
-            <a:r>
-              <a:rPr lang="en-US" dirty="0" err="1" smtClean="0"/>
-              <a:t>Từ</a:t>
-            </a:r>
-            <a:r>
-              <a:rPr lang="en-US" dirty="0" smtClean="0"/>
-              <a:t> </a:t>
-            </a:r>
-            <a:r>
-              <a:rPr lang="en-US" dirty="0" err="1" smtClean="0"/>
-              <a:t>khóa</a:t>
-            </a:r>
-            <a:r>
-              <a:rPr lang="en-US" dirty="0" smtClean="0"/>
-              <a:t> Final</a:t>
-            </a:r>
-            <a:endParaRPr lang="en-US" dirty="0"/>
-          </a:p>
-        </p:txBody>
-      </p:sp>
-      <p:sp>
-        <p:nvSpPr>
-          <p:cNvPr id="3" name="Content Placeholder 2"/>
-          <p:cNvSpPr>
-            <a:spLocks noGrp="1"/>
-          </p:cNvSpPr>
-          <p:nvPr>
-            <p:ph idx="1"/>
-          </p:nvPr>
-        </p:nvSpPr>
-        <p:spPr/>
-        <p:txBody>
-          <a:bodyPr/>
-          <a:lstStyle/>
-          <a:p>
-            <a:r>
-              <a:rPr lang="en-US" dirty="0" err="1" smtClean="0"/>
-              <a:t>Dùng</a:t>
-            </a:r>
-            <a:r>
-              <a:rPr lang="en-US" dirty="0" smtClean="0"/>
-              <a:t> </a:t>
-            </a:r>
-            <a:r>
-              <a:rPr lang="en-US" dirty="0" err="1" smtClean="0"/>
-              <a:t>cho</a:t>
-            </a:r>
-            <a:r>
-              <a:rPr lang="en-US" dirty="0" smtClean="0"/>
-              <a:t> </a:t>
-            </a:r>
-            <a:r>
-              <a:rPr lang="en-US" dirty="0" err="1" smtClean="0"/>
-              <a:t>biến</a:t>
-            </a:r>
-            <a:r>
-              <a:rPr lang="en-US" dirty="0" smtClean="0"/>
-              <a:t>, class, method </a:t>
-            </a:r>
-            <a:r>
-              <a:rPr lang="en-US" dirty="0" err="1" smtClean="0"/>
-              <a:t>để</a:t>
-            </a:r>
-            <a:r>
-              <a:rPr lang="en-US" dirty="0" smtClean="0"/>
-              <a:t> </a:t>
-            </a:r>
-            <a:r>
-              <a:rPr lang="en-US" dirty="0" err="1" smtClean="0"/>
-              <a:t>phân</a:t>
-            </a:r>
-            <a:r>
-              <a:rPr lang="en-US" dirty="0" smtClean="0"/>
-              <a:t> </a:t>
-            </a:r>
-            <a:r>
-              <a:rPr lang="en-US" dirty="0" err="1" smtClean="0"/>
-              <a:t>quyền</a:t>
-            </a:r>
-            <a:r>
-              <a:rPr lang="en-US" dirty="0" smtClean="0"/>
-              <a:t> </a:t>
-            </a:r>
-            <a:r>
-              <a:rPr lang="en-US" dirty="0" err="1" smtClean="0"/>
-              <a:t>truy</a:t>
-            </a:r>
-            <a:r>
-              <a:rPr lang="en-US" dirty="0" smtClean="0"/>
-              <a:t> </a:t>
-            </a:r>
-            <a:r>
-              <a:rPr lang="en-US" dirty="0" err="1" smtClean="0"/>
-              <a:t>cập</a:t>
-            </a:r>
-            <a:endParaRPr lang="en-US" dirty="0" smtClean="0"/>
-          </a:p>
-          <a:p>
-            <a:r>
-              <a:rPr lang="en-US" dirty="0" err="1" smtClean="0"/>
-              <a:t>Biến</a:t>
-            </a:r>
-            <a:r>
-              <a:rPr lang="en-US" dirty="0" smtClean="0"/>
-              <a:t> final </a:t>
-            </a:r>
-            <a:r>
-              <a:rPr lang="en-US" dirty="0" err="1" smtClean="0"/>
-              <a:t>là</a:t>
-            </a:r>
-            <a:r>
-              <a:rPr lang="en-US" dirty="0" smtClean="0"/>
-              <a:t> </a:t>
-            </a:r>
-            <a:r>
-              <a:rPr lang="en-US" dirty="0" err="1" smtClean="0"/>
-              <a:t>hằng</a:t>
-            </a:r>
-            <a:r>
-              <a:rPr lang="en-US" dirty="0" smtClean="0"/>
-              <a:t> </a:t>
-            </a:r>
-            <a:r>
-              <a:rPr lang="en-US" dirty="0" err="1" smtClean="0"/>
-              <a:t>số</a:t>
-            </a:r>
-            <a:r>
-              <a:rPr lang="en-US" dirty="0" smtClean="0"/>
-              <a:t> </a:t>
-            </a:r>
-            <a:r>
-              <a:rPr lang="en-US" dirty="0" err="1" smtClean="0"/>
-              <a:t>và</a:t>
-            </a:r>
-            <a:r>
-              <a:rPr lang="en-US" dirty="0" smtClean="0"/>
-              <a:t> </a:t>
-            </a:r>
-            <a:r>
-              <a:rPr lang="en-US" dirty="0" err="1" smtClean="0"/>
-              <a:t>không</a:t>
-            </a:r>
-            <a:r>
-              <a:rPr lang="en-US" dirty="0" smtClean="0"/>
-              <a:t> </a:t>
-            </a:r>
-            <a:r>
-              <a:rPr lang="en-US" dirty="0" err="1" smtClean="0"/>
-              <a:t>thay</a:t>
-            </a:r>
-            <a:r>
-              <a:rPr lang="en-US" dirty="0" smtClean="0"/>
-              <a:t> </a:t>
-            </a:r>
-            <a:r>
-              <a:rPr lang="en-US" dirty="0" err="1" smtClean="0"/>
-              <a:t>đổi</a:t>
-            </a:r>
-            <a:r>
-              <a:rPr lang="en-US" dirty="0" smtClean="0"/>
-              <a:t> </a:t>
-            </a:r>
-            <a:r>
-              <a:rPr lang="en-US" dirty="0" err="1" smtClean="0"/>
-              <a:t>được</a:t>
-            </a:r>
-            <a:r>
-              <a:rPr lang="en-US" dirty="0" smtClean="0"/>
-              <a:t> </a:t>
-            </a:r>
-            <a:r>
-              <a:rPr lang="en-US" dirty="0" err="1" smtClean="0"/>
-              <a:t>giá</a:t>
-            </a:r>
-            <a:r>
-              <a:rPr lang="en-US" dirty="0" smtClean="0"/>
-              <a:t> </a:t>
-            </a:r>
-            <a:r>
-              <a:rPr lang="en-US" dirty="0" err="1" smtClean="0"/>
-              <a:t>trị</a:t>
-            </a:r>
-            <a:r>
-              <a:rPr lang="en-US" dirty="0" smtClean="0"/>
-              <a:t> (</a:t>
-            </a:r>
-            <a:r>
-              <a:rPr lang="en-US" dirty="0" err="1" smtClean="0"/>
-              <a:t>không</a:t>
-            </a:r>
-            <a:r>
-              <a:rPr lang="en-US" dirty="0" smtClean="0"/>
-              <a:t> </a:t>
-            </a:r>
-            <a:r>
-              <a:rPr lang="en-US" dirty="0" err="1" smtClean="0"/>
-              <a:t>có</a:t>
-            </a:r>
-            <a:r>
-              <a:rPr lang="en-US" dirty="0" smtClean="0"/>
-              <a:t> setter)</a:t>
-            </a:r>
-          </a:p>
-          <a:p>
-            <a:r>
-              <a:rPr lang="en-US" dirty="0"/>
-              <a:t>Class final: </a:t>
-            </a:r>
-            <a:r>
-              <a:rPr lang="en-US" dirty="0" err="1"/>
-              <a:t>không</a:t>
-            </a:r>
-            <a:r>
-              <a:rPr lang="en-US" dirty="0"/>
-              <a:t> </a:t>
-            </a:r>
-            <a:r>
-              <a:rPr lang="en-US" dirty="0" err="1"/>
-              <a:t>thể</a:t>
-            </a:r>
-            <a:r>
-              <a:rPr lang="en-US" dirty="0"/>
-              <a:t> </a:t>
-            </a:r>
-            <a:r>
-              <a:rPr lang="en-US" dirty="0" smtClean="0"/>
-              <a:t>extend</a:t>
-            </a:r>
-          </a:p>
-          <a:p>
-            <a:r>
-              <a:rPr lang="en-US" dirty="0" smtClean="0"/>
-              <a:t>Method final: </a:t>
-            </a:r>
-            <a:r>
-              <a:rPr lang="en-US" dirty="0" err="1" smtClean="0"/>
-              <a:t>không</a:t>
-            </a:r>
-            <a:r>
-              <a:rPr lang="en-US" dirty="0" smtClean="0"/>
-              <a:t> </a:t>
-            </a:r>
-            <a:r>
-              <a:rPr lang="en-US" dirty="0" err="1" smtClean="0"/>
-              <a:t>thể</a:t>
-            </a:r>
-            <a:r>
-              <a:rPr lang="en-US" dirty="0" smtClean="0"/>
-              <a:t> </a:t>
-            </a:r>
-            <a:r>
-              <a:rPr lang="en-US" dirty="0" err="1" smtClean="0"/>
-              <a:t>ghi</a:t>
-            </a:r>
-            <a:r>
-              <a:rPr lang="en-US" dirty="0" smtClean="0"/>
-              <a:t> </a:t>
-            </a:r>
-            <a:r>
-              <a:rPr lang="en-US" dirty="0" err="1" smtClean="0"/>
-              <a:t>đè</a:t>
-            </a:r>
-            <a:r>
-              <a:rPr lang="en-US" dirty="0" smtClean="0"/>
-              <a:t>, </a:t>
-            </a:r>
-            <a:r>
-              <a:rPr lang="en-US" dirty="0" err="1" smtClean="0"/>
-              <a:t>có</a:t>
-            </a:r>
-            <a:r>
-              <a:rPr lang="en-US" dirty="0" smtClean="0"/>
-              <a:t> </a:t>
-            </a:r>
-            <a:r>
-              <a:rPr lang="en-US" dirty="0" err="1" smtClean="0"/>
-              <a:t>thể</a:t>
-            </a:r>
-            <a:r>
-              <a:rPr lang="en-US" dirty="0" smtClean="0"/>
-              <a:t> </a:t>
-            </a:r>
-            <a:r>
-              <a:rPr lang="en-US" dirty="0" err="1" smtClean="0"/>
-              <a:t>kế</a:t>
-            </a:r>
-            <a:r>
-              <a:rPr lang="en-US" dirty="0" smtClean="0"/>
-              <a:t> </a:t>
-            </a:r>
-            <a:r>
-              <a:rPr lang="en-US" dirty="0" err="1" smtClean="0"/>
-              <a:t>thừa</a:t>
-            </a:r>
-            <a:r>
-              <a:rPr lang="en-US" dirty="0" smtClean="0"/>
-              <a:t> </a:t>
-            </a:r>
-            <a:r>
-              <a:rPr lang="en-US" dirty="0" err="1" smtClean="0"/>
-              <a:t>từ</a:t>
-            </a:r>
-            <a:r>
-              <a:rPr lang="en-US" dirty="0" smtClean="0"/>
-              <a:t> class </a:t>
-            </a:r>
-            <a:r>
-              <a:rPr lang="en-US" dirty="0" err="1" smtClean="0"/>
-              <a:t>không</a:t>
-            </a:r>
-            <a:r>
-              <a:rPr lang="en-US" dirty="0" smtClean="0"/>
-              <a:t> final</a:t>
-            </a:r>
-          </a:p>
-          <a:p>
-            <a:r>
-              <a:rPr lang="en-US" dirty="0" err="1" smtClean="0"/>
-              <a:t>Biến</a:t>
-            </a:r>
-            <a:r>
-              <a:rPr lang="en-US" dirty="0" smtClean="0"/>
-              <a:t> final, static </a:t>
-            </a:r>
-            <a:r>
-              <a:rPr lang="en-US" dirty="0" err="1" smtClean="0"/>
-              <a:t>có</a:t>
-            </a:r>
-            <a:r>
-              <a:rPr lang="en-US" dirty="0" smtClean="0"/>
-              <a:t> </a:t>
-            </a:r>
-            <a:r>
-              <a:rPr lang="en-US" dirty="0" err="1" smtClean="0"/>
-              <a:t>thể</a:t>
-            </a:r>
-            <a:r>
-              <a:rPr lang="en-US" dirty="0" smtClean="0"/>
-              <a:t> </a:t>
-            </a:r>
-            <a:r>
-              <a:rPr lang="en-US" dirty="0" err="1" smtClean="0"/>
-              <a:t>không</a:t>
-            </a:r>
-            <a:r>
-              <a:rPr lang="en-US" dirty="0" smtClean="0"/>
-              <a:t> </a:t>
-            </a:r>
-            <a:r>
-              <a:rPr lang="en-US" dirty="0" err="1" smtClean="0"/>
-              <a:t>khai</a:t>
-            </a:r>
-            <a:r>
-              <a:rPr lang="en-US" dirty="0" smtClean="0"/>
-              <a:t> </a:t>
-            </a:r>
-            <a:r>
-              <a:rPr lang="en-US" dirty="0" err="1" smtClean="0"/>
-              <a:t>báo</a:t>
-            </a:r>
-            <a:r>
-              <a:rPr lang="en-US" dirty="0" smtClean="0"/>
-              <a:t> </a:t>
-            </a:r>
-            <a:r>
-              <a:rPr lang="en-US" dirty="0" err="1" smtClean="0"/>
-              <a:t>trị</a:t>
-            </a:r>
-            <a:endParaRPr lang="en-US" dirty="0" smtClean="0"/>
-          </a:p>
-        </p:txBody>
-      </p:sp>
-    </p:spTree>
-    <p:extLst>
-      <p:ext uri="{BB962C8B-B14F-4D97-AF65-F5344CB8AC3E}">
-        <p14:creationId xmlns:p14="http://schemas.microsoft.com/office/powerpoint/2010/main" val="4148179437"/>
-      </p:ext>
-    </p:extLst>
-  </p:cSld>
-  <p:clrMapOvr>
-    <a:masterClrMapping/>
-  </p:clrMapOvr>
-</p:sld>
-</file>
-
-<file path=ppt/slides/slide7.xml><?xml version="1.0" encoding="utf-8"?>
-<p:sld xmlns:a="http://schemas.openxmlformats.org/drawingml/2006/main" xmlns:r="http://schemas.openxmlformats.org/officeDocument/2006/relationships" xmlns:p="http://schemas.openxmlformats.org/presentationml/2006/main">
-  <p:cSld>
-    <p:spTree>
-      <p:nvGrpSpPr>
-        <p:cNvPr id="1" name=""/>
-        <p:cNvGrpSpPr/>
-        <p:nvPr/>
-      </p:nvGrpSpPr>
-      <p:grpSpPr>
-        <a:xfrm>
-          <a:off x="0" y="0"/>
-          <a:ext cx="0" cy="0"/>
-          <a:chOff x="0" y="0"/>
-          <a:chExt cx="0" cy="0"/>
-        </a:xfrm>
-      </p:grpSpPr>
-      <p:sp>
-        <p:nvSpPr>
-          <p:cNvPr id="2" name="Title 1"/>
-          <p:cNvSpPr>
-            <a:spLocks noGrp="1"/>
-          </p:cNvSpPr>
-          <p:nvPr>
-            <p:ph type="title"/>
-          </p:nvPr>
-        </p:nvSpPr>
-        <p:spPr/>
-        <p:txBody>
-          <a:bodyPr/>
-          <a:lstStyle/>
-          <a:p>
-            <a:r>
-              <a:rPr lang="en-US" dirty="0" err="1" smtClean="0"/>
-              <a:t>Từ</a:t>
-            </a:r>
-            <a:r>
-              <a:rPr lang="en-US" dirty="0" smtClean="0"/>
-              <a:t> </a:t>
-            </a:r>
-            <a:r>
-              <a:rPr lang="en-US" dirty="0" err="1" smtClean="0"/>
-              <a:t>khóa</a:t>
-            </a:r>
-            <a:r>
-              <a:rPr lang="en-US" dirty="0" smtClean="0"/>
-              <a:t> static</a:t>
-            </a:r>
-            <a:endParaRPr lang="en-US" dirty="0"/>
-          </a:p>
-        </p:txBody>
-      </p:sp>
-      <p:sp>
-        <p:nvSpPr>
-          <p:cNvPr id="3" name="Content Placeholder 2"/>
-          <p:cNvSpPr>
-            <a:spLocks noGrp="1"/>
-          </p:cNvSpPr>
-          <p:nvPr>
-            <p:ph idx="1"/>
-          </p:nvPr>
-        </p:nvSpPr>
-        <p:spPr/>
-        <p:txBody>
-          <a:bodyPr/>
-          <a:lstStyle/>
-          <a:p>
-            <a:r>
-              <a:rPr lang="en-US" dirty="0" err="1" smtClean="0"/>
-              <a:t>Mục</a:t>
-            </a:r>
-            <a:r>
-              <a:rPr lang="en-US" dirty="0" smtClean="0"/>
-              <a:t> </a:t>
-            </a:r>
-            <a:r>
-              <a:rPr lang="en-US" dirty="0" err="1" smtClean="0"/>
-              <a:t>đích</a:t>
-            </a:r>
-            <a:r>
-              <a:rPr lang="en-US" dirty="0" smtClean="0"/>
-              <a:t> </a:t>
-            </a:r>
-            <a:r>
-              <a:rPr lang="en-US" dirty="0" err="1" smtClean="0"/>
-              <a:t>quản</a:t>
-            </a:r>
-            <a:r>
-              <a:rPr lang="en-US" dirty="0" smtClean="0"/>
-              <a:t> </a:t>
-            </a:r>
-            <a:r>
-              <a:rPr lang="en-US" dirty="0" err="1" smtClean="0"/>
-              <a:t>lý</a:t>
-            </a:r>
-            <a:r>
-              <a:rPr lang="en-US" dirty="0" smtClean="0"/>
-              <a:t> </a:t>
-            </a:r>
-            <a:r>
-              <a:rPr lang="en-US" dirty="0" err="1" smtClean="0"/>
-              <a:t>bộ</a:t>
-            </a:r>
-            <a:r>
-              <a:rPr lang="en-US" dirty="0" smtClean="0"/>
-              <a:t> </a:t>
-            </a:r>
-            <a:r>
-              <a:rPr lang="en-US" dirty="0" err="1" smtClean="0"/>
-              <a:t>nhớ</a:t>
-            </a:r>
-            <a:endParaRPr lang="en-US" dirty="0" smtClean="0"/>
-          </a:p>
-          <a:p>
-            <a:r>
-              <a:rPr lang="en-US" dirty="0" err="1" smtClean="0"/>
-              <a:t>Biến</a:t>
-            </a:r>
-            <a:r>
-              <a:rPr lang="en-US" dirty="0" smtClean="0"/>
-              <a:t> static: </a:t>
-            </a:r>
-            <a:r>
-              <a:rPr lang="en-US" dirty="0" err="1" smtClean="0"/>
-              <a:t>Khởi</a:t>
-            </a:r>
-            <a:r>
-              <a:rPr lang="en-US" dirty="0" smtClean="0"/>
-              <a:t> </a:t>
-            </a:r>
-            <a:r>
-              <a:rPr lang="en-US" dirty="0" err="1" smtClean="0"/>
-              <a:t>tạo</a:t>
-            </a:r>
-            <a:r>
-              <a:rPr lang="en-US" dirty="0" smtClean="0"/>
-              <a:t> </a:t>
-            </a:r>
-            <a:r>
-              <a:rPr lang="en-US" dirty="0" err="1" smtClean="0"/>
-              <a:t>một</a:t>
-            </a:r>
-            <a:r>
-              <a:rPr lang="en-US" dirty="0" smtClean="0"/>
-              <a:t> </a:t>
-            </a:r>
-            <a:r>
-              <a:rPr lang="en-US" dirty="0" err="1" smtClean="0"/>
-              <a:t>lần</a:t>
-            </a:r>
-            <a:r>
-              <a:rPr lang="en-US" dirty="0" smtClean="0"/>
-              <a:t> </a:t>
-            </a:r>
-            <a:r>
-              <a:rPr lang="en-US" dirty="0" err="1" smtClean="0"/>
-              <a:t>duy</a:t>
-            </a:r>
-            <a:r>
-              <a:rPr lang="en-US" dirty="0" smtClean="0"/>
-              <a:t> </a:t>
-            </a:r>
-            <a:r>
-              <a:rPr lang="en-US" dirty="0" err="1" smtClean="0"/>
-              <a:t>nhất</a:t>
-            </a:r>
-            <a:endParaRPr lang="en-US" dirty="0" smtClean="0"/>
-          </a:p>
-          <a:p>
-            <a:r>
-              <a:rPr lang="en-US" dirty="0" smtClean="0"/>
-              <a:t>Method static: </a:t>
-            </a:r>
-            <a:r>
-              <a:rPr lang="en-US" dirty="0" err="1" smtClean="0"/>
-              <a:t>gọi</a:t>
-            </a:r>
-            <a:r>
-              <a:rPr lang="en-US" dirty="0" smtClean="0"/>
-              <a:t> </a:t>
-            </a:r>
-            <a:r>
-              <a:rPr lang="en-US" dirty="0" err="1" smtClean="0"/>
-              <a:t>trực</a:t>
-            </a:r>
-            <a:r>
-              <a:rPr lang="en-US" dirty="0" smtClean="0"/>
-              <a:t> </a:t>
-            </a:r>
-            <a:r>
-              <a:rPr lang="en-US" dirty="0" err="1" smtClean="0"/>
-              <a:t>tiếp</a:t>
-            </a:r>
-            <a:r>
-              <a:rPr lang="en-US" dirty="0" smtClean="0"/>
-              <a:t> </a:t>
-            </a:r>
-            <a:r>
-              <a:rPr lang="en-US" dirty="0" err="1" smtClean="0"/>
-              <a:t>mà</a:t>
-            </a:r>
-            <a:r>
-              <a:rPr lang="en-US" dirty="0" smtClean="0"/>
-              <a:t> </a:t>
-            </a:r>
-            <a:r>
-              <a:rPr lang="en-US" dirty="0" err="1" smtClean="0"/>
-              <a:t>không</a:t>
-            </a:r>
-            <a:r>
-              <a:rPr lang="en-US" dirty="0" smtClean="0"/>
-              <a:t> </a:t>
-            </a:r>
-            <a:r>
-              <a:rPr lang="en-US" dirty="0" err="1" smtClean="0"/>
-              <a:t>cần</a:t>
-            </a:r>
-            <a:r>
-              <a:rPr lang="en-US" dirty="0" smtClean="0"/>
-              <a:t> </a:t>
-            </a:r>
-            <a:r>
-              <a:rPr lang="en-US" dirty="0" err="1" smtClean="0"/>
-              <a:t>khởi</a:t>
-            </a:r>
-            <a:r>
-              <a:rPr lang="en-US" dirty="0" smtClean="0"/>
-              <a:t> </a:t>
-            </a:r>
-            <a:r>
-              <a:rPr lang="en-US" dirty="0" err="1" smtClean="0"/>
-              <a:t>tạo</a:t>
-            </a:r>
-            <a:r>
-              <a:rPr lang="en-US" dirty="0" smtClean="0"/>
-              <a:t> </a:t>
-            </a:r>
-            <a:r>
-              <a:rPr lang="en-US" dirty="0" err="1" smtClean="0"/>
-              <a:t>đối</a:t>
-            </a:r>
-            <a:r>
-              <a:rPr lang="en-US" dirty="0" smtClean="0"/>
-              <a:t> </a:t>
-            </a:r>
-            <a:r>
-              <a:rPr lang="en-US" dirty="0" err="1" smtClean="0"/>
-              <a:t>tượng</a:t>
-            </a:r>
-            <a:endParaRPr lang="en-US" dirty="0" smtClean="0"/>
-          </a:p>
-          <a:p>
-            <a:r>
-              <a:rPr lang="en-US" dirty="0" smtClean="0"/>
-              <a:t>Class static: </a:t>
-            </a:r>
-            <a:r>
-              <a:rPr lang="en-US" dirty="0" err="1" smtClean="0"/>
-              <a:t>chỉ</a:t>
-            </a:r>
-            <a:r>
-              <a:rPr lang="en-US" dirty="0" smtClean="0"/>
-              <a:t> </a:t>
-            </a:r>
-            <a:r>
-              <a:rPr lang="en-US" dirty="0" err="1" smtClean="0"/>
-              <a:t>có</a:t>
-            </a:r>
-            <a:r>
-              <a:rPr lang="en-US" dirty="0" smtClean="0"/>
-              <a:t> </a:t>
-            </a:r>
-            <a:r>
-              <a:rPr lang="en-US" dirty="0" err="1" smtClean="0"/>
-              <a:t>thể</a:t>
-            </a:r>
-            <a:r>
-              <a:rPr lang="en-US" dirty="0" smtClean="0"/>
-              <a:t> </a:t>
-            </a:r>
-            <a:r>
-              <a:rPr lang="en-US" dirty="0" err="1" smtClean="0"/>
-              <a:t>là</a:t>
-            </a:r>
-            <a:r>
-              <a:rPr lang="en-US" dirty="0" smtClean="0"/>
-              <a:t> </a:t>
-            </a:r>
-            <a:r>
-              <a:rPr lang="en-US" dirty="0"/>
-              <a:t>I</a:t>
-            </a:r>
-            <a:r>
-              <a:rPr lang="en-US" dirty="0" smtClean="0"/>
-              <a:t>nner Class</a:t>
-            </a:r>
-          </a:p>
-          <a:p>
-            <a:r>
-              <a:rPr lang="en-US" dirty="0" err="1" smtClean="0"/>
-              <a:t>Ngoài</a:t>
-            </a:r>
-            <a:r>
-              <a:rPr lang="en-US" dirty="0" smtClean="0"/>
-              <a:t> </a:t>
-            </a:r>
-            <a:r>
-              <a:rPr lang="en-US" dirty="0" err="1" smtClean="0"/>
-              <a:t>ra</a:t>
-            </a:r>
-            <a:r>
-              <a:rPr lang="en-US" dirty="0" smtClean="0"/>
-              <a:t> </a:t>
-            </a:r>
-            <a:r>
-              <a:rPr lang="en-US" dirty="0" err="1" smtClean="0"/>
-              <a:t>có</a:t>
-            </a:r>
-            <a:r>
-              <a:rPr lang="en-US" dirty="0" smtClean="0"/>
-              <a:t> </a:t>
-            </a:r>
-            <a:r>
-              <a:rPr lang="en-US" dirty="0" err="1" smtClean="0"/>
-              <a:t>thể</a:t>
-            </a:r>
-            <a:r>
-              <a:rPr lang="en-US" dirty="0" smtClean="0"/>
-              <a:t> </a:t>
-            </a:r>
-            <a:r>
-              <a:rPr lang="en-US" dirty="0" err="1" smtClean="0"/>
-              <a:t>tạo</a:t>
-            </a:r>
-            <a:r>
-              <a:rPr lang="en-US" dirty="0" smtClean="0"/>
-              <a:t> </a:t>
-            </a:r>
-            <a:r>
-              <a:rPr lang="en-US" dirty="0" err="1" smtClean="0"/>
-              <a:t>khối</a:t>
-            </a:r>
-            <a:r>
-              <a:rPr lang="en-US" dirty="0" smtClean="0"/>
-              <a:t> static </a:t>
-            </a:r>
-            <a:r>
-              <a:rPr lang="en-US" dirty="0" err="1" smtClean="0"/>
-              <a:t>chạy</a:t>
-            </a:r>
-            <a:r>
-              <a:rPr lang="en-US" dirty="0" smtClean="0"/>
-              <a:t> </a:t>
-            </a:r>
-            <a:r>
-              <a:rPr lang="en-US" dirty="0" err="1" smtClean="0"/>
-              <a:t>trước</a:t>
-            </a:r>
-            <a:r>
-              <a:rPr lang="en-US" dirty="0" smtClean="0"/>
-              <a:t> </a:t>
-            </a:r>
-            <a:r>
-              <a:rPr lang="en-US" dirty="0" err="1" smtClean="0"/>
-              <a:t>hàm</a:t>
-            </a:r>
-            <a:r>
-              <a:rPr lang="en-US" dirty="0" smtClean="0"/>
-              <a:t> main</a:t>
-            </a:r>
-          </a:p>
-          <a:p>
-            <a:endParaRPr lang="en-US" dirty="0"/>
-          </a:p>
-        </p:txBody>
-      </p:sp>
-    </p:spTree>
-    <p:extLst>
-      <p:ext uri="{BB962C8B-B14F-4D97-AF65-F5344CB8AC3E}">
-        <p14:creationId xmlns:p14="http://schemas.microsoft.com/office/powerpoint/2010/main" val="3832941511"/>
-      </p:ext>
-    </p:extLst>
-  </p:cSld>
-  <p:clrMapOvr>
-    <a:masterClrMapping/>
-  </p:clrMapOvr>
-</p:sld>
-</file>
-
-<file path=ppt/slides/slide8.xml><?xml version="1.0" encoding="utf-8"?>
-<p:sld xmlns:a="http://schemas.openxmlformats.org/drawingml/2006/main" xmlns:r="http://schemas.openxmlformats.org/officeDocument/2006/relationships" xmlns:p="http://schemas.openxmlformats.org/presentationml/2006/main">
-  <p:cSld>
-    <p:spTree>
-      <p:nvGrpSpPr>
-        <p:cNvPr id="1" name=""/>
-        <p:cNvGrpSpPr/>
-        <p:nvPr/>
-      </p:nvGrpSpPr>
-      <p:grpSpPr>
-        <a:xfrm>
-          <a:off x="0" y="0"/>
-          <a:ext cx="0" cy="0"/>
-          <a:chOff x="0" y="0"/>
-          <a:chExt cx="0" cy="0"/>
-        </a:xfrm>
-      </p:grpSpPr>
-      <p:sp>
-        <p:nvSpPr>
-          <p:cNvPr id="2" name="Title 1"/>
-          <p:cNvSpPr>
-            <a:spLocks noGrp="1"/>
-          </p:cNvSpPr>
-          <p:nvPr>
-            <p:ph type="title"/>
-          </p:nvPr>
-        </p:nvSpPr>
-        <p:spPr/>
-        <p:txBody>
-          <a:bodyPr/>
-          <a:lstStyle/>
-          <a:p>
-            <a:r>
-              <a:rPr lang="en-US" dirty="0" smtClean="0"/>
-              <a:t>Abs</a:t>
-            </a:r>
-            <a:endParaRPr lang="en-US" dirty="0"/>
-          </a:p>
-        </p:txBody>
-      </p:sp>
-      <p:sp>
-        <p:nvSpPr>
-          <p:cNvPr id="3" name="Content Placeholder 2"/>
-          <p:cNvSpPr>
-            <a:spLocks noGrp="1"/>
-          </p:cNvSpPr>
-          <p:nvPr>
-            <p:ph idx="1"/>
-          </p:nvPr>
-        </p:nvSpPr>
-        <p:spPr/>
-        <p:txBody>
-          <a:bodyPr/>
-          <a:lstStyle/>
-          <a:p>
-            <a:endParaRPr lang="en-US"/>
-          </a:p>
-        </p:txBody>
-      </p:sp>
-    </p:spTree>
-    <p:extLst>
-      <p:ext uri="{BB962C8B-B14F-4D97-AF65-F5344CB8AC3E}">
-        <p14:creationId xmlns:p14="http://schemas.microsoft.com/office/powerpoint/2010/main" val="3629346745"/>
-      </p:ext>
-    </p:extLst>
-  </p:cSld>
-  <p:clrMapOvr>
-    <a:masterClrMapping/>
-  </p:clrMapOvr>
-</p:sld>
-</file>
-
 <file path=ppt/slides/slide9.xml><?xml version="1.0" encoding="utf-8"?>
 <p:sld xmlns:a="http://schemas.openxmlformats.org/drawingml/2006/main" xmlns:r="http://schemas.openxmlformats.org/officeDocument/2006/relationships" xmlns:p="http://schemas.openxmlformats.org/presentationml/2006/main">
   <p:cSld>
@@ -5930,7 +8631,31 @@
           <a:bodyPr/>
           <a:lstStyle/>
           <a:p>
-            <a:endParaRPr lang="en-US"/>
+            <a:r>
+              <a:rPr lang="en-US" dirty="0" err="1" smtClean="0"/>
+              <a:t>Kế</a:t>
+            </a:r>
+            <a:r>
+              <a:rPr lang="en-US" dirty="0" smtClean="0"/>
+              <a:t> </a:t>
+            </a:r>
+            <a:r>
+              <a:rPr lang="en-US" dirty="0" err="1" smtClean="0"/>
+              <a:t>thừa</a:t>
+            </a:r>
+            <a:r>
+              <a:rPr lang="en-US" dirty="0" smtClean="0"/>
+              <a:t> </a:t>
+            </a:r>
+            <a:r>
+              <a:rPr lang="en-US" dirty="0" err="1" smtClean="0"/>
+              <a:t>với</a:t>
+            </a:r>
+            <a:r>
+              <a:rPr lang="en-US" dirty="0" smtClean="0"/>
+              <a:t> Interface</a:t>
+            </a:r>
+            <a:endParaRPr lang="en-US" dirty="0"/>
           </a:p>
         </p:txBody>
       </p:sp>
@@ -5949,14 +8674,233 @@
           <a:bodyPr/>
           <a:lstStyle/>
           <a:p>
-            <a:endParaRPr lang="en-US"/>
+            <a:r>
+              <a:rPr lang="en-US" dirty="0" smtClean="0"/>
+              <a:t>Interface </a:t>
+            </a:r>
+            <a:r>
+              <a:rPr lang="en-US" dirty="0" err="1" smtClean="0"/>
+              <a:t>có</a:t>
+            </a:r>
+            <a:r>
+              <a:rPr lang="en-US" dirty="0" smtClean="0"/>
+              <a:t> </a:t>
+            </a:r>
+            <a:r>
+              <a:rPr lang="en-US" dirty="0" err="1" smtClean="0"/>
+              <a:t>thể</a:t>
+            </a:r>
+            <a:r>
+              <a:rPr lang="en-US" dirty="0" smtClean="0"/>
+              <a:t> extends </a:t>
+            </a:r>
+            <a:r>
+              <a:rPr lang="en-US" dirty="0" err="1" smtClean="0"/>
+              <a:t>nhiều</a:t>
+            </a:r>
+            <a:r>
+              <a:rPr lang="en-US" dirty="0" smtClean="0"/>
+              <a:t> interface </a:t>
+            </a:r>
+            <a:r>
+              <a:rPr lang="en-US" dirty="0" err="1" smtClean="0"/>
+              <a:t>khác</a:t>
+            </a:r>
+            <a:endParaRPr lang="en-US" dirty="0" smtClean="0"/>
+          </a:p>
+          <a:p>
+            <a:r>
+              <a:rPr lang="en-US" dirty="0" smtClean="0"/>
+              <a:t>Interface </a:t>
+            </a:r>
+            <a:r>
+              <a:rPr lang="en-US" dirty="0" err="1" smtClean="0"/>
+              <a:t>không</a:t>
+            </a:r>
+            <a:r>
+              <a:rPr lang="en-US" dirty="0" smtClean="0"/>
+              <a:t> </a:t>
+            </a:r>
+            <a:r>
+              <a:rPr lang="en-US" dirty="0" err="1" smtClean="0"/>
+              <a:t>thể</a:t>
+            </a:r>
+            <a:r>
+              <a:rPr lang="en-US" dirty="0" smtClean="0"/>
+              <a:t> implement Interface </a:t>
+            </a:r>
+            <a:r>
+              <a:rPr lang="en-US" dirty="0" err="1" smtClean="0"/>
+              <a:t>khác</a:t>
+            </a:r>
+            <a:endParaRPr lang="en-US" dirty="0" smtClean="0"/>
+          </a:p>
+          <a:p>
+            <a:r>
+              <a:rPr lang="en-US" dirty="0" err="1" smtClean="0"/>
+              <a:t>Các</a:t>
+            </a:r>
+            <a:r>
+              <a:rPr lang="en-US" dirty="0" smtClean="0"/>
+              <a:t> class </a:t>
+            </a:r>
+            <a:r>
+              <a:rPr lang="en-US" dirty="0" err="1" smtClean="0"/>
+              <a:t>có</a:t>
+            </a:r>
+            <a:r>
+              <a:rPr lang="en-US" dirty="0" smtClean="0"/>
+              <a:t> </a:t>
+            </a:r>
+            <a:r>
+              <a:rPr lang="en-US" dirty="0" err="1" smtClean="0"/>
+              <a:t>thể</a:t>
+            </a:r>
+            <a:r>
+              <a:rPr lang="en-US" dirty="0" smtClean="0"/>
+              <a:t> implement </a:t>
+            </a:r>
+            <a:r>
+              <a:rPr lang="en-US" dirty="0" err="1" smtClean="0"/>
+              <a:t>từ</a:t>
+            </a:r>
+            <a:r>
+              <a:rPr lang="en-US" dirty="0" smtClean="0"/>
+              <a:t> </a:t>
+            </a:r>
+            <a:r>
+              <a:rPr lang="en-US" dirty="0" err="1" smtClean="0"/>
+              <a:t>nhiều</a:t>
+            </a:r>
+            <a:r>
+              <a:rPr lang="en-US" dirty="0" smtClean="0"/>
+              <a:t> Interface</a:t>
+            </a:r>
+          </a:p>
+          <a:p>
+            <a:r>
+              <a:rPr lang="en-US" dirty="0" err="1" smtClean="0"/>
+              <a:t>Hầu</a:t>
+            </a:r>
+            <a:r>
+              <a:rPr lang="en-US" dirty="0" smtClean="0"/>
+              <a:t> </a:t>
+            </a:r>
+            <a:r>
+              <a:rPr lang="en-US" dirty="0" err="1" smtClean="0"/>
+              <a:t>hết</a:t>
+            </a:r>
+            <a:r>
+              <a:rPr lang="en-US" dirty="0" smtClean="0"/>
+              <a:t> </a:t>
+            </a:r>
+            <a:r>
+              <a:rPr lang="en-US" dirty="0" err="1" smtClean="0"/>
+              <a:t>các</a:t>
+            </a:r>
+            <a:r>
+              <a:rPr lang="en-US" dirty="0" smtClean="0"/>
+              <a:t> </a:t>
+            </a:r>
+            <a:r>
+              <a:rPr lang="en-US" dirty="0" err="1" smtClean="0"/>
+              <a:t>phần</a:t>
+            </a:r>
+            <a:r>
+              <a:rPr lang="en-US" dirty="0" smtClean="0"/>
+              <a:t> </a:t>
+            </a:r>
+            <a:r>
+              <a:rPr lang="en-US" dirty="0" err="1" smtClean="0"/>
+              <a:t>mềm</a:t>
+            </a:r>
+            <a:r>
+              <a:rPr lang="en-US" dirty="0" smtClean="0"/>
+              <a:t> </a:t>
+            </a:r>
+            <a:r>
+              <a:rPr lang="en-US" dirty="0" err="1" smtClean="0"/>
+              <a:t>đều</a:t>
+            </a:r>
+            <a:r>
+              <a:rPr lang="en-US" dirty="0" smtClean="0"/>
+              <a:t> </a:t>
+            </a:r>
+            <a:r>
+              <a:rPr lang="en-US" dirty="0" err="1" smtClean="0"/>
+              <a:t>dựng</a:t>
+            </a:r>
+            <a:r>
+              <a:rPr lang="en-US" dirty="0" smtClean="0"/>
+              <a:t> </a:t>
+            </a:r>
+            <a:r>
+              <a:rPr lang="en-US" dirty="0" err="1" smtClean="0"/>
+              <a:t>sẵn</a:t>
+            </a:r>
+            <a:r>
+              <a:rPr lang="en-US" dirty="0" smtClean="0"/>
+              <a:t> interface </a:t>
+            </a:r>
+            <a:r>
+              <a:rPr lang="en-US" dirty="0" err="1" smtClean="0"/>
+              <a:t>trước</a:t>
+            </a:r>
+            <a:endParaRPr lang="en-US" dirty="0" smtClean="0"/>
+          </a:p>
+          <a:p>
+            <a:r>
+              <a:rPr lang="en-US" dirty="0" err="1" smtClean="0"/>
+              <a:t>Dùng</a:t>
+            </a:r>
+            <a:r>
+              <a:rPr lang="en-US" dirty="0" smtClean="0"/>
+              <a:t> interface </a:t>
+            </a:r>
+            <a:r>
+              <a:rPr lang="en-US" dirty="0" err="1" smtClean="0"/>
+              <a:t>mới</a:t>
+            </a:r>
+            <a:r>
+              <a:rPr lang="en-US" dirty="0" smtClean="0"/>
+              <a:t> </a:t>
+            </a:r>
+            <a:r>
+              <a:rPr lang="en-US" dirty="0" err="1" smtClean="0"/>
+              <a:t>mở</a:t>
+            </a:r>
+            <a:r>
+              <a:rPr lang="en-US" dirty="0" smtClean="0"/>
+              <a:t> </a:t>
+            </a:r>
+            <a:r>
+              <a:rPr lang="en-US" dirty="0" err="1" smtClean="0"/>
+              <a:t>rộng</a:t>
+            </a:r>
+            <a:r>
+              <a:rPr lang="en-US" dirty="0" smtClean="0"/>
+              <a:t> </a:t>
+            </a:r>
+            <a:r>
+              <a:rPr lang="en-US" dirty="0" err="1" smtClean="0"/>
+              <a:t>từ</a:t>
+            </a:r>
+            <a:r>
+              <a:rPr lang="en-US" dirty="0" smtClean="0"/>
+              <a:t> interface </a:t>
+            </a:r>
+            <a:r>
+              <a:rPr lang="en-US" dirty="0" err="1" smtClean="0"/>
+              <a:t>cũ</a:t>
+            </a:r>
+            <a:endParaRPr lang="en-US" dirty="0"/>
           </a:p>
         </p:txBody>
       </p:sp>
     </p:spTree>
     <p:extLst>
       <p:ext uri="{BB962C8B-B14F-4D97-AF65-F5344CB8AC3E}">
-        <p14:creationId xmlns:p14="http://schemas.microsoft.com/office/powerpoint/2010/main" val="2353690257"/>
+        <p14:creationId xmlns:p14="http://schemas.microsoft.com/office/powerpoint/2010/main" val="3377582666"/>
       </p:ext>
     </p:extLst>
   </p:cSld>
